--- a/Read_Note_Slide/JunWang.pptx
+++ b/Read_Note_Slide/JunWang.pptx
@@ -16,12 +16,13 @@
     <p:sldId id="264" r:id="rId10"/>
     <p:sldId id="274" r:id="rId11"/>
     <p:sldId id="265" r:id="rId12"/>
-    <p:sldId id="269" r:id="rId13"/>
-    <p:sldId id="270" r:id="rId14"/>
-    <p:sldId id="271" r:id="rId15"/>
-    <p:sldId id="268" r:id="rId16"/>
-    <p:sldId id="261" r:id="rId17"/>
-    <p:sldId id="272" r:id="rId18"/>
+    <p:sldId id="275" r:id="rId13"/>
+    <p:sldId id="269" r:id="rId14"/>
+    <p:sldId id="270" r:id="rId15"/>
+    <p:sldId id="271" r:id="rId16"/>
+    <p:sldId id="268" r:id="rId17"/>
+    <p:sldId id="261" r:id="rId18"/>
+    <p:sldId id="272" r:id="rId19"/>
   </p:sldIdLst>
   <p:sldSz cx="9144000" cy="6858000" type="screen4x3"/>
   <p:notesSz cx="6858000" cy="9144000"/>
@@ -180,7 +181,6 @@
           </a:p>
         </c:rich>
       </c:tx>
-      <c:layout/>
       <c:overlay val="0"/>
       <c:spPr>
         <a:noFill/>
@@ -248,172 +248,172 @@
                 <c:formatCode>General</c:formatCode>
                 <c:ptCount val="111"/>
                 <c:pt idx="0">
-                  <c:v>0.0</c:v>
+                  <c:v>0</c:v>
                 </c:pt>
                 <c:pt idx="2">
-                  <c:v>1.0</c:v>
+                  <c:v>1</c:v>
                 </c:pt>
                 <c:pt idx="4">
-                  <c:v>2.0</c:v>
+                  <c:v>2</c:v>
                 </c:pt>
                 <c:pt idx="6">
-                  <c:v>3.0</c:v>
+                  <c:v>3</c:v>
                 </c:pt>
                 <c:pt idx="8">
-                  <c:v>4.0</c:v>
+                  <c:v>4</c:v>
                 </c:pt>
                 <c:pt idx="10">
-                  <c:v>5.0</c:v>
+                  <c:v>5</c:v>
                 </c:pt>
                 <c:pt idx="12">
-                  <c:v>6.0</c:v>
+                  <c:v>6</c:v>
                 </c:pt>
                 <c:pt idx="14">
-                  <c:v>7.0</c:v>
+                  <c:v>7</c:v>
                 </c:pt>
                 <c:pt idx="16">
-                  <c:v>8.0</c:v>
+                  <c:v>8</c:v>
                 </c:pt>
                 <c:pt idx="18">
-                  <c:v>9.0</c:v>
+                  <c:v>9</c:v>
                 </c:pt>
                 <c:pt idx="20">
-                  <c:v>10.0</c:v>
+                  <c:v>10</c:v>
                 </c:pt>
                 <c:pt idx="22">
-                  <c:v>11.0</c:v>
+                  <c:v>11</c:v>
                 </c:pt>
                 <c:pt idx="24">
-                  <c:v>12.0</c:v>
+                  <c:v>12</c:v>
                 </c:pt>
                 <c:pt idx="26">
-                  <c:v>13.0</c:v>
+                  <c:v>13</c:v>
                 </c:pt>
                 <c:pt idx="28">
-                  <c:v>14.0</c:v>
+                  <c:v>14</c:v>
                 </c:pt>
                 <c:pt idx="30">
-                  <c:v>15.0</c:v>
+                  <c:v>15</c:v>
                 </c:pt>
                 <c:pt idx="32">
-                  <c:v>16.0</c:v>
+                  <c:v>16</c:v>
                 </c:pt>
                 <c:pt idx="34">
-                  <c:v>17.0</c:v>
+                  <c:v>17</c:v>
                 </c:pt>
                 <c:pt idx="36">
-                  <c:v>18.0</c:v>
+                  <c:v>18</c:v>
                 </c:pt>
                 <c:pt idx="38">
-                  <c:v>19.0</c:v>
+                  <c:v>19</c:v>
                 </c:pt>
                 <c:pt idx="40">
-                  <c:v>20.0</c:v>
+                  <c:v>20</c:v>
                 </c:pt>
                 <c:pt idx="42">
-                  <c:v>21.0</c:v>
+                  <c:v>21</c:v>
                 </c:pt>
                 <c:pt idx="44">
-                  <c:v>22.0</c:v>
+                  <c:v>22</c:v>
                 </c:pt>
                 <c:pt idx="46">
-                  <c:v>23.0</c:v>
+                  <c:v>23</c:v>
                 </c:pt>
                 <c:pt idx="48">
-                  <c:v>24.0</c:v>
+                  <c:v>24</c:v>
                 </c:pt>
                 <c:pt idx="50">
-                  <c:v>25.0</c:v>
+                  <c:v>25</c:v>
                 </c:pt>
                 <c:pt idx="52">
-                  <c:v>26.0</c:v>
+                  <c:v>26</c:v>
                 </c:pt>
                 <c:pt idx="54">
-                  <c:v>27.0</c:v>
+                  <c:v>27</c:v>
                 </c:pt>
                 <c:pt idx="56">
-                  <c:v>28.0</c:v>
+                  <c:v>28</c:v>
                 </c:pt>
                 <c:pt idx="58">
-                  <c:v>29.0</c:v>
+                  <c:v>29</c:v>
                 </c:pt>
                 <c:pt idx="60">
-                  <c:v>30.0</c:v>
+                  <c:v>30</c:v>
                 </c:pt>
                 <c:pt idx="62">
-                  <c:v>31.0</c:v>
+                  <c:v>31</c:v>
                 </c:pt>
                 <c:pt idx="64">
-                  <c:v>32.0</c:v>
+                  <c:v>32</c:v>
                 </c:pt>
                 <c:pt idx="66">
-                  <c:v>33.0</c:v>
+                  <c:v>33</c:v>
                 </c:pt>
                 <c:pt idx="68">
-                  <c:v>34.0</c:v>
+                  <c:v>34</c:v>
                 </c:pt>
                 <c:pt idx="70">
-                  <c:v>35.0</c:v>
+                  <c:v>35</c:v>
                 </c:pt>
                 <c:pt idx="72">
-                  <c:v>36.0</c:v>
+                  <c:v>36</c:v>
                 </c:pt>
                 <c:pt idx="74">
-                  <c:v>37.0</c:v>
+                  <c:v>37</c:v>
                 </c:pt>
                 <c:pt idx="76">
-                  <c:v>38.0</c:v>
+                  <c:v>38</c:v>
                 </c:pt>
                 <c:pt idx="78">
-                  <c:v>39.0</c:v>
+                  <c:v>39</c:v>
                 </c:pt>
                 <c:pt idx="80">
-                  <c:v>40.0</c:v>
+                  <c:v>40</c:v>
                 </c:pt>
                 <c:pt idx="82">
-                  <c:v>41.0</c:v>
+                  <c:v>41</c:v>
                 </c:pt>
                 <c:pt idx="84">
-                  <c:v>42.0</c:v>
+                  <c:v>42</c:v>
                 </c:pt>
                 <c:pt idx="86">
-                  <c:v>43.0</c:v>
+                  <c:v>43</c:v>
                 </c:pt>
                 <c:pt idx="88">
-                  <c:v>44.0</c:v>
+                  <c:v>44</c:v>
                 </c:pt>
                 <c:pt idx="90">
-                  <c:v>45.0</c:v>
+                  <c:v>45</c:v>
                 </c:pt>
                 <c:pt idx="92">
-                  <c:v>46.0</c:v>
+                  <c:v>46</c:v>
                 </c:pt>
                 <c:pt idx="94">
-                  <c:v>47.0</c:v>
+                  <c:v>47</c:v>
                 </c:pt>
                 <c:pt idx="96">
-                  <c:v>48.0</c:v>
+                  <c:v>48</c:v>
                 </c:pt>
                 <c:pt idx="98">
-                  <c:v>49.0</c:v>
+                  <c:v>49</c:v>
                 </c:pt>
                 <c:pt idx="100">
-                  <c:v>50.0</c:v>
+                  <c:v>50</c:v>
                 </c:pt>
                 <c:pt idx="102">
-                  <c:v>51.0</c:v>
+                  <c:v>51</c:v>
                 </c:pt>
                 <c:pt idx="104">
-                  <c:v>52.0</c:v>
+                  <c:v>52</c:v>
                 </c:pt>
                 <c:pt idx="106">
-                  <c:v>53.0</c:v>
+                  <c:v>53</c:v>
                 </c:pt>
                 <c:pt idx="108">
-                  <c:v>54.0</c:v>
+                  <c:v>54</c:v>
                 </c:pt>
                 <c:pt idx="110">
-                  <c:v>55.0</c:v>
+                  <c:v>55</c:v>
                 </c:pt>
               </c:numCache>
             </c:numRef>
@@ -425,10 +425,10 @@
                 <c:formatCode>General</c:formatCode>
                 <c:ptCount val="111"/>
                 <c:pt idx="0">
-                  <c:v>0.14</c:v>
+                  <c:v>0.14000000000000001</c:v>
                 </c:pt>
                 <c:pt idx="2">
-                  <c:v>0.14</c:v>
+                  <c:v>0.14000000000000001</c:v>
                 </c:pt>
                 <c:pt idx="4">
                   <c:v>0.16</c:v>
@@ -443,7 +443,7 @@
                   <c:v>0.16</c:v>
                 </c:pt>
                 <c:pt idx="12">
-                  <c:v>0.14</c:v>
+                  <c:v>0.14000000000000001</c:v>
                 </c:pt>
                 <c:pt idx="14">
                   <c:v>0.17</c:v>
@@ -455,7 +455,7 @@
                   <c:v>0.149999999999999</c:v>
                 </c:pt>
                 <c:pt idx="20">
-                  <c:v>0.14</c:v>
+                  <c:v>0.14000000000000001</c:v>
                 </c:pt>
                 <c:pt idx="22">
                   <c:v>0.17</c:v>
@@ -470,7 +470,7 @@
                   <c:v>0.13</c:v>
                 </c:pt>
                 <c:pt idx="30">
-                  <c:v>0.14</c:v>
+                  <c:v>0.14000000000000001</c:v>
                 </c:pt>
                 <c:pt idx="32">
                   <c:v>0.149999999999999</c:v>
@@ -491,22 +491,22 @@
                   <c:v>0.13</c:v>
                 </c:pt>
                 <c:pt idx="44">
-                  <c:v>0.14</c:v>
+                  <c:v>0.14000000000000001</c:v>
                 </c:pt>
                 <c:pt idx="46">
-                  <c:v>0.14</c:v>
+                  <c:v>0.14000000000000001</c:v>
                 </c:pt>
                 <c:pt idx="48">
-                  <c:v>0.14</c:v>
+                  <c:v>0.14000000000000001</c:v>
                 </c:pt>
                 <c:pt idx="50">
-                  <c:v>0.14</c:v>
+                  <c:v>0.14000000000000001</c:v>
                 </c:pt>
                 <c:pt idx="52">
-                  <c:v>0.14</c:v>
+                  <c:v>0.14000000000000001</c:v>
                 </c:pt>
                 <c:pt idx="54">
-                  <c:v>0.14</c:v>
+                  <c:v>0.14000000000000001</c:v>
                 </c:pt>
                 <c:pt idx="56">
                   <c:v>0.149999999999999</c:v>
@@ -515,19 +515,19 @@
                   <c:v>0.16</c:v>
                 </c:pt>
                 <c:pt idx="60">
-                  <c:v>0.14</c:v>
+                  <c:v>0.14000000000000001</c:v>
                 </c:pt>
                 <c:pt idx="62">
-                  <c:v>0.14</c:v>
+                  <c:v>0.14000000000000001</c:v>
                 </c:pt>
                 <c:pt idx="64">
                   <c:v>0.16</c:v>
                 </c:pt>
                 <c:pt idx="66">
-                  <c:v>0.14</c:v>
+                  <c:v>0.14000000000000001</c:v>
                 </c:pt>
                 <c:pt idx="68">
-                  <c:v>0.14</c:v>
+                  <c:v>0.14000000000000001</c:v>
                 </c:pt>
                 <c:pt idx="70">
                   <c:v>0.149999999999999</c:v>
@@ -539,7 +539,7 @@
                   <c:v>0.149999999999999</c:v>
                 </c:pt>
                 <c:pt idx="76">
-                  <c:v>0.14</c:v>
+                  <c:v>0.14000000000000001</c:v>
                 </c:pt>
                 <c:pt idx="78">
                   <c:v>0.16</c:v>
@@ -548,34 +548,34 @@
                   <c:v>0.149999999999999</c:v>
                 </c:pt>
                 <c:pt idx="82">
-                  <c:v>0.179999999999999</c:v>
+                  <c:v>0.17999999999999899</c:v>
                 </c:pt>
                 <c:pt idx="84">
                   <c:v>0.16</c:v>
                 </c:pt>
                 <c:pt idx="86">
-                  <c:v>0.14</c:v>
+                  <c:v>0.14000000000000001</c:v>
                 </c:pt>
                 <c:pt idx="88">
                   <c:v>0.149999999999999</c:v>
                 </c:pt>
                 <c:pt idx="90">
-                  <c:v>0.14</c:v>
+                  <c:v>0.14000000000000001</c:v>
                 </c:pt>
                 <c:pt idx="92">
                   <c:v>0.16</c:v>
                 </c:pt>
                 <c:pt idx="94">
-                  <c:v>0.14</c:v>
+                  <c:v>0.14000000000000001</c:v>
                 </c:pt>
                 <c:pt idx="96">
                   <c:v>0.149999999999999</c:v>
                 </c:pt>
                 <c:pt idx="98">
-                  <c:v>0.14</c:v>
+                  <c:v>0.14000000000000001</c:v>
                 </c:pt>
                 <c:pt idx="100">
-                  <c:v>0.179999999999999</c:v>
+                  <c:v>0.17999999999999899</c:v>
                 </c:pt>
                 <c:pt idx="102">
                   <c:v>0.16</c:v>
@@ -584,13 +584,13 @@
                   <c:v>0.17</c:v>
                 </c:pt>
                 <c:pt idx="106">
-                  <c:v>0.14</c:v>
+                  <c:v>0.14000000000000001</c:v>
                 </c:pt>
                 <c:pt idx="108">
                   <c:v>0.149999999999999</c:v>
                 </c:pt>
                 <c:pt idx="110">
-                  <c:v>0.14</c:v>
+                  <c:v>0.14000000000000001</c:v>
                 </c:pt>
               </c:numCache>
             </c:numRef>
@@ -605,11 +605,11 @@
           <c:showPercent val="0"/>
           <c:showBubbleSize val="0"/>
         </c:dLbls>
-        <c:axId val="-2116469712"/>
-        <c:axId val="-2116456000"/>
+        <c:axId val="349142088"/>
+        <c:axId val="349140520"/>
       </c:scatterChart>
       <c:valAx>
-        <c:axId val="-2116469712"/>
+        <c:axId val="349142088"/>
         <c:scaling>
           <c:orientation val="minMax"/>
         </c:scaling>
@@ -655,7 +655,6 @@
               </a:p>
             </c:rich>
           </c:tx>
-          <c:layout/>
           <c:overlay val="0"/>
           <c:spPr>
             <a:noFill/>
@@ -722,12 +721,12 @@
             <a:endParaRPr lang="en-US"/>
           </a:p>
         </c:txPr>
-        <c:crossAx val="-2116456000"/>
+        <c:crossAx val="349140520"/>
         <c:crosses val="autoZero"/>
         <c:crossBetween val="midCat"/>
       </c:valAx>
       <c:valAx>
-        <c:axId val="-2116456000"/>
+        <c:axId val="349140520"/>
         <c:scaling>
           <c:orientation val="minMax"/>
         </c:scaling>
@@ -773,7 +772,6 @@
               </a:p>
             </c:rich>
           </c:tx>
-          <c:layout/>
           <c:overlay val="0"/>
           <c:spPr>
             <a:noFill/>
@@ -840,7 +838,7 @@
             <a:endParaRPr lang="en-US"/>
           </a:p>
         </c:txPr>
-        <c:crossAx val="-2116469712"/>
+        <c:crossAx val="349142088"/>
         <c:crosses val="autoZero"/>
         <c:crossBetween val="midCat"/>
       </c:valAx>
@@ -923,8 +921,8 @@
         <c:manualLayout>
           <c:xMode val="edge"/>
           <c:yMode val="edge"/>
-          <c:x val="0.173822603128246"/>
-          <c:y val="0.00317466110492705"/>
+          <c:x val="0.17382260312824599"/>
+          <c:y val="3.1746611049270502E-3"/>
         </c:manualLayout>
       </c:layout>
       <c:overlay val="0"/>
@@ -994,172 +992,172 @@
                 <c:formatCode>General</c:formatCode>
                 <c:ptCount val="111"/>
                 <c:pt idx="0">
-                  <c:v>0.0</c:v>
+                  <c:v>0</c:v>
                 </c:pt>
                 <c:pt idx="2">
-                  <c:v>1.0</c:v>
+                  <c:v>1</c:v>
                 </c:pt>
                 <c:pt idx="4">
-                  <c:v>2.0</c:v>
+                  <c:v>2</c:v>
                 </c:pt>
                 <c:pt idx="6">
-                  <c:v>3.0</c:v>
+                  <c:v>3</c:v>
                 </c:pt>
                 <c:pt idx="8">
-                  <c:v>4.0</c:v>
+                  <c:v>4</c:v>
                 </c:pt>
                 <c:pt idx="10">
-                  <c:v>5.0</c:v>
+                  <c:v>5</c:v>
                 </c:pt>
                 <c:pt idx="12">
-                  <c:v>6.0</c:v>
+                  <c:v>6</c:v>
                 </c:pt>
                 <c:pt idx="14">
-                  <c:v>7.0</c:v>
+                  <c:v>7</c:v>
                 </c:pt>
                 <c:pt idx="16">
-                  <c:v>8.0</c:v>
+                  <c:v>8</c:v>
                 </c:pt>
                 <c:pt idx="18">
-                  <c:v>9.0</c:v>
+                  <c:v>9</c:v>
                 </c:pt>
                 <c:pt idx="20">
-                  <c:v>10.0</c:v>
+                  <c:v>10</c:v>
                 </c:pt>
                 <c:pt idx="22">
-                  <c:v>11.0</c:v>
+                  <c:v>11</c:v>
                 </c:pt>
                 <c:pt idx="24">
-                  <c:v>12.0</c:v>
+                  <c:v>12</c:v>
                 </c:pt>
                 <c:pt idx="26">
-                  <c:v>13.0</c:v>
+                  <c:v>13</c:v>
                 </c:pt>
                 <c:pt idx="28">
-                  <c:v>14.0</c:v>
+                  <c:v>14</c:v>
                 </c:pt>
                 <c:pt idx="30">
-                  <c:v>15.0</c:v>
+                  <c:v>15</c:v>
                 </c:pt>
                 <c:pt idx="32">
-                  <c:v>16.0</c:v>
+                  <c:v>16</c:v>
                 </c:pt>
                 <c:pt idx="34">
-                  <c:v>17.0</c:v>
+                  <c:v>17</c:v>
                 </c:pt>
                 <c:pt idx="36">
-                  <c:v>18.0</c:v>
+                  <c:v>18</c:v>
                 </c:pt>
                 <c:pt idx="38">
-                  <c:v>19.0</c:v>
+                  <c:v>19</c:v>
                 </c:pt>
                 <c:pt idx="40">
-                  <c:v>20.0</c:v>
+                  <c:v>20</c:v>
                 </c:pt>
                 <c:pt idx="42">
-                  <c:v>21.0</c:v>
+                  <c:v>21</c:v>
                 </c:pt>
                 <c:pt idx="44">
-                  <c:v>22.0</c:v>
+                  <c:v>22</c:v>
                 </c:pt>
                 <c:pt idx="46">
-                  <c:v>23.0</c:v>
+                  <c:v>23</c:v>
                 </c:pt>
                 <c:pt idx="48">
-                  <c:v>24.0</c:v>
+                  <c:v>24</c:v>
                 </c:pt>
                 <c:pt idx="50">
-                  <c:v>25.0</c:v>
+                  <c:v>25</c:v>
                 </c:pt>
                 <c:pt idx="52">
-                  <c:v>26.0</c:v>
+                  <c:v>26</c:v>
                 </c:pt>
                 <c:pt idx="54">
-                  <c:v>27.0</c:v>
+                  <c:v>27</c:v>
                 </c:pt>
                 <c:pt idx="56">
-                  <c:v>28.0</c:v>
+                  <c:v>28</c:v>
                 </c:pt>
                 <c:pt idx="58">
-                  <c:v>29.0</c:v>
+                  <c:v>29</c:v>
                 </c:pt>
                 <c:pt idx="60">
-                  <c:v>30.0</c:v>
+                  <c:v>30</c:v>
                 </c:pt>
                 <c:pt idx="62">
-                  <c:v>31.0</c:v>
+                  <c:v>31</c:v>
                 </c:pt>
                 <c:pt idx="64">
-                  <c:v>32.0</c:v>
+                  <c:v>32</c:v>
                 </c:pt>
                 <c:pt idx="66">
-                  <c:v>33.0</c:v>
+                  <c:v>33</c:v>
                 </c:pt>
                 <c:pt idx="68">
-                  <c:v>34.0</c:v>
+                  <c:v>34</c:v>
                 </c:pt>
                 <c:pt idx="70">
-                  <c:v>35.0</c:v>
+                  <c:v>35</c:v>
                 </c:pt>
                 <c:pt idx="72">
-                  <c:v>36.0</c:v>
+                  <c:v>36</c:v>
                 </c:pt>
                 <c:pt idx="74">
-                  <c:v>37.0</c:v>
+                  <c:v>37</c:v>
                 </c:pt>
                 <c:pt idx="76">
-                  <c:v>38.0</c:v>
+                  <c:v>38</c:v>
                 </c:pt>
                 <c:pt idx="78">
-                  <c:v>39.0</c:v>
+                  <c:v>39</c:v>
                 </c:pt>
                 <c:pt idx="80">
-                  <c:v>40.0</c:v>
+                  <c:v>40</c:v>
                 </c:pt>
                 <c:pt idx="82">
-                  <c:v>41.0</c:v>
+                  <c:v>41</c:v>
                 </c:pt>
                 <c:pt idx="84">
-                  <c:v>42.0</c:v>
+                  <c:v>42</c:v>
                 </c:pt>
                 <c:pt idx="86">
-                  <c:v>43.0</c:v>
+                  <c:v>43</c:v>
                 </c:pt>
                 <c:pt idx="88">
-                  <c:v>44.0</c:v>
+                  <c:v>44</c:v>
                 </c:pt>
                 <c:pt idx="90">
-                  <c:v>45.0</c:v>
+                  <c:v>45</c:v>
                 </c:pt>
                 <c:pt idx="92">
-                  <c:v>46.0</c:v>
+                  <c:v>46</c:v>
                 </c:pt>
                 <c:pt idx="94">
-                  <c:v>47.0</c:v>
+                  <c:v>47</c:v>
                 </c:pt>
                 <c:pt idx="96">
-                  <c:v>48.0</c:v>
+                  <c:v>48</c:v>
                 </c:pt>
                 <c:pt idx="98">
-                  <c:v>49.0</c:v>
+                  <c:v>49</c:v>
                 </c:pt>
                 <c:pt idx="100">
-                  <c:v>50.0</c:v>
+                  <c:v>50</c:v>
                 </c:pt>
                 <c:pt idx="102">
-                  <c:v>51.0</c:v>
+                  <c:v>51</c:v>
                 </c:pt>
                 <c:pt idx="104">
-                  <c:v>52.0</c:v>
+                  <c:v>52</c:v>
                 </c:pt>
                 <c:pt idx="106">
-                  <c:v>53.0</c:v>
+                  <c:v>53</c:v>
                 </c:pt>
                 <c:pt idx="108">
-                  <c:v>54.0</c:v>
+                  <c:v>54</c:v>
                 </c:pt>
                 <c:pt idx="110">
-                  <c:v>55.0</c:v>
+                  <c:v>55</c:v>
                 </c:pt>
               </c:numCache>
             </c:numRef>
@@ -1171,172 +1169,172 @@
                 <c:formatCode>General</c:formatCode>
                 <c:ptCount val="111"/>
                 <c:pt idx="0">
-                  <c:v>0.928203423633</c:v>
+                  <c:v>0.92820342363300001</c:v>
                 </c:pt>
                 <c:pt idx="2">
                   <c:v>0.925788336933</c:v>
                 </c:pt>
                 <c:pt idx="4">
-                  <c:v>0.926060503634</c:v>
+                  <c:v>0.92606050363400005</c:v>
                 </c:pt>
                 <c:pt idx="6">
-                  <c:v>0.927573806138999</c:v>
+                  <c:v>0.92757380613899898</c:v>
                 </c:pt>
                 <c:pt idx="8">
-                  <c:v>0.927402608189999</c:v>
+                  <c:v>0.92740260818999898</c:v>
                 </c:pt>
                 <c:pt idx="10">
-                  <c:v>0.927266661105999</c:v>
+                  <c:v>0.92726666110599898</c:v>
                 </c:pt>
                 <c:pt idx="12">
-                  <c:v>0.927072098232999</c:v>
+                  <c:v>0.92707209823299896</c:v>
                 </c:pt>
                 <c:pt idx="14">
-                  <c:v>0.927915135316</c:v>
+                  <c:v>0.92791513531600001</c:v>
                 </c:pt>
                 <c:pt idx="16">
-                  <c:v>0.927985414768</c:v>
+                  <c:v>0.92798541476800001</c:v>
                 </c:pt>
                 <c:pt idx="18">
                   <c:v>0.924660496497</c:v>
                 </c:pt>
                 <c:pt idx="20">
-                  <c:v>0.927132948943</c:v>
+                  <c:v>0.92713294894300002</c:v>
                 </c:pt>
                 <c:pt idx="22">
-                  <c:v>0.926628609804999</c:v>
+                  <c:v>0.92662860980499895</c:v>
                 </c:pt>
                 <c:pt idx="24">
-                  <c:v>0.92760871408</c:v>
+                  <c:v>0.92760871408000001</c:v>
                 </c:pt>
                 <c:pt idx="26">
                   <c:v>0.926857909747</c:v>
                 </c:pt>
                 <c:pt idx="28">
-                  <c:v>0.925646460364999</c:v>
+                  <c:v>0.92564646036499898</c:v>
                 </c:pt>
                 <c:pt idx="30">
-                  <c:v>0.928187468503</c:v>
+                  <c:v>0.92818746850300005</c:v>
                 </c:pt>
                 <c:pt idx="32">
-                  <c:v>0.925910281320999</c:v>
+                  <c:v>0.92591028132099895</c:v>
                 </c:pt>
                 <c:pt idx="34">
-                  <c:v>0.928003384095</c:v>
+                  <c:v>0.92800338409500005</c:v>
                 </c:pt>
                 <c:pt idx="36">
-                  <c:v>0.927509756705</c:v>
+                  <c:v>0.92750975670500002</c:v>
                 </c:pt>
                 <c:pt idx="38">
-                  <c:v>0.927120365668</c:v>
+                  <c:v>0.92712036566800005</c:v>
                 </c:pt>
                 <c:pt idx="40">
-                  <c:v>0.926193678546999</c:v>
+                  <c:v>0.92619367854699897</c:v>
                 </c:pt>
                 <c:pt idx="42">
                   <c:v>0.92678616511</c:v>
                 </c:pt>
                 <c:pt idx="44">
-                  <c:v>0.927213606803</c:v>
+                  <c:v>0.92721360680300002</c:v>
                 </c:pt>
                 <c:pt idx="46">
-                  <c:v>0.926839499957999</c:v>
+                  <c:v>0.92683949995799897</c:v>
                 </c:pt>
                 <c:pt idx="48">
-                  <c:v>0.92641329755</c:v>
+                  <c:v>0.92641329755000001</c:v>
                 </c:pt>
                 <c:pt idx="50">
-                  <c:v>0.927078148332999</c:v>
+                  <c:v>0.92707814833299895</c:v>
                 </c:pt>
                 <c:pt idx="52">
-                  <c:v>0.926943699731999</c:v>
+                  <c:v>0.92694369973199897</c:v>
                 </c:pt>
                 <c:pt idx="54">
-                  <c:v>0.928731250517999</c:v>
+                  <c:v>0.92873125051799899</c:v>
                 </c:pt>
                 <c:pt idx="56">
-                  <c:v>0.926881898912999</c:v>
+                  <c:v>0.92688189891299899</c:v>
                 </c:pt>
                 <c:pt idx="58">
-                  <c:v>0.93000838223</c:v>
+                  <c:v>0.93000838223000004</c:v>
                 </c:pt>
                 <c:pt idx="60">
-                  <c:v>0.928387257755999</c:v>
+                  <c:v>0.92838725775599895</c:v>
                 </c:pt>
                 <c:pt idx="62">
-                  <c:v>0.927443484043</c:v>
+                  <c:v>0.92744348404300003</c:v>
                 </c:pt>
                 <c:pt idx="64">
                   <c:v>0.926642214071</c:v>
                 </c:pt>
                 <c:pt idx="66">
-                  <c:v>0.927007906783</c:v>
+                  <c:v>0.92700790678300005</c:v>
                 </c:pt>
                 <c:pt idx="68">
-                  <c:v>0.927309103034</c:v>
+                  <c:v>0.92730910303400005</c:v>
                 </c:pt>
                 <c:pt idx="70">
-                  <c:v>0.926866046744999</c:v>
+                  <c:v>0.92686604674499895</c:v>
                 </c:pt>
                 <c:pt idx="72">
-                  <c:v>0.926283126468</c:v>
+                  <c:v>0.92628312646800004</c:v>
                 </c:pt>
                 <c:pt idx="74">
-                  <c:v>0.925806451613</c:v>
+                  <c:v>0.92580645161300001</c:v>
                 </c:pt>
                 <c:pt idx="76">
-                  <c:v>0.9269467043</c:v>
+                  <c:v>0.92694670430000004</c:v>
                 </c:pt>
                 <c:pt idx="78">
-                  <c:v>0.927111486485999</c:v>
+                  <c:v>0.92711148648599895</c:v>
                 </c:pt>
                 <c:pt idx="80">
-                  <c:v>0.92702366127</c:v>
+                  <c:v>0.92702366127000002</c:v>
                 </c:pt>
                 <c:pt idx="82">
-                  <c:v>0.922920713402999</c:v>
+                  <c:v>0.92292071340299897</c:v>
                 </c:pt>
                 <c:pt idx="84">
-                  <c:v>0.926193072212999</c:v>
+                  <c:v>0.92619307221299896</c:v>
                 </c:pt>
                 <c:pt idx="86">
-                  <c:v>0.928392588883</c:v>
+                  <c:v>0.92839258888300003</c:v>
                 </c:pt>
                 <c:pt idx="88">
-                  <c:v>0.926351068286999</c:v>
+                  <c:v>0.92635106828699898</c:v>
                 </c:pt>
                 <c:pt idx="90">
-                  <c:v>0.925797150610999</c:v>
+                  <c:v>0.92579715061099899</c:v>
                 </c:pt>
                 <c:pt idx="92">
-                  <c:v>0.925296819482</c:v>
+                  <c:v>0.92529681948200004</c:v>
                 </c:pt>
                 <c:pt idx="94">
-                  <c:v>0.926873857403999</c:v>
+                  <c:v>0.92687385740399897</c:v>
                 </c:pt>
                 <c:pt idx="96">
-                  <c:v>0.926168302709999</c:v>
+                  <c:v>0.92616830270999895</c:v>
                 </c:pt>
                 <c:pt idx="98">
-                  <c:v>0.926934097420999</c:v>
+                  <c:v>0.92693409742099897</c:v>
                 </c:pt>
                 <c:pt idx="100">
                   <c:v>0.923968514834</c:v>
                 </c:pt>
                 <c:pt idx="102">
-                  <c:v>0.926810990841</c:v>
+                  <c:v>0.92681099084100005</c:v>
                 </c:pt>
                 <c:pt idx="104">
-                  <c:v>0.927307468637999</c:v>
+                  <c:v>0.92730746863799896</c:v>
                 </c:pt>
                 <c:pt idx="106">
-                  <c:v>0.927442949092999</c:v>
+                  <c:v>0.92744294909299896</c:v>
                 </c:pt>
                 <c:pt idx="108">
-                  <c:v>0.927357160627</c:v>
+                  <c:v>0.92735716062700002</c:v>
                 </c:pt>
                 <c:pt idx="110">
-                  <c:v>0.926560379918999</c:v>
+                  <c:v>0.92656037991899898</c:v>
                 </c:pt>
               </c:numCache>
             </c:numRef>
@@ -1351,11 +1349,11 @@
           <c:showPercent val="0"/>
           <c:showBubbleSize val="0"/>
         </c:dLbls>
-        <c:axId val="2088732384"/>
-        <c:axId val="-2116440400"/>
+        <c:axId val="349147184"/>
+        <c:axId val="349141304"/>
       </c:scatterChart>
       <c:valAx>
-        <c:axId val="2088732384"/>
+        <c:axId val="349147184"/>
         <c:scaling>
           <c:orientation val="minMax"/>
         </c:scaling>
@@ -1467,15 +1465,15 @@
             <a:endParaRPr lang="en-US"/>
           </a:p>
         </c:txPr>
-        <c:crossAx val="-2116440400"/>
+        <c:crossAx val="349141304"/>
         <c:crosses val="autoZero"/>
         <c:crossBetween val="midCat"/>
       </c:valAx>
       <c:valAx>
-        <c:axId val="-2116440400"/>
+        <c:axId val="349141304"/>
         <c:scaling>
           <c:orientation val="minMax"/>
-          <c:min val="0.0"/>
+          <c:min val="0"/>
         </c:scaling>
         <c:delete val="0"/>
         <c:axPos val="l"/>
@@ -1585,7 +1583,7 @@
             <a:endParaRPr lang="en-US"/>
           </a:p>
         </c:txPr>
-        <c:crossAx val="2088732384"/>
+        <c:crossAx val="349147184"/>
         <c:crosses val="autoZero"/>
         <c:crossBetween val="midCat"/>
       </c:valAx>
@@ -1668,8 +1666,8 @@
         <c:manualLayout>
           <c:xMode val="edge"/>
           <c:yMode val="edge"/>
-          <c:x val="0.195193190730902"/>
-          <c:y val="0.0"/>
+          <c:x val="0.19519319073090199"/>
+          <c:y val="0"/>
         </c:manualLayout>
       </c:layout>
       <c:overlay val="0"/>
@@ -1739,172 +1737,172 @@
                 <c:formatCode>General</c:formatCode>
                 <c:ptCount val="111"/>
                 <c:pt idx="0">
-                  <c:v>0.0</c:v>
+                  <c:v>0</c:v>
                 </c:pt>
                 <c:pt idx="2">
-                  <c:v>1.0</c:v>
+                  <c:v>1</c:v>
                 </c:pt>
                 <c:pt idx="4">
-                  <c:v>2.0</c:v>
+                  <c:v>2</c:v>
                 </c:pt>
                 <c:pt idx="6">
-                  <c:v>3.0</c:v>
+                  <c:v>3</c:v>
                 </c:pt>
                 <c:pt idx="8">
-                  <c:v>4.0</c:v>
+                  <c:v>4</c:v>
                 </c:pt>
                 <c:pt idx="10">
-                  <c:v>5.0</c:v>
+                  <c:v>5</c:v>
                 </c:pt>
                 <c:pt idx="12">
-                  <c:v>6.0</c:v>
+                  <c:v>6</c:v>
                 </c:pt>
                 <c:pt idx="14">
-                  <c:v>7.0</c:v>
+                  <c:v>7</c:v>
                 </c:pt>
                 <c:pt idx="16">
-                  <c:v>8.0</c:v>
+                  <c:v>8</c:v>
                 </c:pt>
                 <c:pt idx="18">
-                  <c:v>9.0</c:v>
+                  <c:v>9</c:v>
                 </c:pt>
                 <c:pt idx="20">
-                  <c:v>10.0</c:v>
+                  <c:v>10</c:v>
                 </c:pt>
                 <c:pt idx="22">
-                  <c:v>11.0</c:v>
+                  <c:v>11</c:v>
                 </c:pt>
                 <c:pt idx="24">
-                  <c:v>12.0</c:v>
+                  <c:v>12</c:v>
                 </c:pt>
                 <c:pt idx="26">
-                  <c:v>13.0</c:v>
+                  <c:v>13</c:v>
                 </c:pt>
                 <c:pt idx="28">
-                  <c:v>14.0</c:v>
+                  <c:v>14</c:v>
                 </c:pt>
                 <c:pt idx="30">
-                  <c:v>15.0</c:v>
+                  <c:v>15</c:v>
                 </c:pt>
                 <c:pt idx="32">
-                  <c:v>16.0</c:v>
+                  <c:v>16</c:v>
                 </c:pt>
                 <c:pt idx="34">
-                  <c:v>17.0</c:v>
+                  <c:v>17</c:v>
                 </c:pt>
                 <c:pt idx="36">
-                  <c:v>18.0</c:v>
+                  <c:v>18</c:v>
                 </c:pt>
                 <c:pt idx="38">
-                  <c:v>19.0</c:v>
+                  <c:v>19</c:v>
                 </c:pt>
                 <c:pt idx="40">
-                  <c:v>20.0</c:v>
+                  <c:v>20</c:v>
                 </c:pt>
                 <c:pt idx="42">
-                  <c:v>21.0</c:v>
+                  <c:v>21</c:v>
                 </c:pt>
                 <c:pt idx="44">
-                  <c:v>22.0</c:v>
+                  <c:v>22</c:v>
                 </c:pt>
                 <c:pt idx="46">
-                  <c:v>23.0</c:v>
+                  <c:v>23</c:v>
                 </c:pt>
                 <c:pt idx="48">
-                  <c:v>24.0</c:v>
+                  <c:v>24</c:v>
                 </c:pt>
                 <c:pt idx="50">
-                  <c:v>25.0</c:v>
+                  <c:v>25</c:v>
                 </c:pt>
                 <c:pt idx="52">
-                  <c:v>26.0</c:v>
+                  <c:v>26</c:v>
                 </c:pt>
                 <c:pt idx="54">
-                  <c:v>27.0</c:v>
+                  <c:v>27</c:v>
                 </c:pt>
                 <c:pt idx="56">
-                  <c:v>28.0</c:v>
+                  <c:v>28</c:v>
                 </c:pt>
                 <c:pt idx="58">
-                  <c:v>29.0</c:v>
+                  <c:v>29</c:v>
                 </c:pt>
                 <c:pt idx="60">
-                  <c:v>30.0</c:v>
+                  <c:v>30</c:v>
                 </c:pt>
                 <c:pt idx="62">
-                  <c:v>31.0</c:v>
+                  <c:v>31</c:v>
                 </c:pt>
                 <c:pt idx="64">
-                  <c:v>32.0</c:v>
+                  <c:v>32</c:v>
                 </c:pt>
                 <c:pt idx="66">
-                  <c:v>33.0</c:v>
+                  <c:v>33</c:v>
                 </c:pt>
                 <c:pt idx="68">
-                  <c:v>34.0</c:v>
+                  <c:v>34</c:v>
                 </c:pt>
                 <c:pt idx="70">
-                  <c:v>35.0</c:v>
+                  <c:v>35</c:v>
                 </c:pt>
                 <c:pt idx="72">
-                  <c:v>36.0</c:v>
+                  <c:v>36</c:v>
                 </c:pt>
                 <c:pt idx="74">
-                  <c:v>37.0</c:v>
+                  <c:v>37</c:v>
                 </c:pt>
                 <c:pt idx="76">
-                  <c:v>38.0</c:v>
+                  <c:v>38</c:v>
                 </c:pt>
                 <c:pt idx="78">
-                  <c:v>39.0</c:v>
+                  <c:v>39</c:v>
                 </c:pt>
                 <c:pt idx="80">
-                  <c:v>40.0</c:v>
+                  <c:v>40</c:v>
                 </c:pt>
                 <c:pt idx="82">
-                  <c:v>41.0</c:v>
+                  <c:v>41</c:v>
                 </c:pt>
                 <c:pt idx="84">
-                  <c:v>42.0</c:v>
+                  <c:v>42</c:v>
                 </c:pt>
                 <c:pt idx="86">
-                  <c:v>43.0</c:v>
+                  <c:v>43</c:v>
                 </c:pt>
                 <c:pt idx="88">
-                  <c:v>44.0</c:v>
+                  <c:v>44</c:v>
                 </c:pt>
                 <c:pt idx="90">
-                  <c:v>45.0</c:v>
+                  <c:v>45</c:v>
                 </c:pt>
                 <c:pt idx="92">
-                  <c:v>46.0</c:v>
+                  <c:v>46</c:v>
                 </c:pt>
                 <c:pt idx="94">
-                  <c:v>47.0</c:v>
+                  <c:v>47</c:v>
                 </c:pt>
                 <c:pt idx="96">
-                  <c:v>48.0</c:v>
+                  <c:v>48</c:v>
                 </c:pt>
                 <c:pt idx="98">
-                  <c:v>49.0</c:v>
+                  <c:v>49</c:v>
                 </c:pt>
                 <c:pt idx="100">
-                  <c:v>50.0</c:v>
+                  <c:v>50</c:v>
                 </c:pt>
                 <c:pt idx="102">
-                  <c:v>51.0</c:v>
+                  <c:v>51</c:v>
                 </c:pt>
                 <c:pt idx="104">
-                  <c:v>52.0</c:v>
+                  <c:v>52</c:v>
                 </c:pt>
                 <c:pt idx="106">
-                  <c:v>53.0</c:v>
+                  <c:v>53</c:v>
                 </c:pt>
                 <c:pt idx="108">
-                  <c:v>54.0</c:v>
+                  <c:v>54</c:v>
                 </c:pt>
                 <c:pt idx="110">
-                  <c:v>55.0</c:v>
+                  <c:v>55</c:v>
                 </c:pt>
               </c:numCache>
             </c:numRef>
@@ -1916,172 +1914,172 @@
                 <c:formatCode>General</c:formatCode>
                 <c:ptCount val="111"/>
                 <c:pt idx="0">
-                  <c:v>0.705882352940999</c:v>
+                  <c:v>0.70588235294099899</c:v>
                 </c:pt>
                 <c:pt idx="2">
-                  <c:v>0.847426470588</c:v>
+                  <c:v>0.84742647058800002</c:v>
                 </c:pt>
                 <c:pt idx="4">
-                  <c:v>0.789473684210999</c:v>
+                  <c:v>0.78947368421099895</c:v>
                 </c:pt>
                 <c:pt idx="6">
-                  <c:v>0.722222222222</c:v>
+                  <c:v>0.72222222222200005</c:v>
                 </c:pt>
                 <c:pt idx="8">
-                  <c:v>0.7125</c:v>
+                  <c:v>0.71250000000000002</c:v>
                 </c:pt>
                 <c:pt idx="10">
-                  <c:v>0.807692307691999</c:v>
+                  <c:v>0.80769230769199896</c:v>
                 </c:pt>
                 <c:pt idx="12">
-                  <c:v>0.757575757576</c:v>
+                  <c:v>0.75757575757600004</c:v>
                 </c:pt>
                 <c:pt idx="14">
-                  <c:v>0.850340136054</c:v>
+                  <c:v>0.85034013605400005</c:v>
                 </c:pt>
                 <c:pt idx="16">
-                  <c:v>0.788461538461999</c:v>
+                  <c:v>0.78846153846199896</c:v>
                 </c:pt>
                 <c:pt idx="18">
-                  <c:v>0.847670250896</c:v>
+                  <c:v>0.84767025089600001</c:v>
                 </c:pt>
                 <c:pt idx="20">
-                  <c:v>0.782894736841999</c:v>
+                  <c:v>0.78289473684199895</c:v>
                 </c:pt>
                 <c:pt idx="22">
-                  <c:v>0.874396135266</c:v>
+                  <c:v>0.87439613526600002</c:v>
                 </c:pt>
                 <c:pt idx="24">
-                  <c:v>0.782608695651999</c:v>
+                  <c:v>0.78260869565199898</c:v>
                 </c:pt>
                 <c:pt idx="26">
-                  <c:v>0.857868020304999</c:v>
+                  <c:v>0.85786802030499898</c:v>
                 </c:pt>
                 <c:pt idx="28">
-                  <c:v>0.787037037037</c:v>
+                  <c:v>0.78703703703700001</c:v>
                 </c:pt>
                 <c:pt idx="30">
-                  <c:v>0.760563380281999</c:v>
+                  <c:v>0.76056338028199899</c:v>
                 </c:pt>
                 <c:pt idx="32">
-                  <c:v>0.868794326240999</c:v>
+                  <c:v>0.86879432624099895</c:v>
                 </c:pt>
                 <c:pt idx="34">
                   <c:v>0.765886287625</c:v>
                 </c:pt>
                 <c:pt idx="36">
-                  <c:v>0.802631578946999</c:v>
+                  <c:v>0.80263157894699899</c:v>
                 </c:pt>
                 <c:pt idx="38">
-                  <c:v>0.816393442622999</c:v>
+                  <c:v>0.81639344262299895</c:v>
                 </c:pt>
                 <c:pt idx="40">
-                  <c:v>0.766816143497999</c:v>
+                  <c:v>0.76681614349799898</c:v>
                 </c:pt>
                 <c:pt idx="42">
-                  <c:v>0.792372881356</c:v>
+                  <c:v>0.79237288135600004</c:v>
                 </c:pt>
                 <c:pt idx="44">
                   <c:v>0.76</c:v>
                 </c:pt>
                 <c:pt idx="46">
-                  <c:v>0.795</c:v>
+                  <c:v>0.79500000000000004</c:v>
                 </c:pt>
                 <c:pt idx="48">
-                  <c:v>0.799295774647999</c:v>
+                  <c:v>0.79929577464799895</c:v>
                 </c:pt>
                 <c:pt idx="50">
-                  <c:v>0.846153846154</c:v>
+                  <c:v>0.84615384615400002</c:v>
                 </c:pt>
                 <c:pt idx="52">
-                  <c:v>0.803278688524999</c:v>
+                  <c:v>0.80327868852499895</c:v>
                 </c:pt>
                 <c:pt idx="54">
-                  <c:v>0.769230769230999</c:v>
+                  <c:v>0.76923076923099898</c:v>
                 </c:pt>
                 <c:pt idx="56">
-                  <c:v>0.828571428570999</c:v>
+                  <c:v>0.82857142857099897</c:v>
                 </c:pt>
                 <c:pt idx="58">
-                  <c:v>0.746031746031999</c:v>
+                  <c:v>0.74603174603199895</c:v>
                 </c:pt>
                 <c:pt idx="60">
-                  <c:v>0.791666666667</c:v>
+                  <c:v>0.79166666666700003</c:v>
                 </c:pt>
                 <c:pt idx="62">
-                  <c:v>0.885057471264</c:v>
+                  <c:v>0.88505747126400003</c:v>
                 </c:pt>
                 <c:pt idx="64">
-                  <c:v>0.80487804878</c:v>
+                  <c:v>0.80487804878000002</c:v>
                 </c:pt>
                 <c:pt idx="66">
                   <c:v>0.865384615385</c:v>
                 </c:pt>
                 <c:pt idx="68">
-                  <c:v>0.739837398373999</c:v>
+                  <c:v>0.73983739837399898</c:v>
                 </c:pt>
                 <c:pt idx="70">
-                  <c:v>0.818681318681</c:v>
+                  <c:v>0.81868131868100003</c:v>
                 </c:pt>
                 <c:pt idx="72">
-                  <c:v>0.871794871795</c:v>
+                  <c:v>0.87179487179500004</c:v>
                 </c:pt>
                 <c:pt idx="74">
-                  <c:v>0.858407079646</c:v>
+                  <c:v>0.85840707964600005</c:v>
                 </c:pt>
                 <c:pt idx="76">
-                  <c:v>0.808219178081999</c:v>
+                  <c:v>0.80821917808199895</c:v>
                 </c:pt>
                 <c:pt idx="78">
-                  <c:v>0.878136200717</c:v>
+                  <c:v>0.87813620071700005</c:v>
                 </c:pt>
                 <c:pt idx="80">
-                  <c:v>0.810810810811</c:v>
+                  <c:v>0.81081081081100004</c:v>
                 </c:pt>
                 <c:pt idx="82">
-                  <c:v>0.901639344261999</c:v>
+                  <c:v>0.90163934426199899</c:v>
                 </c:pt>
                 <c:pt idx="84">
-                  <c:v>0.673469387754999</c:v>
+                  <c:v>0.67346938775499898</c:v>
                 </c:pt>
                 <c:pt idx="86">
                   <c:v>0.788321167883</c:v>
                 </c:pt>
                 <c:pt idx="88">
-                  <c:v>0.804347826086999</c:v>
+                  <c:v>0.80434782608699895</c:v>
                 </c:pt>
                 <c:pt idx="90">
-                  <c:v>0.804281345565999</c:v>
+                  <c:v>0.80428134556599895</c:v>
                 </c:pt>
                 <c:pt idx="92">
-                  <c:v>0.877586206896999</c:v>
+                  <c:v>0.87758620689699895</c:v>
                 </c:pt>
                 <c:pt idx="94">
-                  <c:v>0.670588235294</c:v>
+                  <c:v>0.67058823529400002</c:v>
                 </c:pt>
                 <c:pt idx="96">
-                  <c:v>0.859999999999999</c:v>
+                  <c:v>0.85999999999999899</c:v>
                 </c:pt>
                 <c:pt idx="98">
-                  <c:v>0.782608695651999</c:v>
+                  <c:v>0.78260869565199898</c:v>
                 </c:pt>
                 <c:pt idx="100">
-                  <c:v>0.863799283154</c:v>
+                  <c:v>0.86379928315400001</c:v>
                 </c:pt>
                 <c:pt idx="102">
-                  <c:v>0.770642201834999</c:v>
+                  <c:v>0.77064220183499899</c:v>
                 </c:pt>
                 <c:pt idx="104">
-                  <c:v>0.817073170732</c:v>
+                  <c:v>0.81707317073200003</c:v>
                 </c:pt>
                 <c:pt idx="106">
-                  <c:v>0.846153846154</c:v>
+                  <c:v>0.84615384615400002</c:v>
                 </c:pt>
                 <c:pt idx="108">
-                  <c:v>0.783333333333</c:v>
+                  <c:v>0.78333333333300004</c:v>
                 </c:pt>
                 <c:pt idx="110">
-                  <c:v>0.816513761468</c:v>
+                  <c:v>0.81651376146800003</c:v>
                 </c:pt>
               </c:numCache>
             </c:numRef>
@@ -2096,11 +2094,11 @@
           <c:showPercent val="0"/>
           <c:showBubbleSize val="0"/>
         </c:dLbls>
-        <c:axId val="-2130052272"/>
-        <c:axId val="-2129827888"/>
+        <c:axId val="349143264"/>
+        <c:axId val="349146400"/>
       </c:scatterChart>
       <c:valAx>
-        <c:axId val="-2130052272"/>
+        <c:axId val="349143264"/>
         <c:scaling>
           <c:orientation val="minMax"/>
         </c:scaling>
@@ -2212,12 +2210,12 @@
             <a:endParaRPr lang="en-US"/>
           </a:p>
         </c:txPr>
-        <c:crossAx val="-2129827888"/>
+        <c:crossAx val="349146400"/>
         <c:crosses val="autoZero"/>
         <c:crossBetween val="midCat"/>
       </c:valAx>
       <c:valAx>
-        <c:axId val="-2129827888"/>
+        <c:axId val="349146400"/>
         <c:scaling>
           <c:orientation val="minMax"/>
         </c:scaling>
@@ -2329,7 +2327,7 @@
             <a:endParaRPr lang="en-US"/>
           </a:p>
         </c:txPr>
-        <c:crossAx val="-2130052272"/>
+        <c:crossAx val="349143264"/>
         <c:crosses val="autoZero"/>
         <c:crossBetween val="midCat"/>
       </c:valAx>
@@ -4167,7 +4165,7 @@
           <a:p>
             <a:fld id="{490F3C1F-EFD9-1849-A02A-D977599F4A7F}" type="datetimeFigureOut">
               <a:rPr lang="en-US" smtClean="0"/>
-              <a:t>4/21/16</a:t>
+              <a:t>5/9/2016</a:t>
             </a:fld>
             <a:endParaRPr lang="en-US"/>
           </a:p>
@@ -4337,7 +4335,7 @@
           <a:p>
             <a:fld id="{490F3C1F-EFD9-1849-A02A-D977599F4A7F}" type="datetimeFigureOut">
               <a:rPr lang="en-US" smtClean="0"/>
-              <a:t>4/21/16</a:t>
+              <a:t>5/9/2016</a:t>
             </a:fld>
             <a:endParaRPr lang="en-US"/>
           </a:p>
@@ -4517,7 +4515,7 @@
           <a:p>
             <a:fld id="{490F3C1F-EFD9-1849-A02A-D977599F4A7F}" type="datetimeFigureOut">
               <a:rPr lang="en-US" smtClean="0"/>
-              <a:t>4/21/16</a:t>
+              <a:t>5/9/2016</a:t>
             </a:fld>
             <a:endParaRPr lang="en-US"/>
           </a:p>
@@ -4687,7 +4685,7 @@
           <a:p>
             <a:fld id="{490F3C1F-EFD9-1849-A02A-D977599F4A7F}" type="datetimeFigureOut">
               <a:rPr lang="en-US" smtClean="0"/>
-              <a:t>4/21/16</a:t>
+              <a:t>5/9/2016</a:t>
             </a:fld>
             <a:endParaRPr lang="en-US"/>
           </a:p>
@@ -4931,7 +4929,7 @@
           <a:p>
             <a:fld id="{490F3C1F-EFD9-1849-A02A-D977599F4A7F}" type="datetimeFigureOut">
               <a:rPr lang="en-US" smtClean="0"/>
-              <a:t>4/21/16</a:t>
+              <a:t>5/9/2016</a:t>
             </a:fld>
             <a:endParaRPr lang="en-US"/>
           </a:p>
@@ -5163,7 +5161,7 @@
           <a:p>
             <a:fld id="{490F3C1F-EFD9-1849-A02A-D977599F4A7F}" type="datetimeFigureOut">
               <a:rPr lang="en-US" smtClean="0"/>
-              <a:t>4/21/16</a:t>
+              <a:t>5/9/2016</a:t>
             </a:fld>
             <a:endParaRPr lang="en-US"/>
           </a:p>
@@ -5530,7 +5528,7 @@
           <a:p>
             <a:fld id="{490F3C1F-EFD9-1849-A02A-D977599F4A7F}" type="datetimeFigureOut">
               <a:rPr lang="en-US" smtClean="0"/>
-              <a:t>4/21/16</a:t>
+              <a:t>5/9/2016</a:t>
             </a:fld>
             <a:endParaRPr lang="en-US"/>
           </a:p>
@@ -5648,7 +5646,7 @@
           <a:p>
             <a:fld id="{490F3C1F-EFD9-1849-A02A-D977599F4A7F}" type="datetimeFigureOut">
               <a:rPr lang="en-US" smtClean="0"/>
-              <a:t>4/21/16</a:t>
+              <a:t>5/9/2016</a:t>
             </a:fld>
             <a:endParaRPr lang="en-US"/>
           </a:p>
@@ -5743,7 +5741,7 @@
           <a:p>
             <a:fld id="{490F3C1F-EFD9-1849-A02A-D977599F4A7F}" type="datetimeFigureOut">
               <a:rPr lang="en-US" smtClean="0"/>
-              <a:t>4/21/16</a:t>
+              <a:t>5/9/2016</a:t>
             </a:fld>
             <a:endParaRPr lang="en-US"/>
           </a:p>
@@ -6020,7 +6018,7 @@
           <a:p>
             <a:fld id="{490F3C1F-EFD9-1849-A02A-D977599F4A7F}" type="datetimeFigureOut">
               <a:rPr lang="en-US" smtClean="0"/>
-              <a:t>4/21/16</a:t>
+              <a:t>5/9/2016</a:t>
             </a:fld>
             <a:endParaRPr lang="en-US"/>
           </a:p>
@@ -6277,7 +6275,7 @@
           <a:p>
             <a:fld id="{490F3C1F-EFD9-1849-A02A-D977599F4A7F}" type="datetimeFigureOut">
               <a:rPr lang="en-US" smtClean="0"/>
-              <a:t>4/21/16</a:t>
+              <a:t>5/9/2016</a:t>
             </a:fld>
             <a:endParaRPr lang="en-US"/>
           </a:p>
@@ -6490,7 +6488,7 @@
           <a:p>
             <a:fld id="{490F3C1F-EFD9-1849-A02A-D977599F4A7F}" type="datetimeFigureOut">
               <a:rPr lang="en-US" smtClean="0"/>
-              <a:t>4/21/16</a:t>
+              <a:t>5/9/2016</a:t>
             </a:fld>
             <a:endParaRPr lang="en-US"/>
           </a:p>
@@ -7363,7 +7361,7 @@
             <p:spPr/>
             <p:txBody>
               <a:bodyPr>
-                <a:normAutofit fontScale="62500" lnSpcReduction="20000"/>
+                <a:normAutofit fontScale="47500" lnSpcReduction="20000"/>
               </a:bodyPr>
               <a:lstStyle/>
               <a:p>
@@ -7613,6 +7611,41 @@
                   <a:buChar char="o"/>
                 </a:pPr>
                 <a:endParaRPr lang="en-US" altLang="zh-CN" dirty="0" smtClean="0"/>
+              </a:p>
+              <a:p>
+                <a:pPr>
+                  <a:buFont typeface="Arial" charset="0"/>
+                  <a:buChar char="•"/>
+                </a:pPr>
+                <a:endParaRPr lang="en-US" altLang="zh-CN" dirty="0" smtClean="0"/>
+              </a:p>
+              <a:p>
+                <a:pPr>
+                  <a:buFont typeface="Arial" charset="0"/>
+                  <a:buChar char="•"/>
+                </a:pPr>
+                <a:endParaRPr lang="en-US" altLang="zh-CN" dirty="0" smtClean="0"/>
+              </a:p>
+              <a:p>
+                <a:pPr>
+                  <a:buFont typeface="Arial" charset="0"/>
+                  <a:buChar char="•"/>
+                </a:pPr>
+                <a:endParaRPr lang="en-US" altLang="zh-CN" dirty="0"/>
+              </a:p>
+              <a:p>
+                <a:pPr>
+                  <a:buFont typeface="Arial" charset="0"/>
+                  <a:buChar char="•"/>
+                </a:pPr>
+                <a:endParaRPr lang="en-US" altLang="zh-CN" dirty="0" smtClean="0"/>
+              </a:p>
+              <a:p>
+                <a:pPr>
+                  <a:buFont typeface="Arial" charset="0"/>
+                  <a:buChar char="•"/>
+                </a:pPr>
+                <a:endParaRPr lang="en-US" altLang="zh-CN" dirty="0"/>
               </a:p>
               <a:p>
                 <a:pPr>
@@ -7814,7 +7847,7 @@
                         <m:fPr>
                           <m:ctrlPr>
                             <a:rPr lang="bg-BG" altLang="zh-CN" b="0" i="1" smtClean="0">
-                              <a:latin typeface="Cambria Math" charset="0"/>
+                              <a:latin typeface="Cambria Math" panose="02040503050406030204" pitchFamily="18" charset="0"/>
                               <a:ea typeface="Cambria Math" charset="0"/>
                               <a:cs typeface="Cambria Math" charset="0"/>
                             </a:rPr>
@@ -8398,7 +8431,7 @@
               <a:blipFill rotWithShape="0">
                 <a:blip r:embed="rId2"/>
                 <a:stretch>
-                  <a:fillRect l="-618" t="-2241" r="-696"/>
+                  <a:fillRect l="-77" t="-1261" r="-309"/>
                 </a:stretch>
               </a:blipFill>
             </p:spPr>
@@ -8426,7 +8459,7 @@
           <p:nvPr>
             <p:extLst>
               <p:ext uri="{D42A27DB-BD31-4B8C-83A1-F6EECF244321}">
-                <p14:modId xmlns:p14="http://schemas.microsoft.com/office/powerpoint/2010/main" val="937145039"/>
+                <p14:modId xmlns:p14="http://schemas.microsoft.com/office/powerpoint/2010/main" val="4005226149"/>
               </p:ext>
             </p:extLst>
           </p:nvPr>
@@ -8470,16 +8503,13 @@
                         </a:spcAft>
                       </a:pPr>
                       <a:r>
-                        <a:rPr lang="en-US" sz="1800" dirty="0">
+                        <a:rPr lang="en-US" sz="1800" dirty="0" smtClean="0">
                           <a:effectLst/>
+                          <a:latin typeface="+mn-lt"/>
+                          <a:ea typeface="+mn-ea"/>
+                          <a:cs typeface="+mn-cs"/>
                         </a:rPr>
-                        <a:t>X</a:t>
-                      </a:r>
-                      <a:r>
-                        <a:rPr lang="en-US" sz="1800" baseline="-25000" dirty="0">
-                          <a:effectLst/>
-                        </a:rPr>
-                        <a:t>0</a:t>
+                        <a:t>&lt;s&gt;</a:t>
                       </a:r>
                       <a:endParaRPr lang="en-US" sz="1800" dirty="0">
                         <a:effectLst/>
@@ -8547,18 +8577,15 @@
                         </a:spcAft>
                       </a:pPr>
                       <a:r>
-                        <a:rPr lang="en-US" sz="1800">
+                        <a:rPr lang="en-US" sz="1800" dirty="0" smtClean="0">
                           <a:effectLst/>
+                          <a:latin typeface="+mn-lt"/>
+                          <a:ea typeface="+mn-ea"/>
+                          <a:cs typeface="+mn-cs"/>
                         </a:rPr>
-                        <a:t>X</a:t>
+                        <a:t>&lt;s&gt;</a:t>
                       </a:r>
-                      <a:r>
-                        <a:rPr lang="en-US" sz="1800" baseline="-25000">
-                          <a:effectLst/>
-                        </a:rPr>
-                        <a:t>1</a:t>
-                      </a:r>
-                      <a:endParaRPr lang="en-US" sz="1800">
+                      <a:endParaRPr lang="en-US" sz="1800" dirty="0">
                         <a:effectLst/>
                         <a:latin typeface="Calibri" panose="020F0502020204030204" pitchFamily="34" charset="0"/>
                         <a:ea typeface="宋体" panose="02010600030101010101" pitchFamily="2" charset="-122"/>
@@ -8624,16 +8651,13 @@
                         </a:spcAft>
                       </a:pPr>
                       <a:r>
-                        <a:rPr lang="en-US" sz="1800" dirty="0">
+                        <a:rPr lang="en-US" sz="1800" dirty="0" smtClean="0">
                           <a:effectLst/>
+                          <a:latin typeface="+mn-lt"/>
+                          <a:ea typeface="+mn-ea"/>
+                          <a:cs typeface="+mn-cs"/>
                         </a:rPr>
-                        <a:t>X</a:t>
-                      </a:r>
-                      <a:r>
-                        <a:rPr lang="en-US" sz="1800" baseline="-25000" dirty="0">
-                          <a:effectLst/>
-                        </a:rPr>
-                        <a:t>2</a:t>
+                        <a:t>&lt;s&gt;</a:t>
                       </a:r>
                       <a:endParaRPr lang="en-US" sz="1800" dirty="0">
                         <a:effectLst/>
@@ -8701,18 +8725,15 @@
                         </a:spcAft>
                       </a:pPr>
                       <a:r>
-                        <a:rPr lang="en-US" sz="1800">
+                        <a:rPr lang="en-US" sz="1800" dirty="0" smtClean="0">
                           <a:effectLst/>
+                          <a:latin typeface="+mn-lt"/>
+                          <a:ea typeface="+mn-ea"/>
+                          <a:cs typeface="+mn-cs"/>
                         </a:rPr>
-                        <a:t>X</a:t>
+                        <a:t>&lt;s&gt;</a:t>
                       </a:r>
-                      <a:r>
-                        <a:rPr lang="en-US" sz="1800" baseline="-25000">
-                          <a:effectLst/>
-                        </a:rPr>
-                        <a:t>3</a:t>
-                      </a:r>
-                      <a:endParaRPr lang="en-US" sz="1800">
+                      <a:endParaRPr lang="en-US" sz="1800" dirty="0">
                         <a:effectLst/>
                         <a:latin typeface="Calibri" panose="020F0502020204030204" pitchFamily="34" charset="0"/>
                         <a:ea typeface="宋体" panose="02010600030101010101" pitchFamily="2" charset="-122"/>
@@ -9089,18 +9110,18 @@
                         </a:spcAft>
                       </a:pPr>
                       <a:r>
-                        <a:rPr lang="en-US" sz="1800">
+                        <a:rPr lang="en-US" sz="1800" dirty="0">
                           <a:effectLst/>
                         </a:rPr>
                         <a:t>X</a:t>
                       </a:r>
                       <a:r>
-                        <a:rPr lang="en-US" sz="1800" baseline="-25000">
+                        <a:rPr lang="en-US" sz="1800" baseline="-25000" dirty="0">
                           <a:effectLst/>
                         </a:rPr>
                         <a:t>8</a:t>
                       </a:r>
-                      <a:endParaRPr lang="en-US" sz="1800">
+                      <a:endParaRPr lang="en-US" sz="1800" dirty="0">
                         <a:effectLst/>
                         <a:latin typeface="Calibri" panose="020F0502020204030204" pitchFamily="34" charset="0"/>
                         <a:ea typeface="宋体" panose="02010600030101010101" pitchFamily="2" charset="-122"/>
@@ -9168,10 +9189,13 @@
                         </a:spcAft>
                       </a:pPr>
                       <a:r>
-                        <a:rPr lang="en-US" sz="1800" dirty="0">
+                        <a:rPr lang="en-US" sz="1800" dirty="0" smtClean="0">
                           <a:effectLst/>
+                          <a:latin typeface="+mn-lt"/>
+                          <a:ea typeface="+mn-ea"/>
+                          <a:cs typeface="+mn-cs"/>
                         </a:rPr>
-                        <a:t>0</a:t>
+                        <a:t>-1</a:t>
                       </a:r>
                       <a:endParaRPr lang="en-US" sz="1800" dirty="0">
                         <a:effectLst/>
@@ -9239,12 +9263,15 @@
                         </a:spcAft>
                       </a:pPr>
                       <a:r>
-                        <a:rPr lang="en-US" sz="1800">
+                        <a:rPr lang="en-US" sz="1800" dirty="0" smtClean="0">
                           <a:effectLst/>
+                          <a:latin typeface="+mn-lt"/>
+                          <a:ea typeface="+mn-ea"/>
+                          <a:cs typeface="+mn-cs"/>
                         </a:rPr>
-                        <a:t>1</a:t>
+                        <a:t>-1</a:t>
                       </a:r>
-                      <a:endParaRPr lang="en-US" sz="1800">
+                      <a:endParaRPr lang="en-US" sz="1800" dirty="0">
                         <a:effectLst/>
                         <a:latin typeface="Calibri" panose="020F0502020204030204" pitchFamily="34" charset="0"/>
                         <a:ea typeface="宋体" panose="02010600030101010101" pitchFamily="2" charset="-122"/>
@@ -9310,12 +9337,15 @@
                         </a:spcAft>
                       </a:pPr>
                       <a:r>
-                        <a:rPr lang="en-US" sz="1800">
+                        <a:rPr lang="en-US" sz="1800" dirty="0" smtClean="0">
                           <a:effectLst/>
+                          <a:latin typeface="+mn-lt"/>
+                          <a:ea typeface="+mn-ea"/>
+                          <a:cs typeface="+mn-cs"/>
                         </a:rPr>
-                        <a:t>0</a:t>
+                        <a:t>-1</a:t>
                       </a:r>
-                      <a:endParaRPr lang="en-US" sz="1800">
+                      <a:endParaRPr lang="en-US" sz="1800" dirty="0">
                         <a:effectLst/>
                         <a:latin typeface="Calibri" panose="020F0502020204030204" pitchFamily="34" charset="0"/>
                         <a:ea typeface="宋体" panose="02010600030101010101" pitchFamily="2" charset="-122"/>
@@ -9381,12 +9411,12 @@
                         </a:spcAft>
                       </a:pPr>
                       <a:r>
-                        <a:rPr lang="en-US" sz="1800">
+                        <a:rPr lang="en-US" sz="1800" dirty="0" smtClean="0">
                           <a:effectLst/>
                         </a:rPr>
-                        <a:t>1</a:t>
+                        <a:t>-1</a:t>
                       </a:r>
-                      <a:endParaRPr lang="en-US" sz="1800">
+                      <a:endParaRPr lang="en-US" sz="1800" dirty="0">
                         <a:effectLst/>
                         <a:latin typeface="Calibri" panose="020F0502020204030204" pitchFamily="34" charset="0"/>
                         <a:ea typeface="宋体" panose="02010600030101010101" pitchFamily="2" charset="-122"/>
@@ -9850,125 +9880,2798 @@
           <a:bodyPr/>
           <a:lstStyle/>
           <a:p>
-            <a:r>
-              <a:rPr lang="en-US" altLang="zh-CN" dirty="0"/>
-              <a:t>Current</a:t>
-            </a:r>
-            <a:r>
-              <a:rPr lang="zh-CN" altLang="en-US" dirty="0"/>
-              <a:t> </a:t>
-            </a:r>
-            <a:r>
-              <a:rPr lang="en-US" altLang="zh-CN" dirty="0"/>
-              <a:t>Progress:</a:t>
-            </a:r>
-            <a:r>
-              <a:rPr lang="zh-CN" altLang="en-US" dirty="0"/>
-              <a:t> </a:t>
-            </a:r>
-            <a:r>
-              <a:rPr lang="en-US" altLang="zh-CN" dirty="0"/>
-              <a:t>Naïve</a:t>
-            </a:r>
-            <a:r>
-              <a:rPr lang="zh-CN" altLang="en-US" dirty="0"/>
-              <a:t> </a:t>
-            </a:r>
-            <a:r>
-              <a:rPr lang="en-US" altLang="zh-CN" dirty="0"/>
-              <a:t>Bayes</a:t>
-            </a:r>
-            <a:r>
-              <a:rPr lang="zh-CN" altLang="en-US" dirty="0"/>
-              <a:t> </a:t>
-            </a:r>
-            <a:r>
-              <a:rPr lang="en-US" altLang="zh-CN" dirty="0"/>
-              <a:t>Model</a:t>
-            </a:r>
-            <a:endParaRPr lang="en-US" dirty="0"/>
+            <a:endParaRPr lang="en-US"/>
           </a:p>
         </p:txBody>
       </p:sp>
       <p:sp>
         <p:nvSpPr>
-          <p:cNvPr id="8" name="TextBox 7"/>
-          <p:cNvSpPr txBox="1"/>
-          <p:nvPr/>
+          <p:cNvPr id="3" name="Content Placeholder 2"/>
+          <p:cNvSpPr>
+            <a:spLocks noGrp="1"/>
+          </p:cNvSpPr>
+          <p:nvPr>
+            <p:ph idx="1"/>
+          </p:nvPr>
         </p:nvSpPr>
-        <p:spPr>
-          <a:xfrm>
-            <a:off x="3788109" y="6027025"/>
-            <a:ext cx="1272400" cy="369332"/>
-          </a:xfrm>
-          <a:prstGeom prst="rect">
-            <a:avLst/>
-          </a:prstGeom>
-          <a:noFill/>
-        </p:spPr>
+        <p:spPr/>
         <p:txBody>
-          <a:bodyPr wrap="none" rtlCol="0">
-            <a:spAutoFit/>
-          </a:bodyPr>
+          <a:bodyPr/>
           <a:lstStyle/>
           <a:p>
-            <a:r>
-              <a:rPr lang="en-US" altLang="zh-CN" dirty="0" smtClean="0"/>
-              <a:t>Theta</a:t>
-            </a:r>
-            <a:r>
-              <a:rPr lang="zh-CN" altLang="en-US" dirty="0" smtClean="0"/>
-              <a:t> </a:t>
-            </a:r>
-            <a:r>
-              <a:rPr lang="en-US" altLang="zh-CN" dirty="0" smtClean="0"/>
-              <a:t>value</a:t>
-            </a:r>
-            <a:endParaRPr lang="en-US" dirty="0"/>
+            <a:endParaRPr lang="en-US"/>
           </a:p>
         </p:txBody>
       </p:sp>
       <p:graphicFrame>
         <p:nvGraphicFramePr>
-          <p:cNvPr id="6" name="Chart 5"/>
+          <p:cNvPr id="4" name="Table 3"/>
           <p:cNvGraphicFramePr>
-            <a:graphicFrameLocks/>
+            <a:graphicFrameLocks noGrp="1"/>
           </p:cNvGraphicFramePr>
           <p:nvPr>
             <p:extLst>
               <p:ext uri="{D42A27DB-BD31-4B8C-83A1-F6EECF244321}">
-                <p14:modId xmlns:p14="http://schemas.microsoft.com/office/powerpoint/2010/main" val="984608395"/>
+                <p14:modId xmlns:p14="http://schemas.microsoft.com/office/powerpoint/2010/main" val="3141868674"/>
               </p:ext>
             </p:extLst>
           </p:nvPr>
         </p:nvGraphicFramePr>
         <p:xfrm>
-          <a:off x="1003109" y="1690689"/>
-          <a:ext cx="7008573" cy="4205144"/>
+          <a:off x="1665516" y="2198663"/>
+          <a:ext cx="5480050" cy="586994"/>
         </p:xfrm>
         <a:graphic>
-          <a:graphicData uri="http://schemas.openxmlformats.org/drawingml/2006/chart">
-            <c:chart xmlns:c="http://schemas.openxmlformats.org/drawingml/2006/chart" xmlns:r="http://schemas.openxmlformats.org/officeDocument/2006/relationships" r:id="rId2"/>
+          <a:graphicData uri="http://schemas.openxmlformats.org/drawingml/2006/table">
+            <a:tbl>
+              <a:tblPr firstRow="1" firstCol="1" bandRow="1">
+                <a:tableStyleId>{2D5ABB26-0587-4C30-8999-92F81FD0307C}</a:tableStyleId>
+              </a:tblPr>
+              <a:tblGrid>
+                <a:gridCol w="608330"/>
+                <a:gridCol w="608965"/>
+                <a:gridCol w="608965"/>
+                <a:gridCol w="608965"/>
+                <a:gridCol w="608965"/>
+                <a:gridCol w="608965"/>
+                <a:gridCol w="608965"/>
+                <a:gridCol w="608965"/>
+                <a:gridCol w="608965"/>
+              </a:tblGrid>
+              <a:tr h="0">
+                <a:tc>
+                  <a:txBody>
+                    <a:bodyPr/>
+                    <a:lstStyle/>
+                    <a:p>
+                      <a:pPr marL="0" marR="0" algn="ctr">
+                        <a:lnSpc>
+                          <a:spcPct val="107000"/>
+                        </a:lnSpc>
+                        <a:spcBef>
+                          <a:spcPts val="0"/>
+                        </a:spcBef>
+                        <a:spcAft>
+                          <a:spcPts val="0"/>
+                        </a:spcAft>
+                      </a:pPr>
+                      <a:r>
+                        <a:rPr lang="en-US" sz="1800" dirty="0" smtClean="0">
+                          <a:effectLst/>
+                          <a:latin typeface="+mn-lt"/>
+                          <a:ea typeface="+mn-ea"/>
+                          <a:cs typeface="+mn-cs"/>
+                        </a:rPr>
+                        <a:t>&lt;s&gt;</a:t>
+                      </a:r>
+                      <a:endParaRPr lang="en-US" sz="1800" dirty="0">
+                        <a:effectLst/>
+                        <a:latin typeface="Calibri" panose="020F0502020204030204" pitchFamily="34" charset="0"/>
+                        <a:ea typeface="宋体" panose="02010600030101010101" pitchFamily="2" charset="-122"/>
+                        <a:cs typeface="Times New Roman" panose="02020603050405020304" pitchFamily="18" charset="0"/>
+                      </a:endParaRPr>
+                    </a:p>
+                  </a:txBody>
+                  <a:tcPr marL="68580" marR="68580" marT="0" marB="0">
+                    <a:lnL w="12700" cap="flat" cmpd="sng" algn="ctr">
+                      <a:noFill/>
+                      <a:prstDash val="solid"/>
+                      <a:round/>
+                      <a:headEnd type="none" w="med" len="med"/>
+                      <a:tailEnd type="none" w="med" len="med"/>
+                    </a:lnL>
+                    <a:lnR w="12700" cap="flat" cmpd="sng" algn="ctr">
+                      <a:noFill/>
+                      <a:prstDash val="solid"/>
+                      <a:round/>
+                      <a:headEnd type="none" w="med" len="med"/>
+                      <a:tailEnd type="none" w="med" len="med"/>
+                    </a:lnR>
+                    <a:lnT w="12700" cap="flat" cmpd="sng" algn="ctr">
+                      <a:noFill/>
+                      <a:prstDash val="solid"/>
+                      <a:round/>
+                      <a:headEnd type="none" w="med" len="med"/>
+                      <a:tailEnd type="none" w="med" len="med"/>
+                    </a:lnT>
+                    <a:lnB w="12700" cap="flat" cmpd="sng" algn="ctr">
+                      <a:solidFill>
+                        <a:schemeClr val="tx1"/>
+                      </a:solidFill>
+                      <a:prstDash val="solid"/>
+                      <a:round/>
+                      <a:headEnd type="none" w="med" len="med"/>
+                      <a:tailEnd type="none" w="med" len="med"/>
+                    </a:lnB>
+                    <a:lnTlToBr w="12700" cmpd="sng">
+                      <a:noFill/>
+                      <a:prstDash val="solid"/>
+                    </a:lnTlToBr>
+                    <a:lnBlToTr w="12700" cmpd="sng">
+                      <a:noFill/>
+                      <a:prstDash val="solid"/>
+                    </a:lnBlToTr>
+                  </a:tcPr>
+                </a:tc>
+                <a:tc>
+                  <a:txBody>
+                    <a:bodyPr/>
+                    <a:lstStyle/>
+                    <a:p>
+                      <a:pPr marL="0" marR="0" algn="ctr">
+                        <a:lnSpc>
+                          <a:spcPct val="107000"/>
+                        </a:lnSpc>
+                        <a:spcBef>
+                          <a:spcPts val="0"/>
+                        </a:spcBef>
+                        <a:spcAft>
+                          <a:spcPts val="0"/>
+                        </a:spcAft>
+                      </a:pPr>
+                      <a:r>
+                        <a:rPr lang="en-US" sz="1800" dirty="0" smtClean="0">
+                          <a:effectLst/>
+                          <a:latin typeface="+mn-lt"/>
+                          <a:ea typeface="+mn-ea"/>
+                          <a:cs typeface="+mn-cs"/>
+                        </a:rPr>
+                        <a:t>&lt;s&gt;</a:t>
+                      </a:r>
+                      <a:endParaRPr lang="en-US" sz="1800" dirty="0">
+                        <a:effectLst/>
+                        <a:latin typeface="Calibri" panose="020F0502020204030204" pitchFamily="34" charset="0"/>
+                        <a:ea typeface="宋体" panose="02010600030101010101" pitchFamily="2" charset="-122"/>
+                        <a:cs typeface="Times New Roman" panose="02020603050405020304" pitchFamily="18" charset="0"/>
+                      </a:endParaRPr>
+                    </a:p>
+                  </a:txBody>
+                  <a:tcPr marL="68580" marR="68580" marT="0" marB="0">
+                    <a:lnL w="12700" cap="flat" cmpd="sng" algn="ctr">
+                      <a:noFill/>
+                      <a:prstDash val="solid"/>
+                      <a:round/>
+                      <a:headEnd type="none" w="med" len="med"/>
+                      <a:tailEnd type="none" w="med" len="med"/>
+                    </a:lnL>
+                    <a:lnR w="12700" cap="flat" cmpd="sng" algn="ctr">
+                      <a:noFill/>
+                      <a:prstDash val="solid"/>
+                      <a:round/>
+                      <a:headEnd type="none" w="med" len="med"/>
+                      <a:tailEnd type="none" w="med" len="med"/>
+                    </a:lnR>
+                    <a:lnT w="12700" cap="flat" cmpd="sng" algn="ctr">
+                      <a:noFill/>
+                      <a:prstDash val="solid"/>
+                      <a:round/>
+                      <a:headEnd type="none" w="med" len="med"/>
+                      <a:tailEnd type="none" w="med" len="med"/>
+                    </a:lnT>
+                    <a:lnB w="12700" cap="flat" cmpd="sng" algn="ctr">
+                      <a:solidFill>
+                        <a:schemeClr val="tx1"/>
+                      </a:solidFill>
+                      <a:prstDash val="solid"/>
+                      <a:round/>
+                      <a:headEnd type="none" w="med" len="med"/>
+                      <a:tailEnd type="none" w="med" len="med"/>
+                    </a:lnB>
+                    <a:lnTlToBr w="12700" cmpd="sng">
+                      <a:noFill/>
+                      <a:prstDash val="solid"/>
+                    </a:lnTlToBr>
+                    <a:lnBlToTr w="12700" cmpd="sng">
+                      <a:noFill/>
+                      <a:prstDash val="solid"/>
+                    </a:lnBlToTr>
+                  </a:tcPr>
+                </a:tc>
+                <a:tc>
+                  <a:txBody>
+                    <a:bodyPr/>
+                    <a:lstStyle/>
+                    <a:p>
+                      <a:pPr marL="0" marR="0" algn="ctr">
+                        <a:lnSpc>
+                          <a:spcPct val="107000"/>
+                        </a:lnSpc>
+                        <a:spcBef>
+                          <a:spcPts val="0"/>
+                        </a:spcBef>
+                        <a:spcAft>
+                          <a:spcPts val="0"/>
+                        </a:spcAft>
+                      </a:pPr>
+                      <a:r>
+                        <a:rPr lang="en-US" sz="1800" dirty="0" smtClean="0">
+                          <a:effectLst/>
+                          <a:latin typeface="+mn-lt"/>
+                          <a:ea typeface="+mn-ea"/>
+                          <a:cs typeface="+mn-cs"/>
+                        </a:rPr>
+                        <a:t>&lt;s&gt;</a:t>
+                      </a:r>
+                      <a:endParaRPr lang="en-US" sz="1800" dirty="0">
+                        <a:effectLst/>
+                        <a:latin typeface="Calibri" panose="020F0502020204030204" pitchFamily="34" charset="0"/>
+                        <a:ea typeface="宋体" panose="02010600030101010101" pitchFamily="2" charset="-122"/>
+                        <a:cs typeface="Times New Roman" panose="02020603050405020304" pitchFamily="18" charset="0"/>
+                      </a:endParaRPr>
+                    </a:p>
+                  </a:txBody>
+                  <a:tcPr marL="68580" marR="68580" marT="0" marB="0">
+                    <a:lnL w="12700" cap="flat" cmpd="sng" algn="ctr">
+                      <a:noFill/>
+                      <a:prstDash val="solid"/>
+                      <a:round/>
+                      <a:headEnd type="none" w="med" len="med"/>
+                      <a:tailEnd type="none" w="med" len="med"/>
+                    </a:lnL>
+                    <a:lnR w="12700" cap="flat" cmpd="sng" algn="ctr">
+                      <a:noFill/>
+                      <a:prstDash val="solid"/>
+                      <a:round/>
+                      <a:headEnd type="none" w="med" len="med"/>
+                      <a:tailEnd type="none" w="med" len="med"/>
+                    </a:lnR>
+                    <a:lnT w="12700" cap="flat" cmpd="sng" algn="ctr">
+                      <a:noFill/>
+                      <a:prstDash val="solid"/>
+                      <a:round/>
+                      <a:headEnd type="none" w="med" len="med"/>
+                      <a:tailEnd type="none" w="med" len="med"/>
+                    </a:lnT>
+                    <a:lnB w="12700" cap="flat" cmpd="sng" algn="ctr">
+                      <a:solidFill>
+                        <a:schemeClr val="tx1"/>
+                      </a:solidFill>
+                      <a:prstDash val="solid"/>
+                      <a:round/>
+                      <a:headEnd type="none" w="med" len="med"/>
+                      <a:tailEnd type="none" w="med" len="med"/>
+                    </a:lnB>
+                    <a:lnTlToBr w="12700" cmpd="sng">
+                      <a:noFill/>
+                      <a:prstDash val="solid"/>
+                    </a:lnTlToBr>
+                    <a:lnBlToTr w="12700" cmpd="sng">
+                      <a:noFill/>
+                      <a:prstDash val="solid"/>
+                    </a:lnBlToTr>
+                  </a:tcPr>
+                </a:tc>
+                <a:tc>
+                  <a:txBody>
+                    <a:bodyPr/>
+                    <a:lstStyle/>
+                    <a:p>
+                      <a:pPr marL="0" marR="0" algn="ctr">
+                        <a:lnSpc>
+                          <a:spcPct val="107000"/>
+                        </a:lnSpc>
+                        <a:spcBef>
+                          <a:spcPts val="0"/>
+                        </a:spcBef>
+                        <a:spcAft>
+                          <a:spcPts val="0"/>
+                        </a:spcAft>
+                      </a:pPr>
+                      <a:r>
+                        <a:rPr lang="en-US" sz="1800" dirty="0" smtClean="0">
+                          <a:effectLst/>
+                          <a:latin typeface="+mn-lt"/>
+                          <a:ea typeface="+mn-ea"/>
+                          <a:cs typeface="+mn-cs"/>
+                        </a:rPr>
+                        <a:t>&lt;s&gt;</a:t>
+                      </a:r>
+                      <a:endParaRPr lang="en-US" sz="1800" dirty="0">
+                        <a:effectLst/>
+                        <a:latin typeface="Calibri" panose="020F0502020204030204" pitchFamily="34" charset="0"/>
+                        <a:ea typeface="宋体" panose="02010600030101010101" pitchFamily="2" charset="-122"/>
+                        <a:cs typeface="Times New Roman" panose="02020603050405020304" pitchFamily="18" charset="0"/>
+                      </a:endParaRPr>
+                    </a:p>
+                  </a:txBody>
+                  <a:tcPr marL="68580" marR="68580" marT="0" marB="0">
+                    <a:lnL w="12700" cap="flat" cmpd="sng" algn="ctr">
+                      <a:noFill/>
+                      <a:prstDash val="solid"/>
+                      <a:round/>
+                      <a:headEnd type="none" w="med" len="med"/>
+                      <a:tailEnd type="none" w="med" len="med"/>
+                    </a:lnL>
+                    <a:lnR w="12700" cap="flat" cmpd="sng" algn="ctr">
+                      <a:noFill/>
+                      <a:prstDash val="solid"/>
+                      <a:round/>
+                      <a:headEnd type="none" w="med" len="med"/>
+                      <a:tailEnd type="none" w="med" len="med"/>
+                    </a:lnR>
+                    <a:lnT w="12700" cap="flat" cmpd="sng" algn="ctr">
+                      <a:noFill/>
+                      <a:prstDash val="solid"/>
+                      <a:round/>
+                      <a:headEnd type="none" w="med" len="med"/>
+                      <a:tailEnd type="none" w="med" len="med"/>
+                    </a:lnT>
+                    <a:lnB w="12700" cap="flat" cmpd="sng" algn="ctr">
+                      <a:solidFill>
+                        <a:schemeClr val="tx1"/>
+                      </a:solidFill>
+                      <a:prstDash val="solid"/>
+                      <a:round/>
+                      <a:headEnd type="none" w="med" len="med"/>
+                      <a:tailEnd type="none" w="med" len="med"/>
+                    </a:lnB>
+                    <a:lnTlToBr w="12700" cmpd="sng">
+                      <a:noFill/>
+                      <a:prstDash val="solid"/>
+                    </a:lnTlToBr>
+                    <a:lnBlToTr w="12700" cmpd="sng">
+                      <a:noFill/>
+                      <a:prstDash val="solid"/>
+                    </a:lnBlToTr>
+                  </a:tcPr>
+                </a:tc>
+                <a:tc>
+                  <a:txBody>
+                    <a:bodyPr/>
+                    <a:lstStyle/>
+                    <a:p>
+                      <a:pPr marL="0" marR="0" algn="ctr">
+                        <a:lnSpc>
+                          <a:spcPct val="107000"/>
+                        </a:lnSpc>
+                        <a:spcBef>
+                          <a:spcPts val="0"/>
+                        </a:spcBef>
+                        <a:spcAft>
+                          <a:spcPts val="0"/>
+                        </a:spcAft>
+                      </a:pPr>
+                      <a:r>
+                        <a:rPr lang="en-US" sz="1800" dirty="0">
+                          <a:effectLst/>
+                        </a:rPr>
+                        <a:t>X</a:t>
+                      </a:r>
+                      <a:r>
+                        <a:rPr lang="en-US" sz="1800" baseline="-25000" dirty="0">
+                          <a:effectLst/>
+                        </a:rPr>
+                        <a:t>4</a:t>
+                      </a:r>
+                      <a:endParaRPr lang="en-US" sz="1800" dirty="0">
+                        <a:effectLst/>
+                        <a:latin typeface="Calibri" panose="020F0502020204030204" pitchFamily="34" charset="0"/>
+                        <a:ea typeface="宋体" panose="02010600030101010101" pitchFamily="2" charset="-122"/>
+                        <a:cs typeface="Times New Roman" panose="02020603050405020304" pitchFamily="18" charset="0"/>
+                      </a:endParaRPr>
+                    </a:p>
+                  </a:txBody>
+                  <a:tcPr marL="68580" marR="68580" marT="0" marB="0">
+                    <a:lnL w="12700" cap="flat" cmpd="sng" algn="ctr">
+                      <a:noFill/>
+                      <a:prstDash val="solid"/>
+                      <a:round/>
+                      <a:headEnd type="none" w="med" len="med"/>
+                      <a:tailEnd type="none" w="med" len="med"/>
+                    </a:lnL>
+                    <a:lnR w="12700" cap="flat" cmpd="sng" algn="ctr">
+                      <a:noFill/>
+                      <a:prstDash val="solid"/>
+                      <a:round/>
+                      <a:headEnd type="none" w="med" len="med"/>
+                      <a:tailEnd type="none" w="med" len="med"/>
+                    </a:lnR>
+                    <a:lnT w="12700" cap="flat" cmpd="sng" algn="ctr">
+                      <a:noFill/>
+                      <a:prstDash val="solid"/>
+                      <a:round/>
+                      <a:headEnd type="none" w="med" len="med"/>
+                      <a:tailEnd type="none" w="med" len="med"/>
+                    </a:lnT>
+                    <a:lnB w="12700" cap="flat" cmpd="sng" algn="ctr">
+                      <a:solidFill>
+                        <a:schemeClr val="tx1"/>
+                      </a:solidFill>
+                      <a:prstDash val="solid"/>
+                      <a:round/>
+                      <a:headEnd type="none" w="med" len="med"/>
+                      <a:tailEnd type="none" w="med" len="med"/>
+                    </a:lnB>
+                    <a:lnTlToBr w="12700" cmpd="sng">
+                      <a:noFill/>
+                      <a:prstDash val="solid"/>
+                    </a:lnTlToBr>
+                    <a:lnBlToTr w="12700" cmpd="sng">
+                      <a:noFill/>
+                      <a:prstDash val="solid"/>
+                    </a:lnBlToTr>
+                    <a:solidFill>
+                      <a:srgbClr val="FFC000"/>
+                    </a:solidFill>
+                  </a:tcPr>
+                </a:tc>
+                <a:tc>
+                  <a:txBody>
+                    <a:bodyPr/>
+                    <a:lstStyle/>
+                    <a:p>
+                      <a:pPr marL="0" marR="0" algn="ctr">
+                        <a:lnSpc>
+                          <a:spcPct val="107000"/>
+                        </a:lnSpc>
+                        <a:spcBef>
+                          <a:spcPts val="0"/>
+                        </a:spcBef>
+                        <a:spcAft>
+                          <a:spcPts val="0"/>
+                        </a:spcAft>
+                      </a:pPr>
+                      <a:r>
+                        <a:rPr lang="en-US" sz="1800" dirty="0">
+                          <a:effectLst/>
+                        </a:rPr>
+                        <a:t>X</a:t>
+                      </a:r>
+                      <a:r>
+                        <a:rPr lang="en-US" sz="1800" baseline="-25000" dirty="0">
+                          <a:effectLst/>
+                        </a:rPr>
+                        <a:t>5</a:t>
+                      </a:r>
+                      <a:endParaRPr lang="en-US" sz="1800" dirty="0">
+                        <a:effectLst/>
+                        <a:latin typeface="Calibri" panose="020F0502020204030204" pitchFamily="34" charset="0"/>
+                        <a:ea typeface="宋体" panose="02010600030101010101" pitchFamily="2" charset="-122"/>
+                        <a:cs typeface="Times New Roman" panose="02020603050405020304" pitchFamily="18" charset="0"/>
+                      </a:endParaRPr>
+                    </a:p>
+                  </a:txBody>
+                  <a:tcPr marL="68580" marR="68580" marT="0" marB="0">
+                    <a:lnL w="12700" cap="flat" cmpd="sng" algn="ctr">
+                      <a:noFill/>
+                      <a:prstDash val="solid"/>
+                      <a:round/>
+                      <a:headEnd type="none" w="med" len="med"/>
+                      <a:tailEnd type="none" w="med" len="med"/>
+                    </a:lnL>
+                    <a:lnR w="12700" cap="flat" cmpd="sng" algn="ctr">
+                      <a:noFill/>
+                      <a:prstDash val="solid"/>
+                      <a:round/>
+                      <a:headEnd type="none" w="med" len="med"/>
+                      <a:tailEnd type="none" w="med" len="med"/>
+                    </a:lnR>
+                    <a:lnT w="12700" cap="flat" cmpd="sng" algn="ctr">
+                      <a:noFill/>
+                      <a:prstDash val="solid"/>
+                      <a:round/>
+                      <a:headEnd type="none" w="med" len="med"/>
+                      <a:tailEnd type="none" w="med" len="med"/>
+                    </a:lnT>
+                    <a:lnB w="12700" cap="flat" cmpd="sng" algn="ctr">
+                      <a:solidFill>
+                        <a:schemeClr val="tx1"/>
+                      </a:solidFill>
+                      <a:prstDash val="solid"/>
+                      <a:round/>
+                      <a:headEnd type="none" w="med" len="med"/>
+                      <a:tailEnd type="none" w="med" len="med"/>
+                    </a:lnB>
+                    <a:lnTlToBr w="12700" cmpd="sng">
+                      <a:noFill/>
+                      <a:prstDash val="solid"/>
+                    </a:lnTlToBr>
+                    <a:lnBlToTr w="12700" cmpd="sng">
+                      <a:noFill/>
+                      <a:prstDash val="solid"/>
+                    </a:lnBlToTr>
+                  </a:tcPr>
+                </a:tc>
+                <a:tc>
+                  <a:txBody>
+                    <a:bodyPr/>
+                    <a:lstStyle/>
+                    <a:p>
+                      <a:pPr marL="0" marR="0" algn="ctr">
+                        <a:lnSpc>
+                          <a:spcPct val="107000"/>
+                        </a:lnSpc>
+                        <a:spcBef>
+                          <a:spcPts val="0"/>
+                        </a:spcBef>
+                        <a:spcAft>
+                          <a:spcPts val="0"/>
+                        </a:spcAft>
+                      </a:pPr>
+                      <a:r>
+                        <a:rPr lang="en-US" sz="1800">
+                          <a:effectLst/>
+                        </a:rPr>
+                        <a:t>X</a:t>
+                      </a:r>
+                      <a:r>
+                        <a:rPr lang="en-US" sz="1800" baseline="-25000">
+                          <a:effectLst/>
+                        </a:rPr>
+                        <a:t>6</a:t>
+                      </a:r>
+                      <a:endParaRPr lang="en-US" sz="1800">
+                        <a:effectLst/>
+                        <a:latin typeface="Calibri" panose="020F0502020204030204" pitchFamily="34" charset="0"/>
+                        <a:ea typeface="宋体" panose="02010600030101010101" pitchFamily="2" charset="-122"/>
+                        <a:cs typeface="Times New Roman" panose="02020603050405020304" pitchFamily="18" charset="0"/>
+                      </a:endParaRPr>
+                    </a:p>
+                  </a:txBody>
+                  <a:tcPr marL="68580" marR="68580" marT="0" marB="0">
+                    <a:lnL w="12700" cap="flat" cmpd="sng" algn="ctr">
+                      <a:noFill/>
+                      <a:prstDash val="solid"/>
+                      <a:round/>
+                      <a:headEnd type="none" w="med" len="med"/>
+                      <a:tailEnd type="none" w="med" len="med"/>
+                    </a:lnL>
+                    <a:lnR w="12700" cap="flat" cmpd="sng" algn="ctr">
+                      <a:noFill/>
+                      <a:prstDash val="solid"/>
+                      <a:round/>
+                      <a:headEnd type="none" w="med" len="med"/>
+                      <a:tailEnd type="none" w="med" len="med"/>
+                    </a:lnR>
+                    <a:lnT w="12700" cap="flat" cmpd="sng" algn="ctr">
+                      <a:noFill/>
+                      <a:prstDash val="solid"/>
+                      <a:round/>
+                      <a:headEnd type="none" w="med" len="med"/>
+                      <a:tailEnd type="none" w="med" len="med"/>
+                    </a:lnT>
+                    <a:lnB w="12700" cap="flat" cmpd="sng" algn="ctr">
+                      <a:solidFill>
+                        <a:schemeClr val="tx1"/>
+                      </a:solidFill>
+                      <a:prstDash val="solid"/>
+                      <a:round/>
+                      <a:headEnd type="none" w="med" len="med"/>
+                      <a:tailEnd type="none" w="med" len="med"/>
+                    </a:lnB>
+                    <a:lnTlToBr w="12700" cmpd="sng">
+                      <a:noFill/>
+                      <a:prstDash val="solid"/>
+                    </a:lnTlToBr>
+                    <a:lnBlToTr w="12700" cmpd="sng">
+                      <a:noFill/>
+                      <a:prstDash val="solid"/>
+                    </a:lnBlToTr>
+                  </a:tcPr>
+                </a:tc>
+                <a:tc>
+                  <a:txBody>
+                    <a:bodyPr/>
+                    <a:lstStyle/>
+                    <a:p>
+                      <a:pPr marL="0" marR="0" algn="ctr">
+                        <a:lnSpc>
+                          <a:spcPct val="107000"/>
+                        </a:lnSpc>
+                        <a:spcBef>
+                          <a:spcPts val="0"/>
+                        </a:spcBef>
+                        <a:spcAft>
+                          <a:spcPts val="0"/>
+                        </a:spcAft>
+                      </a:pPr>
+                      <a:r>
+                        <a:rPr lang="en-US" sz="1800">
+                          <a:effectLst/>
+                        </a:rPr>
+                        <a:t>X</a:t>
+                      </a:r>
+                      <a:r>
+                        <a:rPr lang="en-US" sz="1800" baseline="-25000">
+                          <a:effectLst/>
+                        </a:rPr>
+                        <a:t>7</a:t>
+                      </a:r>
+                      <a:endParaRPr lang="en-US" sz="1800">
+                        <a:effectLst/>
+                        <a:latin typeface="Calibri" panose="020F0502020204030204" pitchFamily="34" charset="0"/>
+                        <a:ea typeface="宋体" panose="02010600030101010101" pitchFamily="2" charset="-122"/>
+                        <a:cs typeface="Times New Roman" panose="02020603050405020304" pitchFamily="18" charset="0"/>
+                      </a:endParaRPr>
+                    </a:p>
+                  </a:txBody>
+                  <a:tcPr marL="68580" marR="68580" marT="0" marB="0">
+                    <a:lnL w="12700" cap="flat" cmpd="sng" algn="ctr">
+                      <a:noFill/>
+                      <a:prstDash val="solid"/>
+                      <a:round/>
+                      <a:headEnd type="none" w="med" len="med"/>
+                      <a:tailEnd type="none" w="med" len="med"/>
+                    </a:lnL>
+                    <a:lnR w="12700" cap="flat" cmpd="sng" algn="ctr">
+                      <a:noFill/>
+                      <a:prstDash val="solid"/>
+                      <a:round/>
+                      <a:headEnd type="none" w="med" len="med"/>
+                      <a:tailEnd type="none" w="med" len="med"/>
+                    </a:lnR>
+                    <a:lnT w="12700" cap="flat" cmpd="sng" algn="ctr">
+                      <a:noFill/>
+                      <a:prstDash val="solid"/>
+                      <a:round/>
+                      <a:headEnd type="none" w="med" len="med"/>
+                      <a:tailEnd type="none" w="med" len="med"/>
+                    </a:lnT>
+                    <a:lnB w="12700" cap="flat" cmpd="sng" algn="ctr">
+                      <a:solidFill>
+                        <a:schemeClr val="tx1"/>
+                      </a:solidFill>
+                      <a:prstDash val="solid"/>
+                      <a:round/>
+                      <a:headEnd type="none" w="med" len="med"/>
+                      <a:tailEnd type="none" w="med" len="med"/>
+                    </a:lnB>
+                    <a:lnTlToBr w="12700" cmpd="sng">
+                      <a:noFill/>
+                      <a:prstDash val="solid"/>
+                    </a:lnTlToBr>
+                    <a:lnBlToTr w="12700" cmpd="sng">
+                      <a:noFill/>
+                      <a:prstDash val="solid"/>
+                    </a:lnBlToTr>
+                  </a:tcPr>
+                </a:tc>
+                <a:tc>
+                  <a:txBody>
+                    <a:bodyPr/>
+                    <a:lstStyle/>
+                    <a:p>
+                      <a:pPr marL="0" marR="0" algn="ctr">
+                        <a:lnSpc>
+                          <a:spcPct val="107000"/>
+                        </a:lnSpc>
+                        <a:spcBef>
+                          <a:spcPts val="0"/>
+                        </a:spcBef>
+                        <a:spcAft>
+                          <a:spcPts val="0"/>
+                        </a:spcAft>
+                      </a:pPr>
+                      <a:r>
+                        <a:rPr lang="en-US" sz="1800" dirty="0">
+                          <a:effectLst/>
+                        </a:rPr>
+                        <a:t>X</a:t>
+                      </a:r>
+                      <a:r>
+                        <a:rPr lang="en-US" sz="1800" baseline="-25000" dirty="0">
+                          <a:effectLst/>
+                        </a:rPr>
+                        <a:t>8</a:t>
+                      </a:r>
+                      <a:endParaRPr lang="en-US" sz="1800" dirty="0">
+                        <a:effectLst/>
+                        <a:latin typeface="Calibri" panose="020F0502020204030204" pitchFamily="34" charset="0"/>
+                        <a:ea typeface="宋体" panose="02010600030101010101" pitchFamily="2" charset="-122"/>
+                        <a:cs typeface="Times New Roman" panose="02020603050405020304" pitchFamily="18" charset="0"/>
+                      </a:endParaRPr>
+                    </a:p>
+                  </a:txBody>
+                  <a:tcPr marL="68580" marR="68580" marT="0" marB="0">
+                    <a:lnL w="12700" cap="flat" cmpd="sng" algn="ctr">
+                      <a:noFill/>
+                      <a:prstDash val="solid"/>
+                      <a:round/>
+                      <a:headEnd type="none" w="med" len="med"/>
+                      <a:tailEnd type="none" w="med" len="med"/>
+                    </a:lnL>
+                    <a:lnR w="12700" cap="flat" cmpd="sng" algn="ctr">
+                      <a:noFill/>
+                      <a:prstDash val="solid"/>
+                      <a:round/>
+                      <a:headEnd type="none" w="med" len="med"/>
+                      <a:tailEnd type="none" w="med" len="med"/>
+                    </a:lnR>
+                    <a:lnT w="12700" cap="flat" cmpd="sng" algn="ctr">
+                      <a:noFill/>
+                      <a:prstDash val="solid"/>
+                      <a:round/>
+                      <a:headEnd type="none" w="med" len="med"/>
+                      <a:tailEnd type="none" w="med" len="med"/>
+                    </a:lnT>
+                    <a:lnB w="12700" cap="flat" cmpd="sng" algn="ctr">
+                      <a:solidFill>
+                        <a:schemeClr val="tx1"/>
+                      </a:solidFill>
+                      <a:prstDash val="solid"/>
+                      <a:round/>
+                      <a:headEnd type="none" w="med" len="med"/>
+                      <a:tailEnd type="none" w="med" len="med"/>
+                    </a:lnB>
+                    <a:lnTlToBr w="12700" cmpd="sng">
+                      <a:noFill/>
+                      <a:prstDash val="solid"/>
+                    </a:lnTlToBr>
+                    <a:lnBlToTr w="12700" cmpd="sng">
+                      <a:noFill/>
+                      <a:prstDash val="solid"/>
+                    </a:lnBlToTr>
+                  </a:tcPr>
+                </a:tc>
+              </a:tr>
+              <a:tr h="0">
+                <a:tc>
+                  <a:txBody>
+                    <a:bodyPr/>
+                    <a:lstStyle/>
+                    <a:p>
+                      <a:pPr marL="0" marR="0" algn="ctr">
+                        <a:lnSpc>
+                          <a:spcPct val="107000"/>
+                        </a:lnSpc>
+                        <a:spcBef>
+                          <a:spcPts val="0"/>
+                        </a:spcBef>
+                        <a:spcAft>
+                          <a:spcPts val="0"/>
+                        </a:spcAft>
+                      </a:pPr>
+                      <a:r>
+                        <a:rPr lang="en-US" sz="1800" dirty="0" smtClean="0">
+                          <a:effectLst/>
+                          <a:latin typeface="+mn-lt"/>
+                          <a:ea typeface="+mn-ea"/>
+                          <a:cs typeface="+mn-cs"/>
+                        </a:rPr>
+                        <a:t>-1</a:t>
+                      </a:r>
+                      <a:endParaRPr lang="en-US" sz="1800" dirty="0">
+                        <a:effectLst/>
+                        <a:latin typeface="Calibri" panose="020F0502020204030204" pitchFamily="34" charset="0"/>
+                        <a:ea typeface="宋体" panose="02010600030101010101" pitchFamily="2" charset="-122"/>
+                        <a:cs typeface="Times New Roman" panose="02020603050405020304" pitchFamily="18" charset="0"/>
+                      </a:endParaRPr>
+                    </a:p>
+                  </a:txBody>
+                  <a:tcPr marL="68580" marR="68580" marT="0" marB="0">
+                    <a:lnL w="12700" cap="flat" cmpd="sng" algn="ctr">
+                      <a:noFill/>
+                      <a:prstDash val="solid"/>
+                      <a:round/>
+                      <a:headEnd type="none" w="med" len="med"/>
+                      <a:tailEnd type="none" w="med" len="med"/>
+                    </a:lnL>
+                    <a:lnR w="12700" cap="flat" cmpd="sng" algn="ctr">
+                      <a:noFill/>
+                      <a:prstDash val="solid"/>
+                      <a:round/>
+                      <a:headEnd type="none" w="med" len="med"/>
+                      <a:tailEnd type="none" w="med" len="med"/>
+                    </a:lnR>
+                    <a:lnT w="12700" cap="flat" cmpd="sng" algn="ctr">
+                      <a:solidFill>
+                        <a:schemeClr val="tx1"/>
+                      </a:solidFill>
+                      <a:prstDash val="solid"/>
+                      <a:round/>
+                      <a:headEnd type="none" w="med" len="med"/>
+                      <a:tailEnd type="none" w="med" len="med"/>
+                    </a:lnT>
+                    <a:lnB w="12700" cap="flat" cmpd="sng" algn="ctr">
+                      <a:noFill/>
+                      <a:prstDash val="solid"/>
+                      <a:round/>
+                      <a:headEnd type="none" w="med" len="med"/>
+                      <a:tailEnd type="none" w="med" len="med"/>
+                    </a:lnB>
+                    <a:lnTlToBr w="12700" cmpd="sng">
+                      <a:noFill/>
+                      <a:prstDash val="solid"/>
+                    </a:lnTlToBr>
+                    <a:lnBlToTr w="12700" cmpd="sng">
+                      <a:noFill/>
+                      <a:prstDash val="solid"/>
+                    </a:lnBlToTr>
+                  </a:tcPr>
+                </a:tc>
+                <a:tc>
+                  <a:txBody>
+                    <a:bodyPr/>
+                    <a:lstStyle/>
+                    <a:p>
+                      <a:pPr marL="0" marR="0" algn="ctr">
+                        <a:lnSpc>
+                          <a:spcPct val="107000"/>
+                        </a:lnSpc>
+                        <a:spcBef>
+                          <a:spcPts val="0"/>
+                        </a:spcBef>
+                        <a:spcAft>
+                          <a:spcPts val="0"/>
+                        </a:spcAft>
+                      </a:pPr>
+                      <a:r>
+                        <a:rPr lang="en-US" sz="1800" dirty="0" smtClean="0">
+                          <a:effectLst/>
+                          <a:latin typeface="+mn-lt"/>
+                          <a:ea typeface="+mn-ea"/>
+                          <a:cs typeface="+mn-cs"/>
+                        </a:rPr>
+                        <a:t>-1</a:t>
+                      </a:r>
+                      <a:endParaRPr lang="en-US" sz="1800" dirty="0">
+                        <a:effectLst/>
+                        <a:latin typeface="Calibri" panose="020F0502020204030204" pitchFamily="34" charset="0"/>
+                        <a:ea typeface="宋体" panose="02010600030101010101" pitchFamily="2" charset="-122"/>
+                        <a:cs typeface="Times New Roman" panose="02020603050405020304" pitchFamily="18" charset="0"/>
+                      </a:endParaRPr>
+                    </a:p>
+                  </a:txBody>
+                  <a:tcPr marL="68580" marR="68580" marT="0" marB="0">
+                    <a:lnL w="12700" cap="flat" cmpd="sng" algn="ctr">
+                      <a:noFill/>
+                      <a:prstDash val="solid"/>
+                      <a:round/>
+                      <a:headEnd type="none" w="med" len="med"/>
+                      <a:tailEnd type="none" w="med" len="med"/>
+                    </a:lnL>
+                    <a:lnR w="12700" cap="flat" cmpd="sng" algn="ctr">
+                      <a:noFill/>
+                      <a:prstDash val="solid"/>
+                      <a:round/>
+                      <a:headEnd type="none" w="med" len="med"/>
+                      <a:tailEnd type="none" w="med" len="med"/>
+                    </a:lnR>
+                    <a:lnT w="12700" cap="flat" cmpd="sng" algn="ctr">
+                      <a:solidFill>
+                        <a:schemeClr val="tx1"/>
+                      </a:solidFill>
+                      <a:prstDash val="solid"/>
+                      <a:round/>
+                      <a:headEnd type="none" w="med" len="med"/>
+                      <a:tailEnd type="none" w="med" len="med"/>
+                    </a:lnT>
+                    <a:lnB w="12700" cap="flat" cmpd="sng" algn="ctr">
+                      <a:noFill/>
+                      <a:prstDash val="solid"/>
+                      <a:round/>
+                      <a:headEnd type="none" w="med" len="med"/>
+                      <a:tailEnd type="none" w="med" len="med"/>
+                    </a:lnB>
+                    <a:lnTlToBr w="12700" cmpd="sng">
+                      <a:noFill/>
+                      <a:prstDash val="solid"/>
+                    </a:lnTlToBr>
+                    <a:lnBlToTr w="12700" cmpd="sng">
+                      <a:noFill/>
+                      <a:prstDash val="solid"/>
+                    </a:lnBlToTr>
+                  </a:tcPr>
+                </a:tc>
+                <a:tc>
+                  <a:txBody>
+                    <a:bodyPr/>
+                    <a:lstStyle/>
+                    <a:p>
+                      <a:pPr marL="0" marR="0" algn="ctr">
+                        <a:lnSpc>
+                          <a:spcPct val="107000"/>
+                        </a:lnSpc>
+                        <a:spcBef>
+                          <a:spcPts val="0"/>
+                        </a:spcBef>
+                        <a:spcAft>
+                          <a:spcPts val="0"/>
+                        </a:spcAft>
+                      </a:pPr>
+                      <a:r>
+                        <a:rPr lang="en-US" sz="1800" dirty="0" smtClean="0">
+                          <a:effectLst/>
+                          <a:latin typeface="+mn-lt"/>
+                          <a:ea typeface="+mn-ea"/>
+                          <a:cs typeface="+mn-cs"/>
+                        </a:rPr>
+                        <a:t>-1</a:t>
+                      </a:r>
+                      <a:endParaRPr lang="en-US" sz="1800" dirty="0">
+                        <a:effectLst/>
+                        <a:latin typeface="Calibri" panose="020F0502020204030204" pitchFamily="34" charset="0"/>
+                        <a:ea typeface="宋体" panose="02010600030101010101" pitchFamily="2" charset="-122"/>
+                        <a:cs typeface="Times New Roman" panose="02020603050405020304" pitchFamily="18" charset="0"/>
+                      </a:endParaRPr>
+                    </a:p>
+                  </a:txBody>
+                  <a:tcPr marL="68580" marR="68580" marT="0" marB="0">
+                    <a:lnL w="12700" cap="flat" cmpd="sng" algn="ctr">
+                      <a:noFill/>
+                      <a:prstDash val="solid"/>
+                      <a:round/>
+                      <a:headEnd type="none" w="med" len="med"/>
+                      <a:tailEnd type="none" w="med" len="med"/>
+                    </a:lnL>
+                    <a:lnR w="12700" cap="flat" cmpd="sng" algn="ctr">
+                      <a:noFill/>
+                      <a:prstDash val="solid"/>
+                      <a:round/>
+                      <a:headEnd type="none" w="med" len="med"/>
+                      <a:tailEnd type="none" w="med" len="med"/>
+                    </a:lnR>
+                    <a:lnT w="12700" cap="flat" cmpd="sng" algn="ctr">
+                      <a:solidFill>
+                        <a:schemeClr val="tx1"/>
+                      </a:solidFill>
+                      <a:prstDash val="solid"/>
+                      <a:round/>
+                      <a:headEnd type="none" w="med" len="med"/>
+                      <a:tailEnd type="none" w="med" len="med"/>
+                    </a:lnT>
+                    <a:lnB w="12700" cap="flat" cmpd="sng" algn="ctr">
+                      <a:noFill/>
+                      <a:prstDash val="solid"/>
+                      <a:round/>
+                      <a:headEnd type="none" w="med" len="med"/>
+                      <a:tailEnd type="none" w="med" len="med"/>
+                    </a:lnB>
+                    <a:lnTlToBr w="12700" cmpd="sng">
+                      <a:noFill/>
+                      <a:prstDash val="solid"/>
+                    </a:lnTlToBr>
+                    <a:lnBlToTr w="12700" cmpd="sng">
+                      <a:noFill/>
+                      <a:prstDash val="solid"/>
+                    </a:lnBlToTr>
+                  </a:tcPr>
+                </a:tc>
+                <a:tc>
+                  <a:txBody>
+                    <a:bodyPr/>
+                    <a:lstStyle/>
+                    <a:p>
+                      <a:pPr marL="0" marR="0" algn="ctr">
+                        <a:lnSpc>
+                          <a:spcPct val="107000"/>
+                        </a:lnSpc>
+                        <a:spcBef>
+                          <a:spcPts val="0"/>
+                        </a:spcBef>
+                        <a:spcAft>
+                          <a:spcPts val="0"/>
+                        </a:spcAft>
+                      </a:pPr>
+                      <a:r>
+                        <a:rPr lang="en-US" sz="1800" dirty="0" smtClean="0">
+                          <a:effectLst/>
+                        </a:rPr>
+                        <a:t>-1</a:t>
+                      </a:r>
+                      <a:endParaRPr lang="en-US" sz="1800" dirty="0">
+                        <a:effectLst/>
+                        <a:latin typeface="Calibri" panose="020F0502020204030204" pitchFamily="34" charset="0"/>
+                        <a:ea typeface="宋体" panose="02010600030101010101" pitchFamily="2" charset="-122"/>
+                        <a:cs typeface="Times New Roman" panose="02020603050405020304" pitchFamily="18" charset="0"/>
+                      </a:endParaRPr>
+                    </a:p>
+                  </a:txBody>
+                  <a:tcPr marL="68580" marR="68580" marT="0" marB="0">
+                    <a:lnL w="12700" cap="flat" cmpd="sng" algn="ctr">
+                      <a:noFill/>
+                      <a:prstDash val="solid"/>
+                      <a:round/>
+                      <a:headEnd type="none" w="med" len="med"/>
+                      <a:tailEnd type="none" w="med" len="med"/>
+                    </a:lnL>
+                    <a:lnR w="12700" cap="flat" cmpd="sng" algn="ctr">
+                      <a:noFill/>
+                      <a:prstDash val="solid"/>
+                      <a:round/>
+                      <a:headEnd type="none" w="med" len="med"/>
+                      <a:tailEnd type="none" w="med" len="med"/>
+                    </a:lnR>
+                    <a:lnT w="12700" cap="flat" cmpd="sng" algn="ctr">
+                      <a:solidFill>
+                        <a:schemeClr val="tx1"/>
+                      </a:solidFill>
+                      <a:prstDash val="solid"/>
+                      <a:round/>
+                      <a:headEnd type="none" w="med" len="med"/>
+                      <a:tailEnd type="none" w="med" len="med"/>
+                    </a:lnT>
+                    <a:lnB w="12700" cap="flat" cmpd="sng" algn="ctr">
+                      <a:noFill/>
+                      <a:prstDash val="solid"/>
+                      <a:round/>
+                      <a:headEnd type="none" w="med" len="med"/>
+                      <a:tailEnd type="none" w="med" len="med"/>
+                    </a:lnB>
+                    <a:lnTlToBr w="12700" cmpd="sng">
+                      <a:noFill/>
+                      <a:prstDash val="solid"/>
+                    </a:lnTlToBr>
+                    <a:lnBlToTr w="12700" cmpd="sng">
+                      <a:noFill/>
+                      <a:prstDash val="solid"/>
+                    </a:lnBlToTr>
+                  </a:tcPr>
+                </a:tc>
+                <a:tc>
+                  <a:txBody>
+                    <a:bodyPr/>
+                    <a:lstStyle/>
+                    <a:p>
+                      <a:pPr marL="0" marR="0" algn="ctr">
+                        <a:lnSpc>
+                          <a:spcPct val="107000"/>
+                        </a:lnSpc>
+                        <a:spcBef>
+                          <a:spcPts val="0"/>
+                        </a:spcBef>
+                        <a:spcAft>
+                          <a:spcPts val="0"/>
+                        </a:spcAft>
+                      </a:pPr>
+                      <a:r>
+                        <a:rPr lang="en-US" sz="1800" dirty="0">
+                          <a:effectLst/>
+                        </a:rPr>
+                        <a:t>1</a:t>
+                      </a:r>
+                      <a:endParaRPr lang="en-US" sz="1800" dirty="0">
+                        <a:effectLst/>
+                        <a:latin typeface="Calibri" panose="020F0502020204030204" pitchFamily="34" charset="0"/>
+                        <a:ea typeface="宋体" panose="02010600030101010101" pitchFamily="2" charset="-122"/>
+                        <a:cs typeface="Times New Roman" panose="02020603050405020304" pitchFamily="18" charset="0"/>
+                      </a:endParaRPr>
+                    </a:p>
+                  </a:txBody>
+                  <a:tcPr marL="68580" marR="68580" marT="0" marB="0">
+                    <a:lnL w="12700" cap="flat" cmpd="sng" algn="ctr">
+                      <a:noFill/>
+                      <a:prstDash val="solid"/>
+                      <a:round/>
+                      <a:headEnd type="none" w="med" len="med"/>
+                      <a:tailEnd type="none" w="med" len="med"/>
+                    </a:lnL>
+                    <a:lnR w="12700" cap="flat" cmpd="sng" algn="ctr">
+                      <a:noFill/>
+                      <a:prstDash val="solid"/>
+                      <a:round/>
+                      <a:headEnd type="none" w="med" len="med"/>
+                      <a:tailEnd type="none" w="med" len="med"/>
+                    </a:lnR>
+                    <a:lnT w="12700" cap="flat" cmpd="sng" algn="ctr">
+                      <a:solidFill>
+                        <a:schemeClr val="tx1"/>
+                      </a:solidFill>
+                      <a:prstDash val="solid"/>
+                      <a:round/>
+                      <a:headEnd type="none" w="med" len="med"/>
+                      <a:tailEnd type="none" w="med" len="med"/>
+                    </a:lnT>
+                    <a:lnB w="12700" cap="flat" cmpd="sng" algn="ctr">
+                      <a:noFill/>
+                      <a:prstDash val="solid"/>
+                      <a:round/>
+                      <a:headEnd type="none" w="med" len="med"/>
+                      <a:tailEnd type="none" w="med" len="med"/>
+                    </a:lnB>
+                    <a:lnTlToBr w="12700" cmpd="sng">
+                      <a:noFill/>
+                      <a:prstDash val="solid"/>
+                    </a:lnTlToBr>
+                    <a:lnBlToTr w="12700" cmpd="sng">
+                      <a:noFill/>
+                      <a:prstDash val="solid"/>
+                    </a:lnBlToTr>
+                    <a:solidFill>
+                      <a:srgbClr val="FFC000"/>
+                    </a:solidFill>
+                  </a:tcPr>
+                </a:tc>
+                <a:tc>
+                  <a:txBody>
+                    <a:bodyPr/>
+                    <a:lstStyle/>
+                    <a:p>
+                      <a:pPr marL="0" marR="0" algn="ctr">
+                        <a:lnSpc>
+                          <a:spcPct val="107000"/>
+                        </a:lnSpc>
+                        <a:spcBef>
+                          <a:spcPts val="0"/>
+                        </a:spcBef>
+                        <a:spcAft>
+                          <a:spcPts val="0"/>
+                        </a:spcAft>
+                      </a:pPr>
+                      <a:r>
+                        <a:rPr lang="en-US" sz="1800">
+                          <a:effectLst/>
+                        </a:rPr>
+                        <a:t>0</a:t>
+                      </a:r>
+                      <a:endParaRPr lang="en-US" sz="1800">
+                        <a:effectLst/>
+                        <a:latin typeface="Calibri" panose="020F0502020204030204" pitchFamily="34" charset="0"/>
+                        <a:ea typeface="宋体" panose="02010600030101010101" pitchFamily="2" charset="-122"/>
+                        <a:cs typeface="Times New Roman" panose="02020603050405020304" pitchFamily="18" charset="0"/>
+                      </a:endParaRPr>
+                    </a:p>
+                  </a:txBody>
+                  <a:tcPr marL="68580" marR="68580" marT="0" marB="0">
+                    <a:lnL w="12700" cap="flat" cmpd="sng" algn="ctr">
+                      <a:noFill/>
+                      <a:prstDash val="solid"/>
+                      <a:round/>
+                      <a:headEnd type="none" w="med" len="med"/>
+                      <a:tailEnd type="none" w="med" len="med"/>
+                    </a:lnL>
+                    <a:lnR w="12700" cap="flat" cmpd="sng" algn="ctr">
+                      <a:noFill/>
+                      <a:prstDash val="solid"/>
+                      <a:round/>
+                      <a:headEnd type="none" w="med" len="med"/>
+                      <a:tailEnd type="none" w="med" len="med"/>
+                    </a:lnR>
+                    <a:lnT w="12700" cap="flat" cmpd="sng" algn="ctr">
+                      <a:solidFill>
+                        <a:schemeClr val="tx1"/>
+                      </a:solidFill>
+                      <a:prstDash val="solid"/>
+                      <a:round/>
+                      <a:headEnd type="none" w="med" len="med"/>
+                      <a:tailEnd type="none" w="med" len="med"/>
+                    </a:lnT>
+                    <a:lnB w="12700" cap="flat" cmpd="sng" algn="ctr">
+                      <a:noFill/>
+                      <a:prstDash val="solid"/>
+                      <a:round/>
+                      <a:headEnd type="none" w="med" len="med"/>
+                      <a:tailEnd type="none" w="med" len="med"/>
+                    </a:lnB>
+                    <a:lnTlToBr w="12700" cmpd="sng">
+                      <a:noFill/>
+                      <a:prstDash val="solid"/>
+                    </a:lnTlToBr>
+                    <a:lnBlToTr w="12700" cmpd="sng">
+                      <a:noFill/>
+                      <a:prstDash val="solid"/>
+                    </a:lnBlToTr>
+                  </a:tcPr>
+                </a:tc>
+                <a:tc>
+                  <a:txBody>
+                    <a:bodyPr/>
+                    <a:lstStyle/>
+                    <a:p>
+                      <a:pPr marL="0" marR="0" algn="ctr">
+                        <a:lnSpc>
+                          <a:spcPct val="107000"/>
+                        </a:lnSpc>
+                        <a:spcBef>
+                          <a:spcPts val="0"/>
+                        </a:spcBef>
+                        <a:spcAft>
+                          <a:spcPts val="0"/>
+                        </a:spcAft>
+                      </a:pPr>
+                      <a:r>
+                        <a:rPr lang="en-US" sz="1800">
+                          <a:effectLst/>
+                        </a:rPr>
+                        <a:t>0</a:t>
+                      </a:r>
+                      <a:endParaRPr lang="en-US" sz="1800">
+                        <a:effectLst/>
+                        <a:latin typeface="Calibri" panose="020F0502020204030204" pitchFamily="34" charset="0"/>
+                        <a:ea typeface="宋体" panose="02010600030101010101" pitchFamily="2" charset="-122"/>
+                        <a:cs typeface="Times New Roman" panose="02020603050405020304" pitchFamily="18" charset="0"/>
+                      </a:endParaRPr>
+                    </a:p>
+                  </a:txBody>
+                  <a:tcPr marL="68580" marR="68580" marT="0" marB="0">
+                    <a:lnL w="12700" cap="flat" cmpd="sng" algn="ctr">
+                      <a:noFill/>
+                      <a:prstDash val="solid"/>
+                      <a:round/>
+                      <a:headEnd type="none" w="med" len="med"/>
+                      <a:tailEnd type="none" w="med" len="med"/>
+                    </a:lnL>
+                    <a:lnR w="12700" cap="flat" cmpd="sng" algn="ctr">
+                      <a:noFill/>
+                      <a:prstDash val="solid"/>
+                      <a:round/>
+                      <a:headEnd type="none" w="med" len="med"/>
+                      <a:tailEnd type="none" w="med" len="med"/>
+                    </a:lnR>
+                    <a:lnT w="12700" cap="flat" cmpd="sng" algn="ctr">
+                      <a:solidFill>
+                        <a:schemeClr val="tx1"/>
+                      </a:solidFill>
+                      <a:prstDash val="solid"/>
+                      <a:round/>
+                      <a:headEnd type="none" w="med" len="med"/>
+                      <a:tailEnd type="none" w="med" len="med"/>
+                    </a:lnT>
+                    <a:lnB w="12700" cap="flat" cmpd="sng" algn="ctr">
+                      <a:noFill/>
+                      <a:prstDash val="solid"/>
+                      <a:round/>
+                      <a:headEnd type="none" w="med" len="med"/>
+                      <a:tailEnd type="none" w="med" len="med"/>
+                    </a:lnB>
+                    <a:lnTlToBr w="12700" cmpd="sng">
+                      <a:noFill/>
+                      <a:prstDash val="solid"/>
+                    </a:lnTlToBr>
+                    <a:lnBlToTr w="12700" cmpd="sng">
+                      <a:noFill/>
+                      <a:prstDash val="solid"/>
+                    </a:lnBlToTr>
+                  </a:tcPr>
+                </a:tc>
+                <a:tc>
+                  <a:txBody>
+                    <a:bodyPr/>
+                    <a:lstStyle/>
+                    <a:p>
+                      <a:pPr marL="0" marR="0" algn="ctr">
+                        <a:lnSpc>
+                          <a:spcPct val="107000"/>
+                        </a:lnSpc>
+                        <a:spcBef>
+                          <a:spcPts val="0"/>
+                        </a:spcBef>
+                        <a:spcAft>
+                          <a:spcPts val="0"/>
+                        </a:spcAft>
+                      </a:pPr>
+                      <a:r>
+                        <a:rPr lang="en-US" sz="1800">
+                          <a:effectLst/>
+                        </a:rPr>
+                        <a:t>0</a:t>
+                      </a:r>
+                      <a:endParaRPr lang="en-US" sz="1800">
+                        <a:effectLst/>
+                        <a:latin typeface="Calibri" panose="020F0502020204030204" pitchFamily="34" charset="0"/>
+                        <a:ea typeface="宋体" panose="02010600030101010101" pitchFamily="2" charset="-122"/>
+                        <a:cs typeface="Times New Roman" panose="02020603050405020304" pitchFamily="18" charset="0"/>
+                      </a:endParaRPr>
+                    </a:p>
+                  </a:txBody>
+                  <a:tcPr marL="68580" marR="68580" marT="0" marB="0">
+                    <a:lnL w="12700" cap="flat" cmpd="sng" algn="ctr">
+                      <a:noFill/>
+                      <a:prstDash val="solid"/>
+                      <a:round/>
+                      <a:headEnd type="none" w="med" len="med"/>
+                      <a:tailEnd type="none" w="med" len="med"/>
+                    </a:lnL>
+                    <a:lnR w="12700" cap="flat" cmpd="sng" algn="ctr">
+                      <a:noFill/>
+                      <a:prstDash val="solid"/>
+                      <a:round/>
+                      <a:headEnd type="none" w="med" len="med"/>
+                      <a:tailEnd type="none" w="med" len="med"/>
+                    </a:lnR>
+                    <a:lnT w="12700" cap="flat" cmpd="sng" algn="ctr">
+                      <a:solidFill>
+                        <a:schemeClr val="tx1"/>
+                      </a:solidFill>
+                      <a:prstDash val="solid"/>
+                      <a:round/>
+                      <a:headEnd type="none" w="med" len="med"/>
+                      <a:tailEnd type="none" w="med" len="med"/>
+                    </a:lnT>
+                    <a:lnB w="12700" cap="flat" cmpd="sng" algn="ctr">
+                      <a:noFill/>
+                      <a:prstDash val="solid"/>
+                      <a:round/>
+                      <a:headEnd type="none" w="med" len="med"/>
+                      <a:tailEnd type="none" w="med" len="med"/>
+                    </a:lnB>
+                    <a:lnTlToBr w="12700" cmpd="sng">
+                      <a:noFill/>
+                      <a:prstDash val="solid"/>
+                    </a:lnTlToBr>
+                    <a:lnBlToTr w="12700" cmpd="sng">
+                      <a:noFill/>
+                      <a:prstDash val="solid"/>
+                    </a:lnBlToTr>
+                  </a:tcPr>
+                </a:tc>
+                <a:tc>
+                  <a:txBody>
+                    <a:bodyPr/>
+                    <a:lstStyle/>
+                    <a:p>
+                      <a:pPr marL="0" marR="0" algn="ctr">
+                        <a:lnSpc>
+                          <a:spcPct val="107000"/>
+                        </a:lnSpc>
+                        <a:spcBef>
+                          <a:spcPts val="0"/>
+                        </a:spcBef>
+                        <a:spcAft>
+                          <a:spcPts val="0"/>
+                        </a:spcAft>
+                      </a:pPr>
+                      <a:r>
+                        <a:rPr lang="en-US" sz="1800" dirty="0">
+                          <a:effectLst/>
+                        </a:rPr>
+                        <a:t>1</a:t>
+                      </a:r>
+                      <a:endParaRPr lang="en-US" sz="1800" dirty="0">
+                        <a:effectLst/>
+                        <a:latin typeface="Calibri" panose="020F0502020204030204" pitchFamily="34" charset="0"/>
+                        <a:ea typeface="宋体" panose="02010600030101010101" pitchFamily="2" charset="-122"/>
+                        <a:cs typeface="Times New Roman" panose="02020603050405020304" pitchFamily="18" charset="0"/>
+                      </a:endParaRPr>
+                    </a:p>
+                  </a:txBody>
+                  <a:tcPr marL="68580" marR="68580" marT="0" marB="0">
+                    <a:lnL w="12700" cap="flat" cmpd="sng" algn="ctr">
+                      <a:noFill/>
+                      <a:prstDash val="solid"/>
+                      <a:round/>
+                      <a:headEnd type="none" w="med" len="med"/>
+                      <a:tailEnd type="none" w="med" len="med"/>
+                    </a:lnL>
+                    <a:lnR w="12700" cap="flat" cmpd="sng" algn="ctr">
+                      <a:noFill/>
+                      <a:prstDash val="solid"/>
+                      <a:round/>
+                      <a:headEnd type="none" w="med" len="med"/>
+                      <a:tailEnd type="none" w="med" len="med"/>
+                    </a:lnR>
+                    <a:lnT w="12700" cap="flat" cmpd="sng" algn="ctr">
+                      <a:solidFill>
+                        <a:schemeClr val="tx1"/>
+                      </a:solidFill>
+                      <a:prstDash val="solid"/>
+                      <a:round/>
+                      <a:headEnd type="none" w="med" len="med"/>
+                      <a:tailEnd type="none" w="med" len="med"/>
+                    </a:lnT>
+                    <a:lnB w="12700" cap="flat" cmpd="sng" algn="ctr">
+                      <a:noFill/>
+                      <a:prstDash val="solid"/>
+                      <a:round/>
+                      <a:headEnd type="none" w="med" len="med"/>
+                      <a:tailEnd type="none" w="med" len="med"/>
+                    </a:lnB>
+                    <a:lnTlToBr w="12700" cmpd="sng">
+                      <a:noFill/>
+                      <a:prstDash val="solid"/>
+                    </a:lnTlToBr>
+                    <a:lnBlToTr w="12700" cmpd="sng">
+                      <a:noFill/>
+                      <a:prstDash val="solid"/>
+                    </a:lnBlToTr>
+                  </a:tcPr>
+                </a:tc>
+              </a:tr>
+            </a:tbl>
+          </a:graphicData>
+        </a:graphic>
+      </p:graphicFrame>
+      <p:graphicFrame>
+        <p:nvGraphicFramePr>
+          <p:cNvPr id="5" name="Table 4"/>
+          <p:cNvGraphicFramePr>
+            <a:graphicFrameLocks noGrp="1"/>
+          </p:cNvGraphicFramePr>
+          <p:nvPr>
+            <p:extLst>
+              <p:ext uri="{D42A27DB-BD31-4B8C-83A1-F6EECF244321}">
+                <p14:modId xmlns:p14="http://schemas.microsoft.com/office/powerpoint/2010/main" val="2647650725"/>
+              </p:ext>
+            </p:extLst>
+          </p:nvPr>
+        </p:nvGraphicFramePr>
+        <p:xfrm>
+          <a:off x="1665516" y="3158695"/>
+          <a:ext cx="5480050" cy="586994"/>
+        </p:xfrm>
+        <a:graphic>
+          <a:graphicData uri="http://schemas.openxmlformats.org/drawingml/2006/table">
+            <a:tbl>
+              <a:tblPr firstRow="1" firstCol="1" bandRow="1">
+                <a:tableStyleId>{2D5ABB26-0587-4C30-8999-92F81FD0307C}</a:tableStyleId>
+              </a:tblPr>
+              <a:tblGrid>
+                <a:gridCol w="608330"/>
+                <a:gridCol w="608965"/>
+                <a:gridCol w="608965"/>
+                <a:gridCol w="608965"/>
+                <a:gridCol w="608965"/>
+                <a:gridCol w="608965"/>
+                <a:gridCol w="608965"/>
+                <a:gridCol w="608965"/>
+                <a:gridCol w="608965"/>
+              </a:tblGrid>
+              <a:tr h="0">
+                <a:tc>
+                  <a:txBody>
+                    <a:bodyPr/>
+                    <a:lstStyle/>
+                    <a:p>
+                      <a:pPr marL="0" marR="0" algn="ctr">
+                        <a:lnSpc>
+                          <a:spcPct val="107000"/>
+                        </a:lnSpc>
+                        <a:spcBef>
+                          <a:spcPts val="0"/>
+                        </a:spcBef>
+                        <a:spcAft>
+                          <a:spcPts val="0"/>
+                        </a:spcAft>
+                      </a:pPr>
+                      <a:r>
+                        <a:rPr lang="en-US" sz="1800" dirty="0" smtClean="0">
+                          <a:effectLst/>
+                          <a:latin typeface="+mn-lt"/>
+                          <a:ea typeface="+mn-ea"/>
+                          <a:cs typeface="+mn-cs"/>
+                        </a:rPr>
+                        <a:t>X1</a:t>
+                      </a:r>
+                      <a:endParaRPr lang="en-US" sz="1800" dirty="0">
+                        <a:effectLst/>
+                        <a:latin typeface="Calibri" panose="020F0502020204030204" pitchFamily="34" charset="0"/>
+                        <a:ea typeface="宋体" panose="02010600030101010101" pitchFamily="2" charset="-122"/>
+                        <a:cs typeface="Times New Roman" panose="02020603050405020304" pitchFamily="18" charset="0"/>
+                      </a:endParaRPr>
+                    </a:p>
+                  </a:txBody>
+                  <a:tcPr marL="68580" marR="68580" marT="0" marB="0">
+                    <a:lnL w="12700" cap="flat" cmpd="sng" algn="ctr">
+                      <a:noFill/>
+                      <a:prstDash val="solid"/>
+                      <a:round/>
+                      <a:headEnd type="none" w="med" len="med"/>
+                      <a:tailEnd type="none" w="med" len="med"/>
+                    </a:lnL>
+                    <a:lnR w="12700" cap="flat" cmpd="sng" algn="ctr">
+                      <a:noFill/>
+                      <a:prstDash val="solid"/>
+                      <a:round/>
+                      <a:headEnd type="none" w="med" len="med"/>
+                      <a:tailEnd type="none" w="med" len="med"/>
+                    </a:lnR>
+                    <a:lnT w="12700" cap="flat" cmpd="sng" algn="ctr">
+                      <a:noFill/>
+                      <a:prstDash val="solid"/>
+                      <a:round/>
+                      <a:headEnd type="none" w="med" len="med"/>
+                      <a:tailEnd type="none" w="med" len="med"/>
+                    </a:lnT>
+                    <a:lnB w="12700" cap="flat" cmpd="sng" algn="ctr">
+                      <a:solidFill>
+                        <a:schemeClr val="tx1"/>
+                      </a:solidFill>
+                      <a:prstDash val="solid"/>
+                      <a:round/>
+                      <a:headEnd type="none" w="med" len="med"/>
+                      <a:tailEnd type="none" w="med" len="med"/>
+                    </a:lnB>
+                    <a:lnTlToBr w="12700" cmpd="sng">
+                      <a:noFill/>
+                      <a:prstDash val="solid"/>
+                    </a:lnTlToBr>
+                    <a:lnBlToTr w="12700" cmpd="sng">
+                      <a:noFill/>
+                      <a:prstDash val="solid"/>
+                    </a:lnBlToTr>
+                  </a:tcPr>
+                </a:tc>
+                <a:tc>
+                  <a:txBody>
+                    <a:bodyPr/>
+                    <a:lstStyle/>
+                    <a:p>
+                      <a:pPr marL="0" marR="0" algn="ctr">
+                        <a:lnSpc>
+                          <a:spcPct val="107000"/>
+                        </a:lnSpc>
+                        <a:spcBef>
+                          <a:spcPts val="0"/>
+                        </a:spcBef>
+                        <a:spcAft>
+                          <a:spcPts val="0"/>
+                        </a:spcAft>
+                      </a:pPr>
+                      <a:r>
+                        <a:rPr lang="en-US" sz="1800" dirty="0" smtClean="0">
+                          <a:effectLst/>
+                          <a:latin typeface="+mn-lt"/>
+                          <a:ea typeface="+mn-ea"/>
+                          <a:cs typeface="+mn-cs"/>
+                        </a:rPr>
+                        <a:t>X2</a:t>
+                      </a:r>
+                      <a:endParaRPr lang="en-US" sz="1800" dirty="0">
+                        <a:effectLst/>
+                        <a:latin typeface="Calibri" panose="020F0502020204030204" pitchFamily="34" charset="0"/>
+                        <a:ea typeface="宋体" panose="02010600030101010101" pitchFamily="2" charset="-122"/>
+                        <a:cs typeface="Times New Roman" panose="02020603050405020304" pitchFamily="18" charset="0"/>
+                      </a:endParaRPr>
+                    </a:p>
+                  </a:txBody>
+                  <a:tcPr marL="68580" marR="68580" marT="0" marB="0">
+                    <a:lnL w="12700" cap="flat" cmpd="sng" algn="ctr">
+                      <a:noFill/>
+                      <a:prstDash val="solid"/>
+                      <a:round/>
+                      <a:headEnd type="none" w="med" len="med"/>
+                      <a:tailEnd type="none" w="med" len="med"/>
+                    </a:lnL>
+                    <a:lnR w="12700" cap="flat" cmpd="sng" algn="ctr">
+                      <a:noFill/>
+                      <a:prstDash val="solid"/>
+                      <a:round/>
+                      <a:headEnd type="none" w="med" len="med"/>
+                      <a:tailEnd type="none" w="med" len="med"/>
+                    </a:lnR>
+                    <a:lnT w="12700" cap="flat" cmpd="sng" algn="ctr">
+                      <a:noFill/>
+                      <a:prstDash val="solid"/>
+                      <a:round/>
+                      <a:headEnd type="none" w="med" len="med"/>
+                      <a:tailEnd type="none" w="med" len="med"/>
+                    </a:lnT>
+                    <a:lnB w="12700" cap="flat" cmpd="sng" algn="ctr">
+                      <a:solidFill>
+                        <a:schemeClr val="tx1"/>
+                      </a:solidFill>
+                      <a:prstDash val="solid"/>
+                      <a:round/>
+                      <a:headEnd type="none" w="med" len="med"/>
+                      <a:tailEnd type="none" w="med" len="med"/>
+                    </a:lnB>
+                    <a:lnTlToBr w="12700" cmpd="sng">
+                      <a:noFill/>
+                      <a:prstDash val="solid"/>
+                    </a:lnTlToBr>
+                    <a:lnBlToTr w="12700" cmpd="sng">
+                      <a:noFill/>
+                      <a:prstDash val="solid"/>
+                    </a:lnBlToTr>
+                  </a:tcPr>
+                </a:tc>
+                <a:tc>
+                  <a:txBody>
+                    <a:bodyPr/>
+                    <a:lstStyle/>
+                    <a:p>
+                      <a:pPr marL="0" marR="0" algn="ctr">
+                        <a:lnSpc>
+                          <a:spcPct val="107000"/>
+                        </a:lnSpc>
+                        <a:spcBef>
+                          <a:spcPts val="0"/>
+                        </a:spcBef>
+                        <a:spcAft>
+                          <a:spcPts val="0"/>
+                        </a:spcAft>
+                      </a:pPr>
+                      <a:r>
+                        <a:rPr lang="en-US" sz="1800" dirty="0" smtClean="0">
+                          <a:effectLst/>
+                          <a:latin typeface="+mn-lt"/>
+                          <a:ea typeface="+mn-ea"/>
+                          <a:cs typeface="+mn-cs"/>
+                        </a:rPr>
+                        <a:t>X3</a:t>
+                      </a:r>
+                      <a:endParaRPr lang="en-US" sz="1800" dirty="0">
+                        <a:effectLst/>
+                        <a:latin typeface="Calibri" panose="020F0502020204030204" pitchFamily="34" charset="0"/>
+                        <a:ea typeface="宋体" panose="02010600030101010101" pitchFamily="2" charset="-122"/>
+                        <a:cs typeface="Times New Roman" panose="02020603050405020304" pitchFamily="18" charset="0"/>
+                      </a:endParaRPr>
+                    </a:p>
+                  </a:txBody>
+                  <a:tcPr marL="68580" marR="68580" marT="0" marB="0">
+                    <a:lnL w="12700" cap="flat" cmpd="sng" algn="ctr">
+                      <a:noFill/>
+                      <a:prstDash val="solid"/>
+                      <a:round/>
+                      <a:headEnd type="none" w="med" len="med"/>
+                      <a:tailEnd type="none" w="med" len="med"/>
+                    </a:lnL>
+                    <a:lnR w="12700" cap="flat" cmpd="sng" algn="ctr">
+                      <a:noFill/>
+                      <a:prstDash val="solid"/>
+                      <a:round/>
+                      <a:headEnd type="none" w="med" len="med"/>
+                      <a:tailEnd type="none" w="med" len="med"/>
+                    </a:lnR>
+                    <a:lnT w="12700" cap="flat" cmpd="sng" algn="ctr">
+                      <a:noFill/>
+                      <a:prstDash val="solid"/>
+                      <a:round/>
+                      <a:headEnd type="none" w="med" len="med"/>
+                      <a:tailEnd type="none" w="med" len="med"/>
+                    </a:lnT>
+                    <a:lnB w="12700" cap="flat" cmpd="sng" algn="ctr">
+                      <a:solidFill>
+                        <a:schemeClr val="tx1"/>
+                      </a:solidFill>
+                      <a:prstDash val="solid"/>
+                      <a:round/>
+                      <a:headEnd type="none" w="med" len="med"/>
+                      <a:tailEnd type="none" w="med" len="med"/>
+                    </a:lnB>
+                    <a:lnTlToBr w="12700" cmpd="sng">
+                      <a:noFill/>
+                      <a:prstDash val="solid"/>
+                    </a:lnTlToBr>
+                    <a:lnBlToTr w="12700" cmpd="sng">
+                      <a:noFill/>
+                      <a:prstDash val="solid"/>
+                    </a:lnBlToTr>
+                  </a:tcPr>
+                </a:tc>
+                <a:tc>
+                  <a:txBody>
+                    <a:bodyPr/>
+                    <a:lstStyle/>
+                    <a:p>
+                      <a:pPr marL="0" marR="0" algn="ctr">
+                        <a:lnSpc>
+                          <a:spcPct val="107000"/>
+                        </a:lnSpc>
+                        <a:spcBef>
+                          <a:spcPts val="0"/>
+                        </a:spcBef>
+                        <a:spcAft>
+                          <a:spcPts val="0"/>
+                        </a:spcAft>
+                      </a:pPr>
+                      <a:r>
+                        <a:rPr lang="en-US" sz="1800" dirty="0" smtClean="0">
+                          <a:effectLst/>
+                          <a:latin typeface="+mn-lt"/>
+                          <a:ea typeface="+mn-ea"/>
+                          <a:cs typeface="+mn-cs"/>
+                        </a:rPr>
+                        <a:t>X4</a:t>
+                      </a:r>
+                      <a:endParaRPr lang="en-US" sz="1800" dirty="0">
+                        <a:effectLst/>
+                        <a:latin typeface="Calibri" panose="020F0502020204030204" pitchFamily="34" charset="0"/>
+                        <a:ea typeface="宋体" panose="02010600030101010101" pitchFamily="2" charset="-122"/>
+                        <a:cs typeface="Times New Roman" panose="02020603050405020304" pitchFamily="18" charset="0"/>
+                      </a:endParaRPr>
+                    </a:p>
+                  </a:txBody>
+                  <a:tcPr marL="68580" marR="68580" marT="0" marB="0">
+                    <a:lnL w="12700" cap="flat" cmpd="sng" algn="ctr">
+                      <a:noFill/>
+                      <a:prstDash val="solid"/>
+                      <a:round/>
+                      <a:headEnd type="none" w="med" len="med"/>
+                      <a:tailEnd type="none" w="med" len="med"/>
+                    </a:lnL>
+                    <a:lnR w="12700" cap="flat" cmpd="sng" algn="ctr">
+                      <a:noFill/>
+                      <a:prstDash val="solid"/>
+                      <a:round/>
+                      <a:headEnd type="none" w="med" len="med"/>
+                      <a:tailEnd type="none" w="med" len="med"/>
+                    </a:lnR>
+                    <a:lnT w="12700" cap="flat" cmpd="sng" algn="ctr">
+                      <a:noFill/>
+                      <a:prstDash val="solid"/>
+                      <a:round/>
+                      <a:headEnd type="none" w="med" len="med"/>
+                      <a:tailEnd type="none" w="med" len="med"/>
+                    </a:lnT>
+                    <a:lnB w="12700" cap="flat" cmpd="sng" algn="ctr">
+                      <a:solidFill>
+                        <a:schemeClr val="tx1"/>
+                      </a:solidFill>
+                      <a:prstDash val="solid"/>
+                      <a:round/>
+                      <a:headEnd type="none" w="med" len="med"/>
+                      <a:tailEnd type="none" w="med" len="med"/>
+                    </a:lnB>
+                    <a:lnTlToBr w="12700" cmpd="sng">
+                      <a:noFill/>
+                      <a:prstDash val="solid"/>
+                    </a:lnTlToBr>
+                    <a:lnBlToTr w="12700" cmpd="sng">
+                      <a:noFill/>
+                      <a:prstDash val="solid"/>
+                    </a:lnBlToTr>
+                  </a:tcPr>
+                </a:tc>
+                <a:tc>
+                  <a:txBody>
+                    <a:bodyPr/>
+                    <a:lstStyle/>
+                    <a:p>
+                      <a:pPr marL="0" marR="0" algn="ctr">
+                        <a:lnSpc>
+                          <a:spcPct val="107000"/>
+                        </a:lnSpc>
+                        <a:spcBef>
+                          <a:spcPts val="0"/>
+                        </a:spcBef>
+                        <a:spcAft>
+                          <a:spcPts val="0"/>
+                        </a:spcAft>
+                      </a:pPr>
+                      <a:r>
+                        <a:rPr lang="en-US" sz="1800" dirty="0">
+                          <a:effectLst/>
+                        </a:rPr>
+                        <a:t>X</a:t>
+                      </a:r>
+                      <a:r>
+                        <a:rPr lang="en-US" sz="1800" baseline="-25000" dirty="0">
+                          <a:effectLst/>
+                        </a:rPr>
+                        <a:t>4</a:t>
+                      </a:r>
+                      <a:endParaRPr lang="en-US" sz="1800" dirty="0">
+                        <a:effectLst/>
+                        <a:latin typeface="Calibri" panose="020F0502020204030204" pitchFamily="34" charset="0"/>
+                        <a:ea typeface="宋体" panose="02010600030101010101" pitchFamily="2" charset="-122"/>
+                        <a:cs typeface="Times New Roman" panose="02020603050405020304" pitchFamily="18" charset="0"/>
+                      </a:endParaRPr>
+                    </a:p>
+                  </a:txBody>
+                  <a:tcPr marL="68580" marR="68580" marT="0" marB="0">
+                    <a:lnL w="12700" cap="flat" cmpd="sng" algn="ctr">
+                      <a:noFill/>
+                      <a:prstDash val="solid"/>
+                      <a:round/>
+                      <a:headEnd type="none" w="med" len="med"/>
+                      <a:tailEnd type="none" w="med" len="med"/>
+                    </a:lnL>
+                    <a:lnR w="12700" cap="flat" cmpd="sng" algn="ctr">
+                      <a:noFill/>
+                      <a:prstDash val="solid"/>
+                      <a:round/>
+                      <a:headEnd type="none" w="med" len="med"/>
+                      <a:tailEnd type="none" w="med" len="med"/>
+                    </a:lnR>
+                    <a:lnT w="12700" cap="flat" cmpd="sng" algn="ctr">
+                      <a:noFill/>
+                      <a:prstDash val="solid"/>
+                      <a:round/>
+                      <a:headEnd type="none" w="med" len="med"/>
+                      <a:tailEnd type="none" w="med" len="med"/>
+                    </a:lnT>
+                    <a:lnB w="12700" cap="flat" cmpd="sng" algn="ctr">
+                      <a:solidFill>
+                        <a:schemeClr val="tx1"/>
+                      </a:solidFill>
+                      <a:prstDash val="solid"/>
+                      <a:round/>
+                      <a:headEnd type="none" w="med" len="med"/>
+                      <a:tailEnd type="none" w="med" len="med"/>
+                    </a:lnB>
+                    <a:lnTlToBr w="12700" cmpd="sng">
+                      <a:noFill/>
+                      <a:prstDash val="solid"/>
+                    </a:lnTlToBr>
+                    <a:lnBlToTr w="12700" cmpd="sng">
+                      <a:noFill/>
+                      <a:prstDash val="solid"/>
+                    </a:lnBlToTr>
+                    <a:solidFill>
+                      <a:srgbClr val="FFC000"/>
+                    </a:solidFill>
+                  </a:tcPr>
+                </a:tc>
+                <a:tc>
+                  <a:txBody>
+                    <a:bodyPr/>
+                    <a:lstStyle/>
+                    <a:p>
+                      <a:pPr marL="0" marR="0" algn="ctr">
+                        <a:lnSpc>
+                          <a:spcPct val="107000"/>
+                        </a:lnSpc>
+                        <a:spcBef>
+                          <a:spcPts val="0"/>
+                        </a:spcBef>
+                        <a:spcAft>
+                          <a:spcPts val="0"/>
+                        </a:spcAft>
+                      </a:pPr>
+                      <a:r>
+                        <a:rPr lang="en-US" sz="1800" dirty="0" smtClean="0">
+                          <a:effectLst/>
+                          <a:latin typeface="+mn-lt"/>
+                          <a:ea typeface="+mn-ea"/>
+                          <a:cs typeface="+mn-cs"/>
+                        </a:rPr>
+                        <a:t>&lt;/s&gt;</a:t>
+                      </a:r>
+                      <a:endParaRPr lang="en-US" sz="1800" dirty="0">
+                        <a:effectLst/>
+                        <a:latin typeface="Calibri" panose="020F0502020204030204" pitchFamily="34" charset="0"/>
+                        <a:ea typeface="宋体" panose="02010600030101010101" pitchFamily="2" charset="-122"/>
+                        <a:cs typeface="Times New Roman" panose="02020603050405020304" pitchFamily="18" charset="0"/>
+                      </a:endParaRPr>
+                    </a:p>
+                  </a:txBody>
+                  <a:tcPr marL="68580" marR="68580" marT="0" marB="0">
+                    <a:lnL w="12700" cap="flat" cmpd="sng" algn="ctr">
+                      <a:noFill/>
+                      <a:prstDash val="solid"/>
+                      <a:round/>
+                      <a:headEnd type="none" w="med" len="med"/>
+                      <a:tailEnd type="none" w="med" len="med"/>
+                    </a:lnL>
+                    <a:lnR w="12700" cap="flat" cmpd="sng" algn="ctr">
+                      <a:noFill/>
+                      <a:prstDash val="solid"/>
+                      <a:round/>
+                      <a:headEnd type="none" w="med" len="med"/>
+                      <a:tailEnd type="none" w="med" len="med"/>
+                    </a:lnR>
+                    <a:lnT w="12700" cap="flat" cmpd="sng" algn="ctr">
+                      <a:noFill/>
+                      <a:prstDash val="solid"/>
+                      <a:round/>
+                      <a:headEnd type="none" w="med" len="med"/>
+                      <a:tailEnd type="none" w="med" len="med"/>
+                    </a:lnT>
+                    <a:lnB w="12700" cap="flat" cmpd="sng" algn="ctr">
+                      <a:solidFill>
+                        <a:schemeClr val="tx1"/>
+                      </a:solidFill>
+                      <a:prstDash val="solid"/>
+                      <a:round/>
+                      <a:headEnd type="none" w="med" len="med"/>
+                      <a:tailEnd type="none" w="med" len="med"/>
+                    </a:lnB>
+                    <a:lnTlToBr w="12700" cmpd="sng">
+                      <a:noFill/>
+                      <a:prstDash val="solid"/>
+                    </a:lnTlToBr>
+                    <a:lnBlToTr w="12700" cmpd="sng">
+                      <a:noFill/>
+                      <a:prstDash val="solid"/>
+                    </a:lnBlToTr>
+                  </a:tcPr>
+                </a:tc>
+                <a:tc>
+                  <a:txBody>
+                    <a:bodyPr/>
+                    <a:lstStyle/>
+                    <a:p>
+                      <a:pPr marL="0" marR="0" algn="ctr">
+                        <a:lnSpc>
+                          <a:spcPct val="107000"/>
+                        </a:lnSpc>
+                        <a:spcBef>
+                          <a:spcPts val="0"/>
+                        </a:spcBef>
+                        <a:spcAft>
+                          <a:spcPts val="0"/>
+                        </a:spcAft>
+                      </a:pPr>
+                      <a:r>
+                        <a:rPr lang="en-US" sz="1800" dirty="0" smtClean="0">
+                          <a:effectLst/>
+                          <a:latin typeface="+mn-lt"/>
+                          <a:ea typeface="+mn-ea"/>
+                          <a:cs typeface="+mn-cs"/>
+                        </a:rPr>
+                        <a:t>&lt;/s&gt;</a:t>
+                      </a:r>
+                      <a:endParaRPr lang="en-US" sz="1800" dirty="0">
+                        <a:effectLst/>
+                        <a:latin typeface="Calibri" panose="020F0502020204030204" pitchFamily="34" charset="0"/>
+                        <a:ea typeface="宋体" panose="02010600030101010101" pitchFamily="2" charset="-122"/>
+                        <a:cs typeface="Times New Roman" panose="02020603050405020304" pitchFamily="18" charset="0"/>
+                      </a:endParaRPr>
+                    </a:p>
+                  </a:txBody>
+                  <a:tcPr marL="68580" marR="68580" marT="0" marB="0">
+                    <a:lnL w="12700" cap="flat" cmpd="sng" algn="ctr">
+                      <a:noFill/>
+                      <a:prstDash val="solid"/>
+                      <a:round/>
+                      <a:headEnd type="none" w="med" len="med"/>
+                      <a:tailEnd type="none" w="med" len="med"/>
+                    </a:lnL>
+                    <a:lnR w="12700" cap="flat" cmpd="sng" algn="ctr">
+                      <a:noFill/>
+                      <a:prstDash val="solid"/>
+                      <a:round/>
+                      <a:headEnd type="none" w="med" len="med"/>
+                      <a:tailEnd type="none" w="med" len="med"/>
+                    </a:lnR>
+                    <a:lnT w="12700" cap="flat" cmpd="sng" algn="ctr">
+                      <a:noFill/>
+                      <a:prstDash val="solid"/>
+                      <a:round/>
+                      <a:headEnd type="none" w="med" len="med"/>
+                      <a:tailEnd type="none" w="med" len="med"/>
+                    </a:lnT>
+                    <a:lnB w="12700" cap="flat" cmpd="sng" algn="ctr">
+                      <a:solidFill>
+                        <a:schemeClr val="tx1"/>
+                      </a:solidFill>
+                      <a:prstDash val="solid"/>
+                      <a:round/>
+                      <a:headEnd type="none" w="med" len="med"/>
+                      <a:tailEnd type="none" w="med" len="med"/>
+                    </a:lnB>
+                    <a:lnTlToBr w="12700" cmpd="sng">
+                      <a:noFill/>
+                      <a:prstDash val="solid"/>
+                    </a:lnTlToBr>
+                    <a:lnBlToTr w="12700" cmpd="sng">
+                      <a:noFill/>
+                      <a:prstDash val="solid"/>
+                    </a:lnBlToTr>
+                  </a:tcPr>
+                </a:tc>
+                <a:tc>
+                  <a:txBody>
+                    <a:bodyPr/>
+                    <a:lstStyle/>
+                    <a:p>
+                      <a:pPr marL="0" marR="0" algn="ctr">
+                        <a:lnSpc>
+                          <a:spcPct val="107000"/>
+                        </a:lnSpc>
+                        <a:spcBef>
+                          <a:spcPts val="0"/>
+                        </a:spcBef>
+                        <a:spcAft>
+                          <a:spcPts val="0"/>
+                        </a:spcAft>
+                      </a:pPr>
+                      <a:r>
+                        <a:rPr lang="en-US" sz="1800" dirty="0" smtClean="0">
+                          <a:effectLst/>
+                          <a:latin typeface="+mn-lt"/>
+                          <a:ea typeface="+mn-ea"/>
+                          <a:cs typeface="+mn-cs"/>
+                        </a:rPr>
+                        <a:t>&lt;/s&gt;</a:t>
+                      </a:r>
+                      <a:endParaRPr lang="en-US" sz="1800" dirty="0">
+                        <a:effectLst/>
+                        <a:latin typeface="Calibri" panose="020F0502020204030204" pitchFamily="34" charset="0"/>
+                        <a:ea typeface="宋体" panose="02010600030101010101" pitchFamily="2" charset="-122"/>
+                        <a:cs typeface="Times New Roman" panose="02020603050405020304" pitchFamily="18" charset="0"/>
+                      </a:endParaRPr>
+                    </a:p>
+                  </a:txBody>
+                  <a:tcPr marL="68580" marR="68580" marT="0" marB="0">
+                    <a:lnL w="12700" cap="flat" cmpd="sng" algn="ctr">
+                      <a:noFill/>
+                      <a:prstDash val="solid"/>
+                      <a:round/>
+                      <a:headEnd type="none" w="med" len="med"/>
+                      <a:tailEnd type="none" w="med" len="med"/>
+                    </a:lnL>
+                    <a:lnR w="12700" cap="flat" cmpd="sng" algn="ctr">
+                      <a:noFill/>
+                      <a:prstDash val="solid"/>
+                      <a:round/>
+                      <a:headEnd type="none" w="med" len="med"/>
+                      <a:tailEnd type="none" w="med" len="med"/>
+                    </a:lnR>
+                    <a:lnT w="12700" cap="flat" cmpd="sng" algn="ctr">
+                      <a:noFill/>
+                      <a:prstDash val="solid"/>
+                      <a:round/>
+                      <a:headEnd type="none" w="med" len="med"/>
+                      <a:tailEnd type="none" w="med" len="med"/>
+                    </a:lnT>
+                    <a:lnB w="12700" cap="flat" cmpd="sng" algn="ctr">
+                      <a:solidFill>
+                        <a:schemeClr val="tx1"/>
+                      </a:solidFill>
+                      <a:prstDash val="solid"/>
+                      <a:round/>
+                      <a:headEnd type="none" w="med" len="med"/>
+                      <a:tailEnd type="none" w="med" len="med"/>
+                    </a:lnB>
+                    <a:lnTlToBr w="12700" cmpd="sng">
+                      <a:noFill/>
+                      <a:prstDash val="solid"/>
+                    </a:lnTlToBr>
+                    <a:lnBlToTr w="12700" cmpd="sng">
+                      <a:noFill/>
+                      <a:prstDash val="solid"/>
+                    </a:lnBlToTr>
+                  </a:tcPr>
+                </a:tc>
+                <a:tc>
+                  <a:txBody>
+                    <a:bodyPr/>
+                    <a:lstStyle/>
+                    <a:p>
+                      <a:pPr marL="0" marR="0" algn="ctr">
+                        <a:lnSpc>
+                          <a:spcPct val="107000"/>
+                        </a:lnSpc>
+                        <a:spcBef>
+                          <a:spcPts val="0"/>
+                        </a:spcBef>
+                        <a:spcAft>
+                          <a:spcPts val="0"/>
+                        </a:spcAft>
+                      </a:pPr>
+                      <a:r>
+                        <a:rPr lang="en-US" sz="1800" dirty="0" smtClean="0">
+                          <a:effectLst/>
+                          <a:latin typeface="+mn-lt"/>
+                          <a:ea typeface="+mn-ea"/>
+                          <a:cs typeface="+mn-cs"/>
+                        </a:rPr>
+                        <a:t>&lt;/s&gt;</a:t>
+                      </a:r>
+                      <a:endParaRPr lang="en-US" sz="1800" dirty="0">
+                        <a:effectLst/>
+                        <a:latin typeface="Calibri" panose="020F0502020204030204" pitchFamily="34" charset="0"/>
+                        <a:ea typeface="宋体" panose="02010600030101010101" pitchFamily="2" charset="-122"/>
+                        <a:cs typeface="Times New Roman" panose="02020603050405020304" pitchFamily="18" charset="0"/>
+                      </a:endParaRPr>
+                    </a:p>
+                  </a:txBody>
+                  <a:tcPr marL="68580" marR="68580" marT="0" marB="0">
+                    <a:lnL w="12700" cap="flat" cmpd="sng" algn="ctr">
+                      <a:noFill/>
+                      <a:prstDash val="solid"/>
+                      <a:round/>
+                      <a:headEnd type="none" w="med" len="med"/>
+                      <a:tailEnd type="none" w="med" len="med"/>
+                    </a:lnL>
+                    <a:lnR w="12700" cap="flat" cmpd="sng" algn="ctr">
+                      <a:noFill/>
+                      <a:prstDash val="solid"/>
+                      <a:round/>
+                      <a:headEnd type="none" w="med" len="med"/>
+                      <a:tailEnd type="none" w="med" len="med"/>
+                    </a:lnR>
+                    <a:lnT w="12700" cap="flat" cmpd="sng" algn="ctr">
+                      <a:noFill/>
+                      <a:prstDash val="solid"/>
+                      <a:round/>
+                      <a:headEnd type="none" w="med" len="med"/>
+                      <a:tailEnd type="none" w="med" len="med"/>
+                    </a:lnT>
+                    <a:lnB w="12700" cap="flat" cmpd="sng" algn="ctr">
+                      <a:solidFill>
+                        <a:schemeClr val="tx1"/>
+                      </a:solidFill>
+                      <a:prstDash val="solid"/>
+                      <a:round/>
+                      <a:headEnd type="none" w="med" len="med"/>
+                      <a:tailEnd type="none" w="med" len="med"/>
+                    </a:lnB>
+                    <a:lnTlToBr w="12700" cmpd="sng">
+                      <a:noFill/>
+                      <a:prstDash val="solid"/>
+                    </a:lnTlToBr>
+                    <a:lnBlToTr w="12700" cmpd="sng">
+                      <a:noFill/>
+                      <a:prstDash val="solid"/>
+                    </a:lnBlToTr>
+                  </a:tcPr>
+                </a:tc>
+              </a:tr>
+              <a:tr h="0">
+                <a:tc>
+                  <a:txBody>
+                    <a:bodyPr/>
+                    <a:lstStyle/>
+                    <a:p>
+                      <a:pPr marL="0" marR="0" algn="ctr">
+                        <a:lnSpc>
+                          <a:spcPct val="107000"/>
+                        </a:lnSpc>
+                        <a:spcBef>
+                          <a:spcPts val="0"/>
+                        </a:spcBef>
+                        <a:spcAft>
+                          <a:spcPts val="0"/>
+                        </a:spcAft>
+                      </a:pPr>
+                      <a:r>
+                        <a:rPr lang="en-US" sz="1800" dirty="0" smtClean="0">
+                          <a:effectLst/>
+                          <a:latin typeface="+mn-lt"/>
+                          <a:ea typeface="+mn-ea"/>
+                          <a:cs typeface="+mn-cs"/>
+                        </a:rPr>
+                        <a:t>0</a:t>
+                      </a:r>
+                      <a:endParaRPr lang="en-US" sz="1800" dirty="0">
+                        <a:effectLst/>
+                        <a:latin typeface="Calibri" panose="020F0502020204030204" pitchFamily="34" charset="0"/>
+                        <a:ea typeface="宋体" panose="02010600030101010101" pitchFamily="2" charset="-122"/>
+                        <a:cs typeface="Times New Roman" panose="02020603050405020304" pitchFamily="18" charset="0"/>
+                      </a:endParaRPr>
+                    </a:p>
+                  </a:txBody>
+                  <a:tcPr marL="68580" marR="68580" marT="0" marB="0">
+                    <a:lnL w="12700" cap="flat" cmpd="sng" algn="ctr">
+                      <a:noFill/>
+                      <a:prstDash val="solid"/>
+                      <a:round/>
+                      <a:headEnd type="none" w="med" len="med"/>
+                      <a:tailEnd type="none" w="med" len="med"/>
+                    </a:lnL>
+                    <a:lnR w="12700" cap="flat" cmpd="sng" algn="ctr">
+                      <a:noFill/>
+                      <a:prstDash val="solid"/>
+                      <a:round/>
+                      <a:headEnd type="none" w="med" len="med"/>
+                      <a:tailEnd type="none" w="med" len="med"/>
+                    </a:lnR>
+                    <a:lnT w="12700" cap="flat" cmpd="sng" algn="ctr">
+                      <a:solidFill>
+                        <a:schemeClr val="tx1"/>
+                      </a:solidFill>
+                      <a:prstDash val="solid"/>
+                      <a:round/>
+                      <a:headEnd type="none" w="med" len="med"/>
+                      <a:tailEnd type="none" w="med" len="med"/>
+                    </a:lnT>
+                    <a:lnB w="12700" cap="flat" cmpd="sng" algn="ctr">
+                      <a:noFill/>
+                      <a:prstDash val="solid"/>
+                      <a:round/>
+                      <a:headEnd type="none" w="med" len="med"/>
+                      <a:tailEnd type="none" w="med" len="med"/>
+                    </a:lnB>
+                    <a:lnTlToBr w="12700" cmpd="sng">
+                      <a:noFill/>
+                      <a:prstDash val="solid"/>
+                    </a:lnTlToBr>
+                    <a:lnBlToTr w="12700" cmpd="sng">
+                      <a:noFill/>
+                      <a:prstDash val="solid"/>
+                    </a:lnBlToTr>
+                  </a:tcPr>
+                </a:tc>
+                <a:tc>
+                  <a:txBody>
+                    <a:bodyPr/>
+                    <a:lstStyle/>
+                    <a:p>
+                      <a:pPr marL="0" marR="0" algn="ctr">
+                        <a:lnSpc>
+                          <a:spcPct val="107000"/>
+                        </a:lnSpc>
+                        <a:spcBef>
+                          <a:spcPts val="0"/>
+                        </a:spcBef>
+                        <a:spcAft>
+                          <a:spcPts val="0"/>
+                        </a:spcAft>
+                      </a:pPr>
+                      <a:r>
+                        <a:rPr lang="en-US" sz="1800" dirty="0" smtClean="0">
+                          <a:effectLst/>
+                          <a:latin typeface="+mn-lt"/>
+                          <a:ea typeface="+mn-ea"/>
+                          <a:cs typeface="+mn-cs"/>
+                        </a:rPr>
+                        <a:t>1</a:t>
+                      </a:r>
+                      <a:endParaRPr lang="en-US" sz="1800" dirty="0">
+                        <a:effectLst/>
+                        <a:latin typeface="Calibri" panose="020F0502020204030204" pitchFamily="34" charset="0"/>
+                        <a:ea typeface="宋体" panose="02010600030101010101" pitchFamily="2" charset="-122"/>
+                        <a:cs typeface="Times New Roman" panose="02020603050405020304" pitchFamily="18" charset="0"/>
+                      </a:endParaRPr>
+                    </a:p>
+                  </a:txBody>
+                  <a:tcPr marL="68580" marR="68580" marT="0" marB="0">
+                    <a:lnL w="12700" cap="flat" cmpd="sng" algn="ctr">
+                      <a:noFill/>
+                      <a:prstDash val="solid"/>
+                      <a:round/>
+                      <a:headEnd type="none" w="med" len="med"/>
+                      <a:tailEnd type="none" w="med" len="med"/>
+                    </a:lnL>
+                    <a:lnR w="12700" cap="flat" cmpd="sng" algn="ctr">
+                      <a:noFill/>
+                      <a:prstDash val="solid"/>
+                      <a:round/>
+                      <a:headEnd type="none" w="med" len="med"/>
+                      <a:tailEnd type="none" w="med" len="med"/>
+                    </a:lnR>
+                    <a:lnT w="12700" cap="flat" cmpd="sng" algn="ctr">
+                      <a:solidFill>
+                        <a:schemeClr val="tx1"/>
+                      </a:solidFill>
+                      <a:prstDash val="solid"/>
+                      <a:round/>
+                      <a:headEnd type="none" w="med" len="med"/>
+                      <a:tailEnd type="none" w="med" len="med"/>
+                    </a:lnT>
+                    <a:lnB w="12700" cap="flat" cmpd="sng" algn="ctr">
+                      <a:noFill/>
+                      <a:prstDash val="solid"/>
+                      <a:round/>
+                      <a:headEnd type="none" w="med" len="med"/>
+                      <a:tailEnd type="none" w="med" len="med"/>
+                    </a:lnB>
+                    <a:lnTlToBr w="12700" cmpd="sng">
+                      <a:noFill/>
+                      <a:prstDash val="solid"/>
+                    </a:lnTlToBr>
+                    <a:lnBlToTr w="12700" cmpd="sng">
+                      <a:noFill/>
+                      <a:prstDash val="solid"/>
+                    </a:lnBlToTr>
+                  </a:tcPr>
+                </a:tc>
+                <a:tc>
+                  <a:txBody>
+                    <a:bodyPr/>
+                    <a:lstStyle/>
+                    <a:p>
+                      <a:pPr marL="0" marR="0" algn="ctr">
+                        <a:lnSpc>
+                          <a:spcPct val="107000"/>
+                        </a:lnSpc>
+                        <a:spcBef>
+                          <a:spcPts val="0"/>
+                        </a:spcBef>
+                        <a:spcAft>
+                          <a:spcPts val="0"/>
+                        </a:spcAft>
+                      </a:pPr>
+                      <a:r>
+                        <a:rPr lang="en-US" sz="1800" dirty="0" smtClean="0">
+                          <a:effectLst/>
+                          <a:latin typeface="+mn-lt"/>
+                          <a:ea typeface="+mn-ea"/>
+                          <a:cs typeface="+mn-cs"/>
+                        </a:rPr>
+                        <a:t>0</a:t>
+                      </a:r>
+                      <a:endParaRPr lang="en-US" sz="1800" dirty="0">
+                        <a:effectLst/>
+                        <a:latin typeface="Calibri" panose="020F0502020204030204" pitchFamily="34" charset="0"/>
+                        <a:ea typeface="宋体" panose="02010600030101010101" pitchFamily="2" charset="-122"/>
+                        <a:cs typeface="Times New Roman" panose="02020603050405020304" pitchFamily="18" charset="0"/>
+                      </a:endParaRPr>
+                    </a:p>
+                  </a:txBody>
+                  <a:tcPr marL="68580" marR="68580" marT="0" marB="0">
+                    <a:lnL w="12700" cap="flat" cmpd="sng" algn="ctr">
+                      <a:noFill/>
+                      <a:prstDash val="solid"/>
+                      <a:round/>
+                      <a:headEnd type="none" w="med" len="med"/>
+                      <a:tailEnd type="none" w="med" len="med"/>
+                    </a:lnL>
+                    <a:lnR w="12700" cap="flat" cmpd="sng" algn="ctr">
+                      <a:noFill/>
+                      <a:prstDash val="solid"/>
+                      <a:round/>
+                      <a:headEnd type="none" w="med" len="med"/>
+                      <a:tailEnd type="none" w="med" len="med"/>
+                    </a:lnR>
+                    <a:lnT w="12700" cap="flat" cmpd="sng" algn="ctr">
+                      <a:solidFill>
+                        <a:schemeClr val="tx1"/>
+                      </a:solidFill>
+                      <a:prstDash val="solid"/>
+                      <a:round/>
+                      <a:headEnd type="none" w="med" len="med"/>
+                      <a:tailEnd type="none" w="med" len="med"/>
+                    </a:lnT>
+                    <a:lnB w="12700" cap="flat" cmpd="sng" algn="ctr">
+                      <a:noFill/>
+                      <a:prstDash val="solid"/>
+                      <a:round/>
+                      <a:headEnd type="none" w="med" len="med"/>
+                      <a:tailEnd type="none" w="med" len="med"/>
+                    </a:lnB>
+                    <a:lnTlToBr w="12700" cmpd="sng">
+                      <a:noFill/>
+                      <a:prstDash val="solid"/>
+                    </a:lnTlToBr>
+                    <a:lnBlToTr w="12700" cmpd="sng">
+                      <a:noFill/>
+                      <a:prstDash val="solid"/>
+                    </a:lnBlToTr>
+                  </a:tcPr>
+                </a:tc>
+                <a:tc>
+                  <a:txBody>
+                    <a:bodyPr/>
+                    <a:lstStyle/>
+                    <a:p>
+                      <a:pPr marL="0" marR="0" algn="ctr">
+                        <a:lnSpc>
+                          <a:spcPct val="107000"/>
+                        </a:lnSpc>
+                        <a:spcBef>
+                          <a:spcPts val="0"/>
+                        </a:spcBef>
+                        <a:spcAft>
+                          <a:spcPts val="0"/>
+                        </a:spcAft>
+                      </a:pPr>
+                      <a:r>
+                        <a:rPr lang="en-US" sz="1800" dirty="0" smtClean="0">
+                          <a:effectLst/>
+                          <a:latin typeface="+mn-lt"/>
+                          <a:ea typeface="+mn-ea"/>
+                          <a:cs typeface="+mn-cs"/>
+                        </a:rPr>
+                        <a:t>0</a:t>
+                      </a:r>
+                      <a:endParaRPr lang="en-US" sz="1800" dirty="0">
+                        <a:effectLst/>
+                        <a:latin typeface="Calibri" panose="020F0502020204030204" pitchFamily="34" charset="0"/>
+                        <a:ea typeface="宋体" panose="02010600030101010101" pitchFamily="2" charset="-122"/>
+                        <a:cs typeface="Times New Roman" panose="02020603050405020304" pitchFamily="18" charset="0"/>
+                      </a:endParaRPr>
+                    </a:p>
+                  </a:txBody>
+                  <a:tcPr marL="68580" marR="68580" marT="0" marB="0">
+                    <a:lnL w="12700" cap="flat" cmpd="sng" algn="ctr">
+                      <a:noFill/>
+                      <a:prstDash val="solid"/>
+                      <a:round/>
+                      <a:headEnd type="none" w="med" len="med"/>
+                      <a:tailEnd type="none" w="med" len="med"/>
+                    </a:lnL>
+                    <a:lnR w="12700" cap="flat" cmpd="sng" algn="ctr">
+                      <a:noFill/>
+                      <a:prstDash val="solid"/>
+                      <a:round/>
+                      <a:headEnd type="none" w="med" len="med"/>
+                      <a:tailEnd type="none" w="med" len="med"/>
+                    </a:lnR>
+                    <a:lnT w="12700" cap="flat" cmpd="sng" algn="ctr">
+                      <a:solidFill>
+                        <a:schemeClr val="tx1"/>
+                      </a:solidFill>
+                      <a:prstDash val="solid"/>
+                      <a:round/>
+                      <a:headEnd type="none" w="med" len="med"/>
+                      <a:tailEnd type="none" w="med" len="med"/>
+                    </a:lnT>
+                    <a:lnB w="12700" cap="flat" cmpd="sng" algn="ctr">
+                      <a:noFill/>
+                      <a:prstDash val="solid"/>
+                      <a:round/>
+                      <a:headEnd type="none" w="med" len="med"/>
+                      <a:tailEnd type="none" w="med" len="med"/>
+                    </a:lnB>
+                    <a:lnTlToBr w="12700" cmpd="sng">
+                      <a:noFill/>
+                      <a:prstDash val="solid"/>
+                    </a:lnTlToBr>
+                    <a:lnBlToTr w="12700" cmpd="sng">
+                      <a:noFill/>
+                      <a:prstDash val="solid"/>
+                    </a:lnBlToTr>
+                  </a:tcPr>
+                </a:tc>
+                <a:tc>
+                  <a:txBody>
+                    <a:bodyPr/>
+                    <a:lstStyle/>
+                    <a:p>
+                      <a:pPr marL="0" marR="0" algn="ctr">
+                        <a:lnSpc>
+                          <a:spcPct val="107000"/>
+                        </a:lnSpc>
+                        <a:spcBef>
+                          <a:spcPts val="0"/>
+                        </a:spcBef>
+                        <a:spcAft>
+                          <a:spcPts val="0"/>
+                        </a:spcAft>
+                      </a:pPr>
+                      <a:r>
+                        <a:rPr lang="en-US" sz="1800" dirty="0">
+                          <a:effectLst/>
+                        </a:rPr>
+                        <a:t>1</a:t>
+                      </a:r>
+                      <a:endParaRPr lang="en-US" sz="1800" dirty="0">
+                        <a:effectLst/>
+                        <a:latin typeface="Calibri" panose="020F0502020204030204" pitchFamily="34" charset="0"/>
+                        <a:ea typeface="宋体" panose="02010600030101010101" pitchFamily="2" charset="-122"/>
+                        <a:cs typeface="Times New Roman" panose="02020603050405020304" pitchFamily="18" charset="0"/>
+                      </a:endParaRPr>
+                    </a:p>
+                  </a:txBody>
+                  <a:tcPr marL="68580" marR="68580" marT="0" marB="0">
+                    <a:lnL w="12700" cap="flat" cmpd="sng" algn="ctr">
+                      <a:noFill/>
+                      <a:prstDash val="solid"/>
+                      <a:round/>
+                      <a:headEnd type="none" w="med" len="med"/>
+                      <a:tailEnd type="none" w="med" len="med"/>
+                    </a:lnL>
+                    <a:lnR w="12700" cap="flat" cmpd="sng" algn="ctr">
+                      <a:noFill/>
+                      <a:prstDash val="solid"/>
+                      <a:round/>
+                      <a:headEnd type="none" w="med" len="med"/>
+                      <a:tailEnd type="none" w="med" len="med"/>
+                    </a:lnR>
+                    <a:lnT w="12700" cap="flat" cmpd="sng" algn="ctr">
+                      <a:solidFill>
+                        <a:schemeClr val="tx1"/>
+                      </a:solidFill>
+                      <a:prstDash val="solid"/>
+                      <a:round/>
+                      <a:headEnd type="none" w="med" len="med"/>
+                      <a:tailEnd type="none" w="med" len="med"/>
+                    </a:lnT>
+                    <a:lnB w="12700" cap="flat" cmpd="sng" algn="ctr">
+                      <a:noFill/>
+                      <a:prstDash val="solid"/>
+                      <a:round/>
+                      <a:headEnd type="none" w="med" len="med"/>
+                      <a:tailEnd type="none" w="med" len="med"/>
+                    </a:lnB>
+                    <a:lnTlToBr w="12700" cmpd="sng">
+                      <a:noFill/>
+                      <a:prstDash val="solid"/>
+                    </a:lnTlToBr>
+                    <a:lnBlToTr w="12700" cmpd="sng">
+                      <a:noFill/>
+                      <a:prstDash val="solid"/>
+                    </a:lnBlToTr>
+                    <a:solidFill>
+                      <a:srgbClr val="FFC000"/>
+                    </a:solidFill>
+                  </a:tcPr>
+                </a:tc>
+                <a:tc>
+                  <a:txBody>
+                    <a:bodyPr/>
+                    <a:lstStyle/>
+                    <a:p>
+                      <a:pPr marL="0" marR="0" algn="ctr">
+                        <a:lnSpc>
+                          <a:spcPct val="107000"/>
+                        </a:lnSpc>
+                        <a:spcBef>
+                          <a:spcPts val="0"/>
+                        </a:spcBef>
+                        <a:spcAft>
+                          <a:spcPts val="0"/>
+                        </a:spcAft>
+                      </a:pPr>
+                      <a:r>
+                        <a:rPr lang="en-US" sz="1800" dirty="0" smtClean="0">
+                          <a:effectLst/>
+                          <a:latin typeface="+mn-lt"/>
+                          <a:ea typeface="+mn-ea"/>
+                          <a:cs typeface="+mn-cs"/>
+                        </a:rPr>
+                        <a:t>-1</a:t>
+                      </a:r>
+                      <a:endParaRPr lang="en-US" sz="1800" dirty="0">
+                        <a:effectLst/>
+                        <a:latin typeface="Calibri" panose="020F0502020204030204" pitchFamily="34" charset="0"/>
+                        <a:ea typeface="宋体" panose="02010600030101010101" pitchFamily="2" charset="-122"/>
+                        <a:cs typeface="Times New Roman" panose="02020603050405020304" pitchFamily="18" charset="0"/>
+                      </a:endParaRPr>
+                    </a:p>
+                  </a:txBody>
+                  <a:tcPr marL="68580" marR="68580" marT="0" marB="0">
+                    <a:lnL w="12700" cap="flat" cmpd="sng" algn="ctr">
+                      <a:noFill/>
+                      <a:prstDash val="solid"/>
+                      <a:round/>
+                      <a:headEnd type="none" w="med" len="med"/>
+                      <a:tailEnd type="none" w="med" len="med"/>
+                    </a:lnL>
+                    <a:lnR w="12700" cap="flat" cmpd="sng" algn="ctr">
+                      <a:noFill/>
+                      <a:prstDash val="solid"/>
+                      <a:round/>
+                      <a:headEnd type="none" w="med" len="med"/>
+                      <a:tailEnd type="none" w="med" len="med"/>
+                    </a:lnR>
+                    <a:lnT w="12700" cap="flat" cmpd="sng" algn="ctr">
+                      <a:solidFill>
+                        <a:schemeClr val="tx1"/>
+                      </a:solidFill>
+                      <a:prstDash val="solid"/>
+                      <a:round/>
+                      <a:headEnd type="none" w="med" len="med"/>
+                      <a:tailEnd type="none" w="med" len="med"/>
+                    </a:lnT>
+                    <a:lnB w="12700" cap="flat" cmpd="sng" algn="ctr">
+                      <a:noFill/>
+                      <a:prstDash val="solid"/>
+                      <a:round/>
+                      <a:headEnd type="none" w="med" len="med"/>
+                      <a:tailEnd type="none" w="med" len="med"/>
+                    </a:lnB>
+                    <a:lnTlToBr w="12700" cmpd="sng">
+                      <a:noFill/>
+                      <a:prstDash val="solid"/>
+                    </a:lnTlToBr>
+                    <a:lnBlToTr w="12700" cmpd="sng">
+                      <a:noFill/>
+                      <a:prstDash val="solid"/>
+                    </a:lnBlToTr>
+                  </a:tcPr>
+                </a:tc>
+                <a:tc>
+                  <a:txBody>
+                    <a:bodyPr/>
+                    <a:lstStyle/>
+                    <a:p>
+                      <a:pPr marL="0" marR="0" algn="ctr">
+                        <a:lnSpc>
+                          <a:spcPct val="107000"/>
+                        </a:lnSpc>
+                        <a:spcBef>
+                          <a:spcPts val="0"/>
+                        </a:spcBef>
+                        <a:spcAft>
+                          <a:spcPts val="0"/>
+                        </a:spcAft>
+                      </a:pPr>
+                      <a:r>
+                        <a:rPr lang="en-US" sz="1800" dirty="0" smtClean="0">
+                          <a:effectLst/>
+                          <a:latin typeface="+mn-lt"/>
+                          <a:ea typeface="+mn-ea"/>
+                          <a:cs typeface="+mn-cs"/>
+                        </a:rPr>
+                        <a:t>-1</a:t>
+                      </a:r>
+                      <a:endParaRPr lang="en-US" sz="1800" dirty="0">
+                        <a:effectLst/>
+                        <a:latin typeface="Calibri" panose="020F0502020204030204" pitchFamily="34" charset="0"/>
+                        <a:ea typeface="宋体" panose="02010600030101010101" pitchFamily="2" charset="-122"/>
+                        <a:cs typeface="Times New Roman" panose="02020603050405020304" pitchFamily="18" charset="0"/>
+                      </a:endParaRPr>
+                    </a:p>
+                  </a:txBody>
+                  <a:tcPr marL="68580" marR="68580" marT="0" marB="0">
+                    <a:lnL w="12700" cap="flat" cmpd="sng" algn="ctr">
+                      <a:noFill/>
+                      <a:prstDash val="solid"/>
+                      <a:round/>
+                      <a:headEnd type="none" w="med" len="med"/>
+                      <a:tailEnd type="none" w="med" len="med"/>
+                    </a:lnL>
+                    <a:lnR w="12700" cap="flat" cmpd="sng" algn="ctr">
+                      <a:noFill/>
+                      <a:prstDash val="solid"/>
+                      <a:round/>
+                      <a:headEnd type="none" w="med" len="med"/>
+                      <a:tailEnd type="none" w="med" len="med"/>
+                    </a:lnR>
+                    <a:lnT w="12700" cap="flat" cmpd="sng" algn="ctr">
+                      <a:solidFill>
+                        <a:schemeClr val="tx1"/>
+                      </a:solidFill>
+                      <a:prstDash val="solid"/>
+                      <a:round/>
+                      <a:headEnd type="none" w="med" len="med"/>
+                      <a:tailEnd type="none" w="med" len="med"/>
+                    </a:lnT>
+                    <a:lnB w="12700" cap="flat" cmpd="sng" algn="ctr">
+                      <a:noFill/>
+                      <a:prstDash val="solid"/>
+                      <a:round/>
+                      <a:headEnd type="none" w="med" len="med"/>
+                      <a:tailEnd type="none" w="med" len="med"/>
+                    </a:lnB>
+                    <a:lnTlToBr w="12700" cmpd="sng">
+                      <a:noFill/>
+                      <a:prstDash val="solid"/>
+                    </a:lnTlToBr>
+                    <a:lnBlToTr w="12700" cmpd="sng">
+                      <a:noFill/>
+                      <a:prstDash val="solid"/>
+                    </a:lnBlToTr>
+                  </a:tcPr>
+                </a:tc>
+                <a:tc>
+                  <a:txBody>
+                    <a:bodyPr/>
+                    <a:lstStyle/>
+                    <a:p>
+                      <a:pPr marL="0" marR="0" algn="ctr">
+                        <a:lnSpc>
+                          <a:spcPct val="107000"/>
+                        </a:lnSpc>
+                        <a:spcBef>
+                          <a:spcPts val="0"/>
+                        </a:spcBef>
+                        <a:spcAft>
+                          <a:spcPts val="0"/>
+                        </a:spcAft>
+                      </a:pPr>
+                      <a:r>
+                        <a:rPr lang="en-US" sz="1800" dirty="0" smtClean="0">
+                          <a:effectLst/>
+                          <a:latin typeface="+mn-lt"/>
+                          <a:ea typeface="+mn-ea"/>
+                          <a:cs typeface="+mn-cs"/>
+                        </a:rPr>
+                        <a:t>-1</a:t>
+                      </a:r>
+                      <a:endParaRPr lang="en-US" sz="1800" dirty="0">
+                        <a:effectLst/>
+                        <a:latin typeface="Calibri" panose="020F0502020204030204" pitchFamily="34" charset="0"/>
+                        <a:ea typeface="宋体" panose="02010600030101010101" pitchFamily="2" charset="-122"/>
+                        <a:cs typeface="Times New Roman" panose="02020603050405020304" pitchFamily="18" charset="0"/>
+                      </a:endParaRPr>
+                    </a:p>
+                  </a:txBody>
+                  <a:tcPr marL="68580" marR="68580" marT="0" marB="0">
+                    <a:lnL w="12700" cap="flat" cmpd="sng" algn="ctr">
+                      <a:noFill/>
+                      <a:prstDash val="solid"/>
+                      <a:round/>
+                      <a:headEnd type="none" w="med" len="med"/>
+                      <a:tailEnd type="none" w="med" len="med"/>
+                    </a:lnL>
+                    <a:lnR w="12700" cap="flat" cmpd="sng" algn="ctr">
+                      <a:noFill/>
+                      <a:prstDash val="solid"/>
+                      <a:round/>
+                      <a:headEnd type="none" w="med" len="med"/>
+                      <a:tailEnd type="none" w="med" len="med"/>
+                    </a:lnR>
+                    <a:lnT w="12700" cap="flat" cmpd="sng" algn="ctr">
+                      <a:solidFill>
+                        <a:schemeClr val="tx1"/>
+                      </a:solidFill>
+                      <a:prstDash val="solid"/>
+                      <a:round/>
+                      <a:headEnd type="none" w="med" len="med"/>
+                      <a:tailEnd type="none" w="med" len="med"/>
+                    </a:lnT>
+                    <a:lnB w="12700" cap="flat" cmpd="sng" algn="ctr">
+                      <a:noFill/>
+                      <a:prstDash val="solid"/>
+                      <a:round/>
+                      <a:headEnd type="none" w="med" len="med"/>
+                      <a:tailEnd type="none" w="med" len="med"/>
+                    </a:lnB>
+                    <a:lnTlToBr w="12700" cmpd="sng">
+                      <a:noFill/>
+                      <a:prstDash val="solid"/>
+                    </a:lnTlToBr>
+                    <a:lnBlToTr w="12700" cmpd="sng">
+                      <a:noFill/>
+                      <a:prstDash val="solid"/>
+                    </a:lnBlToTr>
+                  </a:tcPr>
+                </a:tc>
+                <a:tc>
+                  <a:txBody>
+                    <a:bodyPr/>
+                    <a:lstStyle/>
+                    <a:p>
+                      <a:pPr marL="0" marR="0" algn="ctr">
+                        <a:lnSpc>
+                          <a:spcPct val="107000"/>
+                        </a:lnSpc>
+                        <a:spcBef>
+                          <a:spcPts val="0"/>
+                        </a:spcBef>
+                        <a:spcAft>
+                          <a:spcPts val="0"/>
+                        </a:spcAft>
+                      </a:pPr>
+                      <a:r>
+                        <a:rPr lang="en-US" sz="1800" dirty="0" smtClean="0">
+                          <a:effectLst/>
+                          <a:latin typeface="+mn-lt"/>
+                          <a:ea typeface="+mn-ea"/>
+                          <a:cs typeface="+mn-cs"/>
+                        </a:rPr>
+                        <a:t>-1</a:t>
+                      </a:r>
+                      <a:endParaRPr lang="en-US" sz="1800" dirty="0">
+                        <a:effectLst/>
+                        <a:latin typeface="Calibri" panose="020F0502020204030204" pitchFamily="34" charset="0"/>
+                        <a:ea typeface="宋体" panose="02010600030101010101" pitchFamily="2" charset="-122"/>
+                        <a:cs typeface="Times New Roman" panose="02020603050405020304" pitchFamily="18" charset="0"/>
+                      </a:endParaRPr>
+                    </a:p>
+                  </a:txBody>
+                  <a:tcPr marL="68580" marR="68580" marT="0" marB="0">
+                    <a:lnL w="12700" cap="flat" cmpd="sng" algn="ctr">
+                      <a:noFill/>
+                      <a:prstDash val="solid"/>
+                      <a:round/>
+                      <a:headEnd type="none" w="med" len="med"/>
+                      <a:tailEnd type="none" w="med" len="med"/>
+                    </a:lnL>
+                    <a:lnR w="12700" cap="flat" cmpd="sng" algn="ctr">
+                      <a:noFill/>
+                      <a:prstDash val="solid"/>
+                      <a:round/>
+                      <a:headEnd type="none" w="med" len="med"/>
+                      <a:tailEnd type="none" w="med" len="med"/>
+                    </a:lnR>
+                    <a:lnT w="12700" cap="flat" cmpd="sng" algn="ctr">
+                      <a:solidFill>
+                        <a:schemeClr val="tx1"/>
+                      </a:solidFill>
+                      <a:prstDash val="solid"/>
+                      <a:round/>
+                      <a:headEnd type="none" w="med" len="med"/>
+                      <a:tailEnd type="none" w="med" len="med"/>
+                    </a:lnT>
+                    <a:lnB w="12700" cap="flat" cmpd="sng" algn="ctr">
+                      <a:noFill/>
+                      <a:prstDash val="solid"/>
+                      <a:round/>
+                      <a:headEnd type="none" w="med" len="med"/>
+                      <a:tailEnd type="none" w="med" len="med"/>
+                    </a:lnB>
+                    <a:lnTlToBr w="12700" cmpd="sng">
+                      <a:noFill/>
+                      <a:prstDash val="solid"/>
+                    </a:lnTlToBr>
+                    <a:lnBlToTr w="12700" cmpd="sng">
+                      <a:noFill/>
+                      <a:prstDash val="solid"/>
+                    </a:lnBlToTr>
+                  </a:tcPr>
+                </a:tc>
+              </a:tr>
+            </a:tbl>
           </a:graphicData>
         </a:graphic>
       </p:graphicFrame>
     </p:spTree>
     <p:extLst>
       <p:ext uri="{BB962C8B-B14F-4D97-AF65-F5344CB8AC3E}">
-        <p14:creationId xmlns:p14="http://schemas.microsoft.com/office/powerpoint/2010/main" val="208206514"/>
+        <p14:creationId xmlns:p14="http://schemas.microsoft.com/office/powerpoint/2010/main" val="857585408"/>
       </p:ext>
     </p:extLst>
   </p:cSld>
   <p:clrMapOvr>
     <a:masterClrMapping/>
   </p:clrMapOvr>
-  <p:timing>
-    <p:tnLst>
-      <p:par>
-        <p:cTn id="1" dur="indefinite" restart="never" nodeType="tmRoot"/>
-      </p:par>
-    </p:tnLst>
-  </p:timing>
 </p:sld>
 </file>
 
@@ -10046,14 +12749,14 @@
       </p:sp>
       <p:sp>
         <p:nvSpPr>
-          <p:cNvPr id="7" name="TextBox 6"/>
+          <p:cNvPr id="8" name="TextBox 7"/>
           <p:cNvSpPr txBox="1"/>
           <p:nvPr/>
         </p:nvSpPr>
         <p:spPr>
           <a:xfrm>
-            <a:off x="3852419" y="5800887"/>
-            <a:ext cx="1621470" cy="369332"/>
+            <a:off x="3788109" y="6027025"/>
+            <a:ext cx="1272400" cy="369332"/>
           </a:xfrm>
           <a:prstGeom prst="rect">
             <a:avLst/>
@@ -10067,16 +12770,16 @@
           <a:lstStyle/>
           <a:p>
             <a:r>
-              <a:rPr lang="en-US" altLang="zh-CN" dirty="0" err="1" smtClean="0"/>
-              <a:t>Traing</a:t>
-            </a:r>
-            <a:r>
-              <a:rPr lang="zh-CN" altLang="en-US" dirty="0" smtClean="0"/>
-              <a:t> </a:t>
-            </a:r>
-            <a:r>
-              <a:rPr lang="en-US" altLang="zh-CN" dirty="0" smtClean="0"/>
-              <a:t>accuracy</a:t>
+              <a:rPr lang="en-US" altLang="zh-CN" dirty="0" smtClean="0"/>
+              <a:t>Theta</a:t>
+            </a:r>
+            <a:r>
+              <a:rPr lang="zh-CN" altLang="en-US" dirty="0" smtClean="0"/>
+              <a:t> </a:t>
+            </a:r>
+            <a:r>
+              <a:rPr lang="en-US" altLang="zh-CN" dirty="0" smtClean="0"/>
+              <a:t>value</a:t>
             </a:r>
             <a:endParaRPr lang="en-US" dirty="0"/>
           </a:p>
@@ -10084,21 +12787,21 @@
       </p:sp>
       <p:graphicFrame>
         <p:nvGraphicFramePr>
-          <p:cNvPr id="5" name="Chart 4"/>
+          <p:cNvPr id="6" name="Chart 5"/>
           <p:cNvGraphicFramePr>
             <a:graphicFrameLocks/>
           </p:cNvGraphicFramePr>
           <p:nvPr>
             <p:extLst>
               <p:ext uri="{D42A27DB-BD31-4B8C-83A1-F6EECF244321}">
-                <p14:modId xmlns:p14="http://schemas.microsoft.com/office/powerpoint/2010/main" val="1683451188"/>
+                <p14:modId xmlns:p14="http://schemas.microsoft.com/office/powerpoint/2010/main" val="984608395"/>
               </p:ext>
             </p:extLst>
           </p:nvPr>
         </p:nvGraphicFramePr>
         <p:xfrm>
-          <a:off x="1211577" y="1690688"/>
-          <a:ext cx="6667378" cy="4000427"/>
+          <a:off x="1003109" y="1690689"/>
+          <a:ext cx="7008573" cy="4205144"/>
         </p:xfrm>
         <a:graphic>
           <a:graphicData uri="http://schemas.openxmlformats.org/drawingml/2006/chart">
@@ -10109,7 +12812,7 @@
     </p:spTree>
     <p:extLst>
       <p:ext uri="{BB962C8B-B14F-4D97-AF65-F5344CB8AC3E}">
-        <p14:creationId xmlns:p14="http://schemas.microsoft.com/office/powerpoint/2010/main" val="705575458"/>
+        <p14:creationId xmlns:p14="http://schemas.microsoft.com/office/powerpoint/2010/main" val="208206514"/>
       </p:ext>
     </p:extLst>
   </p:cSld>
@@ -10200,14 +12903,14 @@
       </p:sp>
       <p:sp>
         <p:nvSpPr>
-          <p:cNvPr id="9" name="TextBox 8"/>
+          <p:cNvPr id="7" name="TextBox 6"/>
           <p:cNvSpPr txBox="1"/>
           <p:nvPr/>
         </p:nvSpPr>
         <p:spPr>
           <a:xfrm>
-            <a:off x="3859433" y="5940044"/>
-            <a:ext cx="1425134" cy="369332"/>
+            <a:off x="3852419" y="5800887"/>
+            <a:ext cx="1621470" cy="369332"/>
           </a:xfrm>
           <a:prstGeom prst="rect">
             <a:avLst/>
@@ -10221,8 +12924,8 @@
           <a:lstStyle/>
           <a:p>
             <a:r>
-              <a:rPr lang="en-US" altLang="zh-CN" dirty="0" smtClean="0"/>
-              <a:t>Test</a:t>
+              <a:rPr lang="en-US" altLang="zh-CN" dirty="0" err="1" smtClean="0"/>
+              <a:t>Traing</a:t>
             </a:r>
             <a:r>
               <a:rPr lang="zh-CN" altLang="en-US" dirty="0" smtClean="0"/>
@@ -10245,14 +12948,14 @@
           <p:nvPr>
             <p:extLst>
               <p:ext uri="{D42A27DB-BD31-4B8C-83A1-F6EECF244321}">
-                <p14:modId xmlns:p14="http://schemas.microsoft.com/office/powerpoint/2010/main" val="2642944999"/>
+                <p14:modId xmlns:p14="http://schemas.microsoft.com/office/powerpoint/2010/main" val="1683451188"/>
               </p:ext>
             </p:extLst>
           </p:nvPr>
         </p:nvGraphicFramePr>
         <p:xfrm>
-          <a:off x="1164000" y="1798091"/>
-          <a:ext cx="6624852" cy="3974911"/>
+          <a:off x="1211577" y="1690688"/>
+          <a:ext cx="6667378" cy="4000427"/>
         </p:xfrm>
         <a:graphic>
           <a:graphicData uri="http://schemas.openxmlformats.org/drawingml/2006/chart">
@@ -10263,7 +12966,7 @@
     </p:spTree>
     <p:extLst>
       <p:ext uri="{BB962C8B-B14F-4D97-AF65-F5344CB8AC3E}">
-        <p14:creationId xmlns:p14="http://schemas.microsoft.com/office/powerpoint/2010/main" val="243570797"/>
+        <p14:creationId xmlns:p14="http://schemas.microsoft.com/office/powerpoint/2010/main" val="705575458"/>
       </p:ext>
     </p:extLst>
   </p:cSld>
@@ -10354,62 +13057,29 @@
       </p:sp>
       <p:sp>
         <p:nvSpPr>
-          <p:cNvPr id="3" name="Content Placeholder 2"/>
-          <p:cNvSpPr>
-            <a:spLocks noGrp="1"/>
-          </p:cNvSpPr>
-          <p:nvPr>
-            <p:ph idx="1"/>
-          </p:nvPr>
+          <p:cNvPr id="9" name="TextBox 8"/>
+          <p:cNvSpPr txBox="1"/>
+          <p:nvPr/>
         </p:nvSpPr>
         <p:spPr>
           <a:xfrm>
-            <a:off x="628650" y="1825625"/>
-            <a:ext cx="7886700" cy="4500224"/>
+            <a:off x="3859433" y="5940044"/>
+            <a:ext cx="1425134" cy="369332"/>
           </a:xfrm>
+          <a:prstGeom prst="rect">
+            <a:avLst/>
+          </a:prstGeom>
+          <a:noFill/>
         </p:spPr>
         <p:txBody>
-          <a:bodyPr>
-            <a:normAutofit fontScale="92500" lnSpcReduction="10000"/>
+          <a:bodyPr wrap="none" rtlCol="0">
+            <a:spAutoFit/>
           </a:bodyPr>
           <a:lstStyle/>
           <a:p>
             <a:r>
               <a:rPr lang="en-US" altLang="zh-CN" dirty="0" smtClean="0"/>
-              <a:t>Implementation</a:t>
-            </a:r>
-            <a:r>
-              <a:rPr lang="zh-CN" altLang="en-US" dirty="0" smtClean="0"/>
-              <a:t> </a:t>
-            </a:r>
-            <a:r>
-              <a:rPr lang="en-US" altLang="zh-CN" dirty="0" smtClean="0"/>
-              <a:t>Result:</a:t>
-            </a:r>
-          </a:p>
-          <a:p>
-            <a:pPr marL="457200" lvl="1" indent="0">
-              <a:buNone/>
-            </a:pPr>
-            <a:r>
-              <a:rPr lang="en-US" altLang="zh-CN" dirty="0" smtClean="0"/>
-              <a:t>The</a:t>
-            </a:r>
-            <a:r>
-              <a:rPr lang="zh-CN" altLang="en-US" dirty="0" smtClean="0"/>
-              <a:t> </a:t>
-            </a:r>
-            <a:r>
-              <a:rPr lang="en-US" altLang="zh-CN" dirty="0" smtClean="0"/>
-              <a:t>average</a:t>
-            </a:r>
-            <a:r>
-              <a:rPr lang="zh-CN" altLang="en-US" dirty="0" smtClean="0"/>
-              <a:t> </a:t>
-            </a:r>
-            <a:r>
-              <a:rPr lang="en-US" altLang="zh-CN" dirty="0" smtClean="0"/>
-              <a:t>test</a:t>
+              <a:t>Test</a:t>
             </a:r>
             <a:r>
               <a:rPr lang="zh-CN" altLang="en-US" dirty="0" smtClean="0"/>
@@ -10419,580 +13089,38 @@
               <a:rPr lang="en-US" altLang="zh-CN" dirty="0" smtClean="0"/>
               <a:t>accuracy</a:t>
             </a:r>
-            <a:r>
-              <a:rPr lang="zh-CN" altLang="en-US" dirty="0" smtClean="0"/>
-              <a:t> </a:t>
-            </a:r>
-            <a:r>
-              <a:rPr lang="en-US" altLang="zh-CN" dirty="0" smtClean="0"/>
-              <a:t>is:</a:t>
-            </a:r>
-            <a:r>
-              <a:rPr lang="zh-CN" altLang="en-US" dirty="0" smtClean="0"/>
-              <a:t> </a:t>
-            </a:r>
-            <a:r>
-              <a:rPr lang="en-US" altLang="zh-CN" dirty="0" smtClean="0"/>
-              <a:t>80.4%, the standard deviation is 0.052.</a:t>
-            </a:r>
-          </a:p>
-          <a:p>
-            <a:r>
-              <a:rPr lang="en-US" altLang="zh-CN" dirty="0" smtClean="0"/>
-              <a:t>Comparison</a:t>
-            </a:r>
-            <a:r>
-              <a:rPr lang="zh-CN" altLang="en-US" dirty="0" smtClean="0"/>
-              <a:t> </a:t>
-            </a:r>
-            <a:r>
-              <a:rPr lang="en-US" altLang="zh-CN" dirty="0" smtClean="0"/>
-              <a:t>with</a:t>
-            </a:r>
-            <a:r>
-              <a:rPr lang="zh-CN" altLang="en-US" dirty="0" smtClean="0"/>
-              <a:t> </a:t>
-            </a:r>
-            <a:r>
-              <a:rPr lang="en-US" altLang="zh-CN" dirty="0" smtClean="0"/>
-              <a:t>the</a:t>
-            </a:r>
-            <a:r>
-              <a:rPr lang="zh-CN" altLang="en-US" dirty="0" smtClean="0"/>
-              <a:t> </a:t>
-            </a:r>
-            <a:r>
-              <a:rPr lang="en-US" altLang="zh-CN" dirty="0" smtClean="0"/>
-              <a:t>reference:</a:t>
-            </a:r>
-            <a:endParaRPr lang="en-US" altLang="zh-CN" dirty="0"/>
-          </a:p>
-          <a:p>
-            <a:pPr marL="457200" lvl="1" indent="0">
-              <a:buNone/>
-            </a:pPr>
-            <a:r>
-              <a:rPr lang="en-US" altLang="zh-CN" dirty="0" smtClean="0"/>
-              <a:t>The</a:t>
-            </a:r>
-            <a:r>
-              <a:rPr lang="zh-CN" altLang="en-US" dirty="0" smtClean="0"/>
-              <a:t> </a:t>
-            </a:r>
-            <a:r>
-              <a:rPr lang="en-US" altLang="zh-CN" dirty="0" smtClean="0"/>
-              <a:t>average</a:t>
-            </a:r>
-            <a:r>
-              <a:rPr lang="zh-CN" altLang="en-US" dirty="0" smtClean="0"/>
-              <a:t> </a:t>
-            </a:r>
-            <a:r>
-              <a:rPr lang="en-US" altLang="zh-CN" dirty="0" smtClean="0"/>
-              <a:t>test</a:t>
-            </a:r>
-            <a:r>
-              <a:rPr lang="zh-CN" altLang="en-US" dirty="0" smtClean="0"/>
-              <a:t> </a:t>
-            </a:r>
-            <a:r>
-              <a:rPr lang="en-US" altLang="zh-CN" dirty="0" smtClean="0"/>
-              <a:t>accuracy</a:t>
-            </a:r>
-            <a:r>
-              <a:rPr lang="zh-CN" altLang="en-US" dirty="0" smtClean="0"/>
-              <a:t> </a:t>
-            </a:r>
-            <a:r>
-              <a:rPr lang="en-US" altLang="zh-CN" dirty="0" smtClean="0"/>
-              <a:t>on</a:t>
-            </a:r>
-            <a:r>
-              <a:rPr lang="zh-CN" altLang="en-US" dirty="0" smtClean="0"/>
-              <a:t> </a:t>
-            </a:r>
-            <a:r>
-              <a:rPr lang="en-US" altLang="zh-CN" dirty="0" smtClean="0"/>
-              <a:t>the</a:t>
-            </a:r>
-            <a:r>
-              <a:rPr lang="zh-CN" altLang="en-US" dirty="0" smtClean="0"/>
-              <a:t> </a:t>
-            </a:r>
-            <a:r>
-              <a:rPr lang="en-US" altLang="zh-CN" dirty="0" smtClean="0"/>
-              <a:t>reference</a:t>
-            </a:r>
-            <a:r>
-              <a:rPr lang="zh-CN" altLang="en-US" dirty="0" smtClean="0"/>
-              <a:t> </a:t>
-            </a:r>
-            <a:r>
-              <a:rPr lang="en-US" altLang="zh-CN" dirty="0" smtClean="0"/>
-              <a:t>is</a:t>
-            </a:r>
-            <a:r>
-              <a:rPr lang="zh-CN" altLang="en-US" dirty="0" smtClean="0"/>
-              <a:t> </a:t>
-            </a:r>
-            <a:r>
-              <a:rPr lang="en-US" altLang="zh-CN" dirty="0" smtClean="0"/>
-              <a:t>around</a:t>
-            </a:r>
-            <a:r>
-              <a:rPr lang="zh-CN" altLang="en-US" dirty="0" smtClean="0"/>
-              <a:t> </a:t>
-            </a:r>
-            <a:r>
-              <a:rPr lang="en-US" altLang="zh-CN" dirty="0" smtClean="0"/>
-              <a:t>77%</a:t>
-            </a:r>
-            <a:r>
-              <a:rPr lang="zh-CN" altLang="en-US" dirty="0" smtClean="0"/>
-              <a:t> </a:t>
-            </a:r>
-            <a:r>
-              <a:rPr lang="en-US" altLang="zh-CN" dirty="0" smtClean="0"/>
-              <a:t>when</a:t>
-            </a:r>
-            <a:r>
-              <a:rPr lang="zh-CN" altLang="en-US" dirty="0" smtClean="0"/>
-              <a:t> </a:t>
-            </a:r>
-            <a:r>
-              <a:rPr lang="en-US" altLang="zh-CN" dirty="0" smtClean="0"/>
-              <a:t>using</a:t>
-            </a:r>
-            <a:r>
-              <a:rPr lang="zh-CN" altLang="en-US" dirty="0" smtClean="0"/>
-              <a:t> </a:t>
-            </a:r>
-            <a:r>
-              <a:rPr lang="en-US" altLang="zh-CN" dirty="0" smtClean="0"/>
-              <a:t>the</a:t>
-            </a:r>
-            <a:r>
-              <a:rPr lang="zh-CN" altLang="en-US" dirty="0" smtClean="0"/>
-              <a:t> </a:t>
-            </a:r>
-            <a:r>
-              <a:rPr lang="en-US" altLang="zh-CN" dirty="0" smtClean="0"/>
-              <a:t>9</a:t>
-            </a:r>
-            <a:r>
-              <a:rPr lang="zh-CN" altLang="en-US" dirty="0" smtClean="0"/>
-              <a:t> </a:t>
-            </a:r>
-            <a:r>
-              <a:rPr lang="en-US" altLang="zh-CN" dirty="0" smtClean="0"/>
-              <a:t>neighboring</a:t>
-            </a:r>
-            <a:r>
-              <a:rPr lang="zh-CN" altLang="en-US" dirty="0" smtClean="0"/>
-              <a:t> </a:t>
-            </a:r>
-            <a:r>
-              <a:rPr lang="en-US" altLang="zh-CN" dirty="0" smtClean="0"/>
-              <a:t>residues</a:t>
-            </a:r>
-            <a:r>
-              <a:rPr lang="zh-CN" altLang="en-US" dirty="0" smtClean="0"/>
-              <a:t> </a:t>
-            </a:r>
-            <a:r>
-              <a:rPr lang="en-US" altLang="zh-CN" dirty="0" smtClean="0"/>
-              <a:t>as</a:t>
-            </a:r>
-            <a:r>
-              <a:rPr lang="zh-CN" altLang="en-US" dirty="0" smtClean="0"/>
-              <a:t> </a:t>
-            </a:r>
-            <a:r>
-              <a:rPr lang="en-US" altLang="zh-CN" dirty="0" smtClean="0"/>
-              <a:t>the</a:t>
-            </a:r>
-            <a:r>
-              <a:rPr lang="zh-CN" altLang="en-US" dirty="0" smtClean="0"/>
-              <a:t> </a:t>
-            </a:r>
-            <a:r>
-              <a:rPr lang="en-US" altLang="zh-CN" dirty="0" smtClean="0"/>
-              <a:t>features</a:t>
-            </a:r>
-          </a:p>
-          <a:p>
-            <a:r>
-              <a:rPr lang="en-US" altLang="zh-CN" dirty="0" smtClean="0"/>
-              <a:t>Causes</a:t>
-            </a:r>
-            <a:r>
-              <a:rPr lang="zh-CN" altLang="en-US" dirty="0" smtClean="0"/>
-              <a:t> </a:t>
-            </a:r>
-            <a:r>
-              <a:rPr lang="en-US" altLang="zh-CN" dirty="0" smtClean="0"/>
-              <a:t>for</a:t>
-            </a:r>
-            <a:r>
-              <a:rPr lang="zh-CN" altLang="en-US" dirty="0" smtClean="0"/>
-              <a:t> </a:t>
-            </a:r>
-            <a:r>
-              <a:rPr lang="en-US" altLang="zh-CN" dirty="0" smtClean="0"/>
-              <a:t>the</a:t>
-            </a:r>
-            <a:r>
-              <a:rPr lang="zh-CN" altLang="en-US" dirty="0" smtClean="0"/>
-              <a:t> </a:t>
-            </a:r>
-            <a:r>
-              <a:rPr lang="en-US" altLang="zh-CN" dirty="0" smtClean="0"/>
-              <a:t>difference</a:t>
-            </a:r>
-            <a:r>
-              <a:rPr lang="zh-CN" altLang="en-US" dirty="0" smtClean="0"/>
-              <a:t> </a:t>
-            </a:r>
-            <a:r>
-              <a:rPr lang="en-US" altLang="zh-CN" dirty="0" smtClean="0"/>
-              <a:t>between</a:t>
-            </a:r>
-            <a:r>
-              <a:rPr lang="zh-CN" altLang="en-US" dirty="0" smtClean="0"/>
-              <a:t> </a:t>
-            </a:r>
-            <a:r>
-              <a:rPr lang="en-US" altLang="zh-CN" dirty="0" smtClean="0"/>
-              <a:t>these</a:t>
-            </a:r>
-            <a:r>
-              <a:rPr lang="zh-CN" altLang="en-US" dirty="0" smtClean="0"/>
-              <a:t> </a:t>
-            </a:r>
-            <a:r>
-              <a:rPr lang="en-US" altLang="zh-CN" dirty="0" smtClean="0"/>
-              <a:t>two</a:t>
-            </a:r>
-            <a:r>
-              <a:rPr lang="zh-CN" altLang="en-US" dirty="0" smtClean="0"/>
-              <a:t> </a:t>
-            </a:r>
-            <a:r>
-              <a:rPr lang="en-US" altLang="zh-CN" dirty="0" smtClean="0"/>
-              <a:t>results:</a:t>
-            </a:r>
-          </a:p>
-          <a:p>
-            <a:pPr lvl="1">
-              <a:buFont typeface="Courier New" charset="0"/>
-              <a:buChar char="o"/>
-            </a:pPr>
-            <a:r>
-              <a:rPr lang="en-US" altLang="zh-CN" dirty="0" smtClean="0"/>
-              <a:t>Using</a:t>
-            </a:r>
-            <a:r>
-              <a:rPr lang="zh-CN" altLang="en-US" dirty="0" smtClean="0"/>
-              <a:t> </a:t>
-            </a:r>
-            <a:r>
-              <a:rPr lang="en-US" altLang="zh-CN" dirty="0"/>
-              <a:t>d</a:t>
-            </a:r>
-            <a:r>
-              <a:rPr lang="en-US" altLang="zh-CN" dirty="0" smtClean="0"/>
-              <a:t>ifferent</a:t>
-            </a:r>
-            <a:r>
-              <a:rPr lang="zh-CN" altLang="en-US" dirty="0" smtClean="0"/>
-              <a:t> </a:t>
-            </a:r>
-            <a:r>
-              <a:rPr lang="en-US" altLang="zh-CN" dirty="0" smtClean="0"/>
-              <a:t>standards</a:t>
-            </a:r>
-            <a:r>
-              <a:rPr lang="zh-CN" altLang="en-US" dirty="0" smtClean="0"/>
-              <a:t> </a:t>
-            </a:r>
-            <a:r>
-              <a:rPr lang="en-US" altLang="zh-CN" dirty="0" smtClean="0"/>
-              <a:t>to</a:t>
-            </a:r>
-            <a:r>
-              <a:rPr lang="zh-CN" altLang="en-US" dirty="0" smtClean="0"/>
-              <a:t> </a:t>
-            </a:r>
-            <a:r>
-              <a:rPr lang="en-US" altLang="zh-CN" dirty="0" smtClean="0"/>
-              <a:t>classify</a:t>
-            </a:r>
-            <a:r>
-              <a:rPr lang="zh-CN" altLang="en-US" dirty="0" smtClean="0"/>
-              <a:t> </a:t>
-            </a:r>
-            <a:r>
-              <a:rPr lang="en-US" altLang="zh-CN" dirty="0" smtClean="0"/>
-              <a:t>the</a:t>
-            </a:r>
-            <a:r>
-              <a:rPr lang="zh-CN" altLang="en-US" dirty="0" smtClean="0"/>
-              <a:t> </a:t>
-            </a:r>
-            <a:r>
-              <a:rPr lang="en-US" altLang="zh-CN" dirty="0" smtClean="0"/>
-              <a:t>residues</a:t>
-            </a:r>
-            <a:r>
-              <a:rPr lang="zh-CN" altLang="en-US" dirty="0" smtClean="0"/>
-              <a:t> </a:t>
-            </a:r>
-            <a:r>
-              <a:rPr lang="en-US" altLang="zh-CN" dirty="0" smtClean="0"/>
-              <a:t>into</a:t>
-            </a:r>
-            <a:r>
-              <a:rPr lang="zh-CN" altLang="en-US" dirty="0" smtClean="0"/>
-              <a:t> </a:t>
-            </a:r>
-            <a:r>
-              <a:rPr lang="en-US" altLang="zh-CN" dirty="0" smtClean="0"/>
-              <a:t>two</a:t>
-            </a:r>
-            <a:r>
-              <a:rPr lang="zh-CN" altLang="en-US" dirty="0" smtClean="0"/>
-              <a:t> </a:t>
-            </a:r>
-            <a:r>
-              <a:rPr lang="en-US" altLang="zh-CN" dirty="0" smtClean="0"/>
-              <a:t>classes:</a:t>
-            </a:r>
-            <a:r>
-              <a:rPr lang="zh-CN" altLang="en-US" dirty="0" smtClean="0"/>
-              <a:t> </a:t>
-            </a:r>
-            <a:r>
-              <a:rPr lang="en-US" altLang="zh-CN" dirty="0" smtClean="0"/>
-              <a:t>binding</a:t>
-            </a:r>
-            <a:r>
-              <a:rPr lang="zh-CN" altLang="en-US" dirty="0" smtClean="0"/>
-              <a:t> </a:t>
-            </a:r>
-            <a:r>
-              <a:rPr lang="en-US" altLang="zh-CN" dirty="0" smtClean="0"/>
-              <a:t>residues</a:t>
-            </a:r>
-            <a:r>
-              <a:rPr lang="zh-CN" altLang="en-US" dirty="0" smtClean="0"/>
-              <a:t> </a:t>
-            </a:r>
-            <a:r>
-              <a:rPr lang="en-US" altLang="zh-CN" dirty="0" smtClean="0"/>
-              <a:t>and</a:t>
-            </a:r>
-            <a:r>
-              <a:rPr lang="zh-CN" altLang="en-US" dirty="0" smtClean="0"/>
-              <a:t> </a:t>
-            </a:r>
-            <a:r>
-              <a:rPr lang="en-US" altLang="zh-CN" dirty="0" smtClean="0"/>
-              <a:t>non-binding</a:t>
-            </a:r>
-            <a:r>
-              <a:rPr lang="zh-CN" altLang="en-US" dirty="0" smtClean="0"/>
-              <a:t> </a:t>
-            </a:r>
-            <a:r>
-              <a:rPr lang="en-US" altLang="zh-CN" dirty="0" smtClean="0"/>
-              <a:t>residues</a:t>
-            </a:r>
-          </a:p>
-          <a:p>
-            <a:pPr lvl="1">
-              <a:buFont typeface="Courier New" charset="0"/>
-              <a:buChar char="o"/>
-            </a:pPr>
-            <a:r>
-              <a:rPr lang="en-US" altLang="zh-CN" dirty="0" smtClean="0"/>
-              <a:t>Taking</a:t>
-            </a:r>
-            <a:r>
-              <a:rPr lang="zh-CN" altLang="en-US" dirty="0" smtClean="0"/>
-              <a:t> </a:t>
-            </a:r>
-            <a:r>
-              <a:rPr lang="en-US" altLang="zh-CN" dirty="0" smtClean="0"/>
-              <a:t>the</a:t>
-            </a:r>
-            <a:r>
-              <a:rPr lang="zh-CN" altLang="en-US" dirty="0" smtClean="0"/>
-              <a:t> </a:t>
-            </a:r>
-            <a:r>
-              <a:rPr lang="en-US" altLang="zh-CN" dirty="0" smtClean="0"/>
-              <a:t>residue</a:t>
-            </a:r>
-            <a:r>
-              <a:rPr lang="zh-CN" altLang="en-US" dirty="0" smtClean="0"/>
-              <a:t> </a:t>
-            </a:r>
-            <a:r>
-              <a:rPr lang="en-US" altLang="zh-CN" dirty="0" smtClean="0"/>
-              <a:t>sequences</a:t>
-            </a:r>
-            <a:r>
-              <a:rPr lang="zh-CN" altLang="en-US" dirty="0" smtClean="0"/>
-              <a:t> </a:t>
-            </a:r>
-            <a:r>
-              <a:rPr lang="en-US" altLang="zh-CN" dirty="0" smtClean="0"/>
-              <a:t>from</a:t>
-            </a:r>
-            <a:r>
-              <a:rPr lang="zh-CN" altLang="en-US" dirty="0" smtClean="0"/>
-              <a:t> </a:t>
-            </a:r>
-            <a:r>
-              <a:rPr lang="en-US" altLang="zh-CN" dirty="0" smtClean="0"/>
-              <a:t>different</a:t>
-            </a:r>
-            <a:r>
-              <a:rPr lang="zh-CN" altLang="en-US" dirty="0" smtClean="0"/>
-              <a:t> </a:t>
-            </a:r>
-            <a:r>
-              <a:rPr lang="en-US" altLang="zh-CN" dirty="0" smtClean="0"/>
-              <a:t>chains</a:t>
-            </a:r>
-            <a:r>
-              <a:rPr lang="zh-CN" altLang="en-US" dirty="0" smtClean="0"/>
-              <a:t> </a:t>
-            </a:r>
-            <a:r>
-              <a:rPr lang="en-US" altLang="zh-CN" dirty="0" smtClean="0"/>
-              <a:t>when</a:t>
-            </a:r>
-            <a:r>
-              <a:rPr lang="zh-CN" altLang="en-US" dirty="0" smtClean="0"/>
-              <a:t> </a:t>
-            </a:r>
-            <a:r>
-              <a:rPr lang="en-US" altLang="zh-CN" dirty="0" smtClean="0"/>
-              <a:t>analyzing</a:t>
-            </a:r>
-            <a:r>
-              <a:rPr lang="zh-CN" altLang="en-US" dirty="0" smtClean="0"/>
-              <a:t> </a:t>
-            </a:r>
-            <a:r>
-              <a:rPr lang="en-US" altLang="zh-CN" dirty="0" smtClean="0"/>
-              <a:t>the</a:t>
-            </a:r>
-            <a:r>
-              <a:rPr lang="zh-CN" altLang="en-US" dirty="0" smtClean="0"/>
-              <a:t> </a:t>
-            </a:r>
-            <a:r>
-              <a:rPr lang="en-US" altLang="zh-CN" dirty="0" smtClean="0"/>
-              <a:t>same</a:t>
-            </a:r>
-            <a:r>
-              <a:rPr lang="zh-CN" altLang="en-US" dirty="0" smtClean="0"/>
-              <a:t> </a:t>
-            </a:r>
-            <a:r>
-              <a:rPr lang="en-US" altLang="zh-CN" dirty="0" smtClean="0"/>
-              <a:t>proteins.</a:t>
-            </a:r>
-          </a:p>
-          <a:p>
-            <a:pPr lvl="1">
-              <a:buFont typeface="Courier New" charset="0"/>
-              <a:buChar char="o"/>
-            </a:pPr>
-            <a:r>
-              <a:rPr lang="en-US" altLang="zh-CN" dirty="0" smtClean="0"/>
-              <a:t>Arithmetic</a:t>
-            </a:r>
-            <a:r>
-              <a:rPr lang="zh-CN" altLang="en-US" dirty="0" smtClean="0"/>
-              <a:t> </a:t>
-            </a:r>
-            <a:r>
-              <a:rPr lang="en-US" altLang="zh-CN" dirty="0" smtClean="0"/>
-              <a:t>calculation</a:t>
-            </a:r>
-            <a:r>
-              <a:rPr lang="zh-CN" altLang="en-US" dirty="0" smtClean="0"/>
-              <a:t> </a:t>
-            </a:r>
-            <a:r>
-              <a:rPr lang="en-US" altLang="zh-CN" dirty="0" smtClean="0"/>
-              <a:t>details</a:t>
-            </a:r>
-            <a:r>
-              <a:rPr lang="zh-CN" altLang="en-US" dirty="0" smtClean="0"/>
-              <a:t> </a:t>
-            </a:r>
-            <a:r>
-              <a:rPr lang="en-US" altLang="zh-CN" dirty="0" smtClean="0"/>
-              <a:t>might</a:t>
-            </a:r>
-            <a:r>
-              <a:rPr lang="zh-CN" altLang="en-US" dirty="0" smtClean="0"/>
-              <a:t> </a:t>
-            </a:r>
-            <a:r>
-              <a:rPr lang="en-US" altLang="zh-CN" dirty="0" smtClean="0"/>
-              <a:t>also</a:t>
-            </a:r>
-            <a:r>
-              <a:rPr lang="zh-CN" altLang="en-US" dirty="0" smtClean="0"/>
-              <a:t> </a:t>
-            </a:r>
-            <a:r>
-              <a:rPr lang="en-US" altLang="zh-CN" dirty="0" smtClean="0"/>
-              <a:t>affect</a:t>
-            </a:r>
-            <a:r>
-              <a:rPr lang="zh-CN" altLang="en-US" dirty="0" smtClean="0"/>
-              <a:t> </a:t>
-            </a:r>
-            <a:r>
-              <a:rPr lang="en-US" altLang="zh-CN" dirty="0" smtClean="0"/>
-              <a:t>the</a:t>
-            </a:r>
-            <a:r>
-              <a:rPr lang="zh-CN" altLang="en-US" dirty="0" smtClean="0"/>
-              <a:t> </a:t>
-            </a:r>
-            <a:r>
-              <a:rPr lang="en-US" altLang="zh-CN" dirty="0" smtClean="0"/>
-              <a:t>result</a:t>
-            </a:r>
-            <a:r>
-              <a:rPr lang="zh-CN" altLang="en-US" dirty="0" smtClean="0"/>
-              <a:t> </a:t>
-            </a:r>
-            <a:r>
-              <a:rPr lang="en-US" altLang="zh-CN" dirty="0" smtClean="0"/>
-              <a:t>slightly.</a:t>
-            </a:r>
-          </a:p>
-          <a:p>
-            <a:pPr lvl="1">
-              <a:buFont typeface="Courier New" charset="0"/>
-              <a:buChar char="o"/>
-            </a:pPr>
-            <a:endParaRPr lang="en-US" altLang="zh-CN" dirty="0"/>
+            <a:endParaRPr lang="en-US" dirty="0"/>
           </a:p>
         </p:txBody>
       </p:sp>
+      <p:graphicFrame>
+        <p:nvGraphicFramePr>
+          <p:cNvPr id="5" name="Chart 4"/>
+          <p:cNvGraphicFramePr>
+            <a:graphicFrameLocks/>
+          </p:cNvGraphicFramePr>
+          <p:nvPr>
+            <p:extLst>
+              <p:ext uri="{D42A27DB-BD31-4B8C-83A1-F6EECF244321}">
+                <p14:modId xmlns:p14="http://schemas.microsoft.com/office/powerpoint/2010/main" val="2642944999"/>
+              </p:ext>
+            </p:extLst>
+          </p:nvPr>
+        </p:nvGraphicFramePr>
+        <p:xfrm>
+          <a:off x="1164000" y="1798091"/>
+          <a:ext cx="6624852" cy="3974911"/>
+        </p:xfrm>
+        <a:graphic>
+          <a:graphicData uri="http://schemas.openxmlformats.org/drawingml/2006/chart">
+            <c:chart xmlns:c="http://schemas.openxmlformats.org/drawingml/2006/chart" xmlns:r="http://schemas.openxmlformats.org/officeDocument/2006/relationships" r:id="rId2"/>
+          </a:graphicData>
+        </a:graphic>
+      </p:graphicFrame>
     </p:spTree>
     <p:extLst>
       <p:ext uri="{BB962C8B-B14F-4D97-AF65-F5344CB8AC3E}">
-        <p14:creationId xmlns:p14="http://schemas.microsoft.com/office/powerpoint/2010/main" val="1265793179"/>
+        <p14:creationId xmlns:p14="http://schemas.microsoft.com/office/powerpoint/2010/main" val="243570797"/>
       </p:ext>
     </p:extLst>
   </p:cSld>
@@ -11042,6 +13170,735 @@
           <a:lstStyle/>
           <a:p>
             <a:r>
+              <a:rPr lang="en-US" altLang="zh-CN" dirty="0"/>
+              <a:t>Current</a:t>
+            </a:r>
+            <a:r>
+              <a:rPr lang="zh-CN" altLang="en-US" dirty="0"/>
+              <a:t> </a:t>
+            </a:r>
+            <a:r>
+              <a:rPr lang="en-US" altLang="zh-CN" dirty="0"/>
+              <a:t>Progress:</a:t>
+            </a:r>
+            <a:r>
+              <a:rPr lang="zh-CN" altLang="en-US" dirty="0"/>
+              <a:t> </a:t>
+            </a:r>
+            <a:r>
+              <a:rPr lang="en-US" altLang="zh-CN" dirty="0"/>
+              <a:t>Naïve</a:t>
+            </a:r>
+            <a:r>
+              <a:rPr lang="zh-CN" altLang="en-US" dirty="0"/>
+              <a:t> </a:t>
+            </a:r>
+            <a:r>
+              <a:rPr lang="en-US" altLang="zh-CN" dirty="0"/>
+              <a:t>Bayes</a:t>
+            </a:r>
+            <a:r>
+              <a:rPr lang="zh-CN" altLang="en-US" dirty="0"/>
+              <a:t> </a:t>
+            </a:r>
+            <a:r>
+              <a:rPr lang="en-US" altLang="zh-CN" dirty="0"/>
+              <a:t>Model</a:t>
+            </a:r>
+            <a:endParaRPr lang="en-US" dirty="0"/>
+          </a:p>
+        </p:txBody>
+      </p:sp>
+      <p:sp>
+        <p:nvSpPr>
+          <p:cNvPr id="3" name="Content Placeholder 2"/>
+          <p:cNvSpPr>
+            <a:spLocks noGrp="1"/>
+          </p:cNvSpPr>
+          <p:nvPr>
+            <p:ph idx="1"/>
+          </p:nvPr>
+        </p:nvSpPr>
+        <p:spPr>
+          <a:xfrm>
+            <a:off x="628650" y="1825625"/>
+            <a:ext cx="7886700" cy="4500224"/>
+          </a:xfrm>
+        </p:spPr>
+        <p:txBody>
+          <a:bodyPr>
+            <a:normAutofit fontScale="92500" lnSpcReduction="10000"/>
+          </a:bodyPr>
+          <a:lstStyle/>
+          <a:p>
+            <a:r>
+              <a:rPr lang="en-US" altLang="zh-CN" dirty="0" smtClean="0"/>
+              <a:t>Implementation</a:t>
+            </a:r>
+            <a:r>
+              <a:rPr lang="zh-CN" altLang="en-US" dirty="0" smtClean="0"/>
+              <a:t> </a:t>
+            </a:r>
+            <a:r>
+              <a:rPr lang="en-US" altLang="zh-CN" dirty="0" smtClean="0"/>
+              <a:t>Result:</a:t>
+            </a:r>
+          </a:p>
+          <a:p>
+            <a:pPr marL="457200" lvl="1" indent="0">
+              <a:buNone/>
+            </a:pPr>
+            <a:r>
+              <a:rPr lang="en-US" altLang="zh-CN" dirty="0" smtClean="0"/>
+              <a:t>The</a:t>
+            </a:r>
+            <a:r>
+              <a:rPr lang="zh-CN" altLang="en-US" dirty="0" smtClean="0"/>
+              <a:t> </a:t>
+            </a:r>
+            <a:r>
+              <a:rPr lang="en-US" altLang="zh-CN" dirty="0" smtClean="0"/>
+              <a:t>average</a:t>
+            </a:r>
+            <a:r>
+              <a:rPr lang="zh-CN" altLang="en-US" dirty="0" smtClean="0"/>
+              <a:t> </a:t>
+            </a:r>
+            <a:r>
+              <a:rPr lang="en-US" altLang="zh-CN" dirty="0" smtClean="0"/>
+              <a:t>test</a:t>
+            </a:r>
+            <a:r>
+              <a:rPr lang="zh-CN" altLang="en-US" dirty="0" smtClean="0"/>
+              <a:t> </a:t>
+            </a:r>
+            <a:r>
+              <a:rPr lang="en-US" altLang="zh-CN" dirty="0" smtClean="0"/>
+              <a:t>accuracy</a:t>
+            </a:r>
+            <a:r>
+              <a:rPr lang="zh-CN" altLang="en-US" dirty="0" smtClean="0"/>
+              <a:t> </a:t>
+            </a:r>
+            <a:r>
+              <a:rPr lang="en-US" altLang="zh-CN" dirty="0" smtClean="0"/>
+              <a:t>is:</a:t>
+            </a:r>
+            <a:r>
+              <a:rPr lang="zh-CN" altLang="en-US" dirty="0" smtClean="0"/>
+              <a:t> </a:t>
+            </a:r>
+            <a:r>
+              <a:rPr lang="en-US" altLang="zh-CN" dirty="0" smtClean="0"/>
+              <a:t>80.4%, the standard deviation is 0.052.</a:t>
+            </a:r>
+          </a:p>
+          <a:p>
+            <a:r>
+              <a:rPr lang="en-US" altLang="zh-CN" dirty="0" smtClean="0"/>
+              <a:t>Comparison</a:t>
+            </a:r>
+            <a:r>
+              <a:rPr lang="zh-CN" altLang="en-US" dirty="0" smtClean="0"/>
+              <a:t> </a:t>
+            </a:r>
+            <a:r>
+              <a:rPr lang="en-US" altLang="zh-CN" dirty="0" smtClean="0"/>
+              <a:t>with</a:t>
+            </a:r>
+            <a:r>
+              <a:rPr lang="zh-CN" altLang="en-US" dirty="0" smtClean="0"/>
+              <a:t> </a:t>
+            </a:r>
+            <a:r>
+              <a:rPr lang="en-US" altLang="zh-CN" dirty="0" smtClean="0"/>
+              <a:t>the</a:t>
+            </a:r>
+            <a:r>
+              <a:rPr lang="zh-CN" altLang="en-US" dirty="0" smtClean="0"/>
+              <a:t> </a:t>
+            </a:r>
+            <a:r>
+              <a:rPr lang="en-US" altLang="zh-CN" dirty="0" smtClean="0"/>
+              <a:t>reference:</a:t>
+            </a:r>
+            <a:endParaRPr lang="en-US" altLang="zh-CN" dirty="0"/>
+          </a:p>
+          <a:p>
+            <a:pPr marL="457200" lvl="1" indent="0">
+              <a:buNone/>
+            </a:pPr>
+            <a:r>
+              <a:rPr lang="en-US" altLang="zh-CN" dirty="0" smtClean="0"/>
+              <a:t>The</a:t>
+            </a:r>
+            <a:r>
+              <a:rPr lang="zh-CN" altLang="en-US" dirty="0" smtClean="0"/>
+              <a:t> </a:t>
+            </a:r>
+            <a:r>
+              <a:rPr lang="en-US" altLang="zh-CN" dirty="0" smtClean="0"/>
+              <a:t>average</a:t>
+            </a:r>
+            <a:r>
+              <a:rPr lang="zh-CN" altLang="en-US" dirty="0" smtClean="0"/>
+              <a:t> </a:t>
+            </a:r>
+            <a:r>
+              <a:rPr lang="en-US" altLang="zh-CN" dirty="0" smtClean="0"/>
+              <a:t>test</a:t>
+            </a:r>
+            <a:r>
+              <a:rPr lang="zh-CN" altLang="en-US" dirty="0" smtClean="0"/>
+              <a:t> </a:t>
+            </a:r>
+            <a:r>
+              <a:rPr lang="en-US" altLang="zh-CN" dirty="0" smtClean="0"/>
+              <a:t>accuracy</a:t>
+            </a:r>
+            <a:r>
+              <a:rPr lang="zh-CN" altLang="en-US" dirty="0" smtClean="0"/>
+              <a:t> </a:t>
+            </a:r>
+            <a:r>
+              <a:rPr lang="en-US" altLang="zh-CN" dirty="0" smtClean="0"/>
+              <a:t>on</a:t>
+            </a:r>
+            <a:r>
+              <a:rPr lang="zh-CN" altLang="en-US" dirty="0" smtClean="0"/>
+              <a:t> </a:t>
+            </a:r>
+            <a:r>
+              <a:rPr lang="en-US" altLang="zh-CN" dirty="0" smtClean="0"/>
+              <a:t>the</a:t>
+            </a:r>
+            <a:r>
+              <a:rPr lang="zh-CN" altLang="en-US" dirty="0" smtClean="0"/>
+              <a:t> </a:t>
+            </a:r>
+            <a:r>
+              <a:rPr lang="en-US" altLang="zh-CN" dirty="0" smtClean="0"/>
+              <a:t>reference</a:t>
+            </a:r>
+            <a:r>
+              <a:rPr lang="zh-CN" altLang="en-US" dirty="0" smtClean="0"/>
+              <a:t> </a:t>
+            </a:r>
+            <a:r>
+              <a:rPr lang="en-US" altLang="zh-CN" dirty="0" smtClean="0"/>
+              <a:t>is</a:t>
+            </a:r>
+            <a:r>
+              <a:rPr lang="zh-CN" altLang="en-US" dirty="0" smtClean="0"/>
+              <a:t> </a:t>
+            </a:r>
+            <a:r>
+              <a:rPr lang="en-US" altLang="zh-CN" dirty="0" smtClean="0"/>
+              <a:t>around</a:t>
+            </a:r>
+            <a:r>
+              <a:rPr lang="zh-CN" altLang="en-US" dirty="0" smtClean="0"/>
+              <a:t> </a:t>
+            </a:r>
+            <a:r>
+              <a:rPr lang="en-US" altLang="zh-CN" dirty="0" smtClean="0"/>
+              <a:t>77%</a:t>
+            </a:r>
+            <a:r>
+              <a:rPr lang="zh-CN" altLang="en-US" dirty="0" smtClean="0"/>
+              <a:t> </a:t>
+            </a:r>
+            <a:r>
+              <a:rPr lang="en-US" altLang="zh-CN" dirty="0" smtClean="0"/>
+              <a:t>when</a:t>
+            </a:r>
+            <a:r>
+              <a:rPr lang="zh-CN" altLang="en-US" dirty="0" smtClean="0"/>
+              <a:t> </a:t>
+            </a:r>
+            <a:r>
+              <a:rPr lang="en-US" altLang="zh-CN" dirty="0" smtClean="0"/>
+              <a:t>using</a:t>
+            </a:r>
+            <a:r>
+              <a:rPr lang="zh-CN" altLang="en-US" dirty="0" smtClean="0"/>
+              <a:t> </a:t>
+            </a:r>
+            <a:r>
+              <a:rPr lang="en-US" altLang="zh-CN" dirty="0" smtClean="0"/>
+              <a:t>the</a:t>
+            </a:r>
+            <a:r>
+              <a:rPr lang="zh-CN" altLang="en-US" dirty="0" smtClean="0"/>
+              <a:t> </a:t>
+            </a:r>
+            <a:r>
+              <a:rPr lang="en-US" altLang="zh-CN" dirty="0" smtClean="0"/>
+              <a:t>9</a:t>
+            </a:r>
+            <a:r>
+              <a:rPr lang="zh-CN" altLang="en-US" dirty="0" smtClean="0"/>
+              <a:t> </a:t>
+            </a:r>
+            <a:r>
+              <a:rPr lang="en-US" altLang="zh-CN" dirty="0" smtClean="0"/>
+              <a:t>neighboring</a:t>
+            </a:r>
+            <a:r>
+              <a:rPr lang="zh-CN" altLang="en-US" dirty="0" smtClean="0"/>
+              <a:t> </a:t>
+            </a:r>
+            <a:r>
+              <a:rPr lang="en-US" altLang="zh-CN" dirty="0" smtClean="0"/>
+              <a:t>residues</a:t>
+            </a:r>
+            <a:r>
+              <a:rPr lang="zh-CN" altLang="en-US" dirty="0" smtClean="0"/>
+              <a:t> </a:t>
+            </a:r>
+            <a:r>
+              <a:rPr lang="en-US" altLang="zh-CN" dirty="0" smtClean="0"/>
+              <a:t>as</a:t>
+            </a:r>
+            <a:r>
+              <a:rPr lang="zh-CN" altLang="en-US" dirty="0" smtClean="0"/>
+              <a:t> </a:t>
+            </a:r>
+            <a:r>
+              <a:rPr lang="en-US" altLang="zh-CN" dirty="0" smtClean="0"/>
+              <a:t>the</a:t>
+            </a:r>
+            <a:r>
+              <a:rPr lang="zh-CN" altLang="en-US" dirty="0" smtClean="0"/>
+              <a:t> </a:t>
+            </a:r>
+            <a:r>
+              <a:rPr lang="en-US" altLang="zh-CN" dirty="0" smtClean="0"/>
+              <a:t>features</a:t>
+            </a:r>
+          </a:p>
+          <a:p>
+            <a:r>
+              <a:rPr lang="en-US" altLang="zh-CN" dirty="0" smtClean="0"/>
+              <a:t>Causes</a:t>
+            </a:r>
+            <a:r>
+              <a:rPr lang="zh-CN" altLang="en-US" dirty="0" smtClean="0"/>
+              <a:t> </a:t>
+            </a:r>
+            <a:r>
+              <a:rPr lang="en-US" altLang="zh-CN" dirty="0" smtClean="0"/>
+              <a:t>for</a:t>
+            </a:r>
+            <a:r>
+              <a:rPr lang="zh-CN" altLang="en-US" dirty="0" smtClean="0"/>
+              <a:t> </a:t>
+            </a:r>
+            <a:r>
+              <a:rPr lang="en-US" altLang="zh-CN" dirty="0" smtClean="0"/>
+              <a:t>the</a:t>
+            </a:r>
+            <a:r>
+              <a:rPr lang="zh-CN" altLang="en-US" dirty="0" smtClean="0"/>
+              <a:t> </a:t>
+            </a:r>
+            <a:r>
+              <a:rPr lang="en-US" altLang="zh-CN" dirty="0" smtClean="0"/>
+              <a:t>difference</a:t>
+            </a:r>
+            <a:r>
+              <a:rPr lang="zh-CN" altLang="en-US" dirty="0" smtClean="0"/>
+              <a:t> </a:t>
+            </a:r>
+            <a:r>
+              <a:rPr lang="en-US" altLang="zh-CN" dirty="0" smtClean="0"/>
+              <a:t>between</a:t>
+            </a:r>
+            <a:r>
+              <a:rPr lang="zh-CN" altLang="en-US" dirty="0" smtClean="0"/>
+              <a:t> </a:t>
+            </a:r>
+            <a:r>
+              <a:rPr lang="en-US" altLang="zh-CN" dirty="0" smtClean="0"/>
+              <a:t>these</a:t>
+            </a:r>
+            <a:r>
+              <a:rPr lang="zh-CN" altLang="en-US" dirty="0" smtClean="0"/>
+              <a:t> </a:t>
+            </a:r>
+            <a:r>
+              <a:rPr lang="en-US" altLang="zh-CN" dirty="0" smtClean="0"/>
+              <a:t>two</a:t>
+            </a:r>
+            <a:r>
+              <a:rPr lang="zh-CN" altLang="en-US" dirty="0" smtClean="0"/>
+              <a:t> </a:t>
+            </a:r>
+            <a:r>
+              <a:rPr lang="en-US" altLang="zh-CN" dirty="0" smtClean="0"/>
+              <a:t>results:</a:t>
+            </a:r>
+          </a:p>
+          <a:p>
+            <a:pPr lvl="1">
+              <a:buFont typeface="Courier New" charset="0"/>
+              <a:buChar char="o"/>
+            </a:pPr>
+            <a:r>
+              <a:rPr lang="en-US" altLang="zh-CN" dirty="0" smtClean="0"/>
+              <a:t>Using</a:t>
+            </a:r>
+            <a:r>
+              <a:rPr lang="zh-CN" altLang="en-US" dirty="0" smtClean="0"/>
+              <a:t> </a:t>
+            </a:r>
+            <a:r>
+              <a:rPr lang="en-US" altLang="zh-CN" dirty="0"/>
+              <a:t>d</a:t>
+            </a:r>
+            <a:r>
+              <a:rPr lang="en-US" altLang="zh-CN" dirty="0" smtClean="0"/>
+              <a:t>ifferent</a:t>
+            </a:r>
+            <a:r>
+              <a:rPr lang="zh-CN" altLang="en-US" dirty="0" smtClean="0"/>
+              <a:t> </a:t>
+            </a:r>
+            <a:r>
+              <a:rPr lang="en-US" altLang="zh-CN" dirty="0" smtClean="0"/>
+              <a:t>standards</a:t>
+            </a:r>
+            <a:r>
+              <a:rPr lang="zh-CN" altLang="en-US" dirty="0" smtClean="0"/>
+              <a:t> </a:t>
+            </a:r>
+            <a:r>
+              <a:rPr lang="en-US" altLang="zh-CN" dirty="0" smtClean="0"/>
+              <a:t>to</a:t>
+            </a:r>
+            <a:r>
+              <a:rPr lang="zh-CN" altLang="en-US" dirty="0" smtClean="0"/>
+              <a:t> </a:t>
+            </a:r>
+            <a:r>
+              <a:rPr lang="en-US" altLang="zh-CN" dirty="0" smtClean="0"/>
+              <a:t>classify</a:t>
+            </a:r>
+            <a:r>
+              <a:rPr lang="zh-CN" altLang="en-US" dirty="0" smtClean="0"/>
+              <a:t> </a:t>
+            </a:r>
+            <a:r>
+              <a:rPr lang="en-US" altLang="zh-CN" dirty="0" smtClean="0"/>
+              <a:t>the</a:t>
+            </a:r>
+            <a:r>
+              <a:rPr lang="zh-CN" altLang="en-US" dirty="0" smtClean="0"/>
+              <a:t> </a:t>
+            </a:r>
+            <a:r>
+              <a:rPr lang="en-US" altLang="zh-CN" dirty="0" smtClean="0"/>
+              <a:t>residues</a:t>
+            </a:r>
+            <a:r>
+              <a:rPr lang="zh-CN" altLang="en-US" dirty="0" smtClean="0"/>
+              <a:t> </a:t>
+            </a:r>
+            <a:r>
+              <a:rPr lang="en-US" altLang="zh-CN" dirty="0" smtClean="0"/>
+              <a:t>into</a:t>
+            </a:r>
+            <a:r>
+              <a:rPr lang="zh-CN" altLang="en-US" dirty="0" smtClean="0"/>
+              <a:t> </a:t>
+            </a:r>
+            <a:r>
+              <a:rPr lang="en-US" altLang="zh-CN" dirty="0" smtClean="0"/>
+              <a:t>two</a:t>
+            </a:r>
+            <a:r>
+              <a:rPr lang="zh-CN" altLang="en-US" dirty="0" smtClean="0"/>
+              <a:t> </a:t>
+            </a:r>
+            <a:r>
+              <a:rPr lang="en-US" altLang="zh-CN" dirty="0" smtClean="0"/>
+              <a:t>classes:</a:t>
+            </a:r>
+            <a:r>
+              <a:rPr lang="zh-CN" altLang="en-US" dirty="0" smtClean="0"/>
+              <a:t> </a:t>
+            </a:r>
+            <a:r>
+              <a:rPr lang="en-US" altLang="zh-CN" dirty="0" smtClean="0"/>
+              <a:t>binding</a:t>
+            </a:r>
+            <a:r>
+              <a:rPr lang="zh-CN" altLang="en-US" dirty="0" smtClean="0"/>
+              <a:t> </a:t>
+            </a:r>
+            <a:r>
+              <a:rPr lang="en-US" altLang="zh-CN" dirty="0" smtClean="0"/>
+              <a:t>residues</a:t>
+            </a:r>
+            <a:r>
+              <a:rPr lang="zh-CN" altLang="en-US" dirty="0" smtClean="0"/>
+              <a:t> </a:t>
+            </a:r>
+            <a:r>
+              <a:rPr lang="en-US" altLang="zh-CN" dirty="0" smtClean="0"/>
+              <a:t>and</a:t>
+            </a:r>
+            <a:r>
+              <a:rPr lang="zh-CN" altLang="en-US" dirty="0" smtClean="0"/>
+              <a:t> </a:t>
+            </a:r>
+            <a:r>
+              <a:rPr lang="en-US" altLang="zh-CN" dirty="0" smtClean="0"/>
+              <a:t>non-binding</a:t>
+            </a:r>
+            <a:r>
+              <a:rPr lang="zh-CN" altLang="en-US" dirty="0" smtClean="0"/>
+              <a:t> </a:t>
+            </a:r>
+            <a:r>
+              <a:rPr lang="en-US" altLang="zh-CN" dirty="0" smtClean="0"/>
+              <a:t>residues</a:t>
+            </a:r>
+          </a:p>
+          <a:p>
+            <a:pPr lvl="1">
+              <a:buFont typeface="Courier New" charset="0"/>
+              <a:buChar char="o"/>
+            </a:pPr>
+            <a:r>
+              <a:rPr lang="en-US" altLang="zh-CN" dirty="0" smtClean="0"/>
+              <a:t>Taking</a:t>
+            </a:r>
+            <a:r>
+              <a:rPr lang="zh-CN" altLang="en-US" dirty="0" smtClean="0"/>
+              <a:t> </a:t>
+            </a:r>
+            <a:r>
+              <a:rPr lang="en-US" altLang="zh-CN" dirty="0" smtClean="0"/>
+              <a:t>the</a:t>
+            </a:r>
+            <a:r>
+              <a:rPr lang="zh-CN" altLang="en-US" dirty="0" smtClean="0"/>
+              <a:t> </a:t>
+            </a:r>
+            <a:r>
+              <a:rPr lang="en-US" altLang="zh-CN" dirty="0" smtClean="0"/>
+              <a:t>residue</a:t>
+            </a:r>
+            <a:r>
+              <a:rPr lang="zh-CN" altLang="en-US" dirty="0" smtClean="0"/>
+              <a:t> </a:t>
+            </a:r>
+            <a:r>
+              <a:rPr lang="en-US" altLang="zh-CN" dirty="0" smtClean="0"/>
+              <a:t>sequences</a:t>
+            </a:r>
+            <a:r>
+              <a:rPr lang="zh-CN" altLang="en-US" dirty="0" smtClean="0"/>
+              <a:t> </a:t>
+            </a:r>
+            <a:r>
+              <a:rPr lang="en-US" altLang="zh-CN" dirty="0" smtClean="0"/>
+              <a:t>from</a:t>
+            </a:r>
+            <a:r>
+              <a:rPr lang="zh-CN" altLang="en-US" dirty="0" smtClean="0"/>
+              <a:t> </a:t>
+            </a:r>
+            <a:r>
+              <a:rPr lang="en-US" altLang="zh-CN" dirty="0" smtClean="0"/>
+              <a:t>different</a:t>
+            </a:r>
+            <a:r>
+              <a:rPr lang="zh-CN" altLang="en-US" dirty="0" smtClean="0"/>
+              <a:t> </a:t>
+            </a:r>
+            <a:r>
+              <a:rPr lang="en-US" altLang="zh-CN" dirty="0" smtClean="0"/>
+              <a:t>chains</a:t>
+            </a:r>
+            <a:r>
+              <a:rPr lang="zh-CN" altLang="en-US" dirty="0" smtClean="0"/>
+              <a:t> </a:t>
+            </a:r>
+            <a:r>
+              <a:rPr lang="en-US" altLang="zh-CN" dirty="0" smtClean="0"/>
+              <a:t>when</a:t>
+            </a:r>
+            <a:r>
+              <a:rPr lang="zh-CN" altLang="en-US" dirty="0" smtClean="0"/>
+              <a:t> </a:t>
+            </a:r>
+            <a:r>
+              <a:rPr lang="en-US" altLang="zh-CN" dirty="0" smtClean="0"/>
+              <a:t>analyzing</a:t>
+            </a:r>
+            <a:r>
+              <a:rPr lang="zh-CN" altLang="en-US" dirty="0" smtClean="0"/>
+              <a:t> </a:t>
+            </a:r>
+            <a:r>
+              <a:rPr lang="en-US" altLang="zh-CN" dirty="0" smtClean="0"/>
+              <a:t>the</a:t>
+            </a:r>
+            <a:r>
+              <a:rPr lang="zh-CN" altLang="en-US" dirty="0" smtClean="0"/>
+              <a:t> </a:t>
+            </a:r>
+            <a:r>
+              <a:rPr lang="en-US" altLang="zh-CN" dirty="0" smtClean="0"/>
+              <a:t>same</a:t>
+            </a:r>
+            <a:r>
+              <a:rPr lang="zh-CN" altLang="en-US" dirty="0" smtClean="0"/>
+              <a:t> </a:t>
+            </a:r>
+            <a:r>
+              <a:rPr lang="en-US" altLang="zh-CN" dirty="0" smtClean="0"/>
+              <a:t>proteins.</a:t>
+            </a:r>
+          </a:p>
+          <a:p>
+            <a:pPr lvl="1">
+              <a:buFont typeface="Courier New" charset="0"/>
+              <a:buChar char="o"/>
+            </a:pPr>
+            <a:r>
+              <a:rPr lang="en-US" altLang="zh-CN" dirty="0" smtClean="0"/>
+              <a:t>Arithmetic</a:t>
+            </a:r>
+            <a:r>
+              <a:rPr lang="zh-CN" altLang="en-US" dirty="0" smtClean="0"/>
+              <a:t> </a:t>
+            </a:r>
+            <a:r>
+              <a:rPr lang="en-US" altLang="zh-CN" dirty="0" smtClean="0"/>
+              <a:t>calculation</a:t>
+            </a:r>
+            <a:r>
+              <a:rPr lang="zh-CN" altLang="en-US" dirty="0" smtClean="0"/>
+              <a:t> </a:t>
+            </a:r>
+            <a:r>
+              <a:rPr lang="en-US" altLang="zh-CN" dirty="0" smtClean="0"/>
+              <a:t>details</a:t>
+            </a:r>
+            <a:r>
+              <a:rPr lang="zh-CN" altLang="en-US" dirty="0" smtClean="0"/>
+              <a:t> </a:t>
+            </a:r>
+            <a:r>
+              <a:rPr lang="en-US" altLang="zh-CN" dirty="0" smtClean="0"/>
+              <a:t>might</a:t>
+            </a:r>
+            <a:r>
+              <a:rPr lang="zh-CN" altLang="en-US" dirty="0" smtClean="0"/>
+              <a:t> </a:t>
+            </a:r>
+            <a:r>
+              <a:rPr lang="en-US" altLang="zh-CN" dirty="0" smtClean="0"/>
+              <a:t>also</a:t>
+            </a:r>
+            <a:r>
+              <a:rPr lang="zh-CN" altLang="en-US" dirty="0" smtClean="0"/>
+              <a:t> </a:t>
+            </a:r>
+            <a:r>
+              <a:rPr lang="en-US" altLang="zh-CN" dirty="0" smtClean="0"/>
+              <a:t>affect</a:t>
+            </a:r>
+            <a:r>
+              <a:rPr lang="zh-CN" altLang="en-US" dirty="0" smtClean="0"/>
+              <a:t> </a:t>
+            </a:r>
+            <a:r>
+              <a:rPr lang="en-US" altLang="zh-CN" dirty="0" smtClean="0"/>
+              <a:t>the</a:t>
+            </a:r>
+            <a:r>
+              <a:rPr lang="zh-CN" altLang="en-US" dirty="0" smtClean="0"/>
+              <a:t> </a:t>
+            </a:r>
+            <a:r>
+              <a:rPr lang="en-US" altLang="zh-CN" dirty="0" smtClean="0"/>
+              <a:t>result</a:t>
+            </a:r>
+            <a:r>
+              <a:rPr lang="zh-CN" altLang="en-US" dirty="0" smtClean="0"/>
+              <a:t> </a:t>
+            </a:r>
+            <a:r>
+              <a:rPr lang="en-US" altLang="zh-CN" dirty="0" smtClean="0"/>
+              <a:t>slightly.</a:t>
+            </a:r>
+          </a:p>
+          <a:p>
+            <a:pPr lvl="1">
+              <a:buFont typeface="Courier New" charset="0"/>
+              <a:buChar char="o"/>
+            </a:pPr>
+            <a:endParaRPr lang="en-US" altLang="zh-CN" dirty="0"/>
+          </a:p>
+        </p:txBody>
+      </p:sp>
+    </p:spTree>
+    <p:extLst>
+      <p:ext uri="{BB962C8B-B14F-4D97-AF65-F5344CB8AC3E}">
+        <p14:creationId xmlns:p14="http://schemas.microsoft.com/office/powerpoint/2010/main" val="1265793179"/>
+      </p:ext>
+    </p:extLst>
+  </p:cSld>
+  <p:clrMapOvr>
+    <a:masterClrMapping/>
+  </p:clrMapOvr>
+  <p:timing>
+    <p:tnLst>
+      <p:par>
+        <p:cTn id="1" dur="indefinite" restart="never" nodeType="tmRoot"/>
+      </p:par>
+    </p:tnLst>
+  </p:timing>
+</p:sld>
+</file>
+
+<file path=ppt/slides/slide17.xml><?xml version="1.0" encoding="utf-8"?>
+<p:sld xmlns:a="http://schemas.openxmlformats.org/drawingml/2006/main" xmlns:r="http://schemas.openxmlformats.org/officeDocument/2006/relationships" xmlns:p="http://schemas.openxmlformats.org/presentationml/2006/main">
+  <p:cSld>
+    <p:spTree>
+      <p:nvGrpSpPr>
+        <p:cNvPr id="1" name=""/>
+        <p:cNvGrpSpPr/>
+        <p:nvPr/>
+      </p:nvGrpSpPr>
+      <p:grpSpPr>
+        <a:xfrm>
+          <a:off x="0" y="0"/>
+          <a:ext cx="0" cy="0"/>
+          <a:chOff x="0" y="0"/>
+          <a:chExt cx="0" cy="0"/>
+        </a:xfrm>
+      </p:grpSpPr>
+      <p:sp>
+        <p:nvSpPr>
+          <p:cNvPr id="2" name="Title 1"/>
+          <p:cNvSpPr>
+            <a:spLocks noGrp="1"/>
+          </p:cNvSpPr>
+          <p:nvPr>
+            <p:ph type="title"/>
+          </p:nvPr>
+        </p:nvSpPr>
+        <p:spPr/>
+        <p:txBody>
+          <a:bodyPr/>
+          <a:lstStyle/>
+          <a:p>
+            <a:r>
               <a:rPr lang="en-US" altLang="zh-CN" dirty="0" smtClean="0"/>
               <a:t>Next</a:t>
             </a:r>
@@ -11359,7 +14216,7 @@
 </p:sld>
 </file>
 
-<file path=ppt/slides/slide17.xml><?xml version="1.0" encoding="utf-8"?>
+<file path=ppt/slides/slide18.xml><?xml version="1.0" encoding="utf-8"?>
 <p:sld xmlns:a="http://schemas.openxmlformats.org/drawingml/2006/main" xmlns:r="http://schemas.openxmlformats.org/officeDocument/2006/relationships" xmlns:p="http://schemas.openxmlformats.org/presentationml/2006/main">
   <p:cSld>
     <p:spTree>
